--- a/poster/poster_hql 2.pptx
+++ b/poster/poster_hql 2.pptx
@@ -1697,7 +1697,7 @@
         <p:spPr>
           <a:xfrm>
             <a:off x="1076705" y="2100620"/>
-            <a:ext cx="30764989" cy="4290061"/>
+            <a:ext cx="30764989" cy="5053077"/>
           </a:xfrm>
           <a:prstGeom prst="rect">
             <a:avLst/>
@@ -1728,7 +1728,39 @@
               </a:defRPr>
             </a:pPr>
             <a:r>
-              <a:t>People </a:t>
+              <a:t>Dhruv Sood</a:t>
+            </a:r>
+            <a:r>
+              <a:rPr baseline="31999"/>
+              <a:t>1</a:t>
+            </a:r>
+            <a:r>
+              <a:t>, Manish Modani</a:t>
+            </a:r>
+            <a:r>
+              <a:rPr baseline="31999"/>
+              <a:t>2</a:t>
+            </a:r>
+            <a:r>
+              <a:t>, Nilmani Mathur</a:t>
+            </a:r>
+            <a:r>
+              <a:rPr baseline="31999"/>
+              <a:t>1</a:t>
+            </a:r>
+            <a:r>
+              <a:t>, Vikram Tripathi</a:t>
+            </a:r>
+            <a:r>
+              <a:rPr baseline="31999"/>
+              <a:t>1</a:t>
+            </a:r>
+            <a:r>
+              <a:t>, Andreas Hehn</a:t>
+            </a:r>
+            <a:r>
+              <a:rPr baseline="31999"/>
+              <a:t>2</a:t>
             </a:r>
             <a:endParaRPr sz="13400"/>
           </a:p>
@@ -1745,7 +1777,29 @@
             </a:pPr>
             <a:r>
               <a:rPr baseline="31999"/>
-              <a:t>Institutes</a:t>
+              <a:t>1</a:t>
+            </a:r>
+            <a:r>
+              <a:t>Department of Theoretical Physics, Tata Institute of Fundamental Research, Mumbai</a:t>
+            </a:r>
+          </a:p>
+          <a:p>
+            <a:pPr algn="ctr" defTabSz="4389027">
+              <a:spcBef>
+                <a:spcPts val="1000"/>
+              </a:spcBef>
+              <a:defRPr sz="4200">
+                <a:solidFill>
+                  <a:srgbClr val="FFFFFF"/>
+                </a:solidFill>
+              </a:defRPr>
+            </a:pPr>
+            <a:r>
+              <a:rPr baseline="31999"/>
+              <a:t>2</a:t>
+            </a:r>
+            <a:r>
+              <a:t>Ask</a:t>
             </a:r>
           </a:p>
           <a:p>
@@ -1784,12 +1838,12 @@
         </p:nvSpPr>
         <p:spPr>
           <a:xfrm>
-            <a:off x="728575" y="15631438"/>
-            <a:ext cx="15300341" cy="4949121"/>
+            <a:off x="576175" y="15517138"/>
+            <a:ext cx="15236841" cy="11328401"/>
           </a:xfrm>
           <a:prstGeom prst="roundRect">
             <a:avLst>
-              <a:gd name="adj" fmla="val 4566"/>
+              <a:gd name="adj" fmla="val 1995"/>
             </a:avLst>
           </a:prstGeom>
           <a:solidFill>
@@ -1995,7 +2049,7 @@
         </p:nvSpPr>
         <p:spPr>
           <a:xfrm>
-            <a:off x="17106900" y="5651500"/>
+            <a:off x="17183100" y="5588000"/>
             <a:ext cx="15300341" cy="27479601"/>
           </a:xfrm>
           <a:prstGeom prst="roundRect">
@@ -2036,8 +2090,8 @@
         </p:nvSpPr>
         <p:spPr>
           <a:xfrm>
-            <a:off x="728575" y="15631438"/>
-            <a:ext cx="15300341" cy="1199541"/>
+            <a:off x="728575" y="15466338"/>
+            <a:ext cx="15236841" cy="1199541"/>
           </a:xfrm>
           <a:prstGeom prst="roundRect">
             <a:avLst>
@@ -2079,7 +2133,7 @@
         </p:nvSpPr>
         <p:spPr>
           <a:xfrm>
-            <a:off x="1380865" y="15956509"/>
+            <a:off x="1317365" y="15791409"/>
             <a:ext cx="13817962" cy="636979"/>
           </a:xfrm>
           <a:prstGeom prst="rect">
@@ -2114,111 +2168,33 @@
           <a:p>
             <a:pPr/>
             <a:r>
-              <a:t>Sofwares Used [working title]</a:t>
+              <a:t>The NVIDIA CuQuantum SDK</a:t>
             </a:r>
           </a:p>
         </p:txBody>
       </p:sp>
       <p:sp>
         <p:nvSpPr>
-          <p:cNvPr id="42" name="TextBox 45"/>
-          <p:cNvSpPr txBox="1"/>
-          <p:nvPr/>
-        </p:nvSpPr>
-        <p:spPr>
-          <a:xfrm>
-            <a:off x="7420309" y="17304608"/>
-            <a:ext cx="8129950" cy="2661007"/>
-          </a:xfrm>
-          <a:prstGeom prst="rect">
-            <a:avLst/>
-          </a:prstGeom>
-          <a:ln w="12700">
-            <a:miter lim="400000"/>
-          </a:ln>
-          <a:extLst>
-            <a:ext uri="{C572A759-6A51-4108-AA02-DFA0A04FC94B}">
-              <ma14:wrappingTextBoxFlag xmlns:ma14="http://schemas.microsoft.com/office/mac/drawingml/2011/main" val="1"/>
-            </a:ext>
-          </a:extLst>
-        </p:spPr>
-        <p:txBody>
-          <a:bodyPr lIns="45719" rIns="45719">
-            <a:spAutoFit/>
-          </a:bodyPr>
-          <a:lstStyle/>
-          <a:p>
-            <a:pPr marL="274319" indent="-274319">
-              <a:buSzPct val="100000"/>
-              <a:buChar char="•"/>
-              <a:defRPr>
-                <a:latin typeface="Helvetica Neue"/>
-                <a:ea typeface="Helvetica Neue"/>
-                <a:cs typeface="Helvetica Neue"/>
-                <a:sym typeface="Helvetica Neue"/>
-              </a:defRPr>
-            </a:pPr>
-            <a:r>
-              <a:t>The HHL algorithm was implemented using IBM Qiskit library for Python. [ref for qiskit and python (?)]</a:t>
-            </a:r>
-          </a:p>
-          <a:p>
-            <a:pPr marL="228600" indent="-228600">
-              <a:buSzPct val="100000"/>
-              <a:buChar char="•"/>
-              <a:defRPr>
-                <a:latin typeface="Helvetica Neue"/>
-                <a:ea typeface="Helvetica Neue"/>
-                <a:cs typeface="Helvetica Neue"/>
-                <a:sym typeface="Helvetica Neue"/>
-              </a:defRPr>
-            </a:pPr>
-            <a:r>
-              <a:t>This implementation was run using the NVIDIA cuQuantum SDK to speed up simulations and increase the number of qubits used.</a:t>
-            </a:r>
-          </a:p>
-          <a:p>
-            <a:pPr marL="228600" indent="-228600">
-              <a:buSzPct val="100000"/>
-              <a:buChar char="•"/>
-              <a:defRPr>
-                <a:latin typeface="Helvetica Neue"/>
-                <a:ea typeface="Helvetica Neue"/>
-                <a:cs typeface="Helvetica Neue"/>
-                <a:sym typeface="Helvetica Neue"/>
-              </a:defRPr>
-            </a:pPr>
-            <a:r>
-              <a:t>The inputs were taken to random but invertible matrices/vectors for all the results presented here.</a:t>
-            </a:r>
-          </a:p>
-        </p:txBody>
-      </p:sp>
-      <p:sp>
-        <p:nvSpPr>
-          <p:cNvPr id="43" name="not sure what…"/>
+          <p:cNvPr id="42" name="Rounded Rectangle"/>
           <p:cNvSpPr/>
           <p:nvPr/>
         </p:nvSpPr>
         <p:spPr>
           <a:xfrm>
-            <a:off x="1406264" y="17384346"/>
-            <a:ext cx="5604105" cy="2914665"/>
+            <a:off x="1330064" y="17181146"/>
+            <a:ext cx="6400801" cy="4724401"/>
           </a:xfrm>
           <a:prstGeom prst="roundRect">
             <a:avLst>
-              <a:gd name="adj" fmla="val 15000"/>
+              <a:gd name="adj" fmla="val 9254"/>
             </a:avLst>
           </a:prstGeom>
           <a:solidFill>
             <a:srgbClr val="FFFFFF"/>
           </a:solidFill>
-          <a:ln w="50800">
-            <a:solidFill>
-              <a:schemeClr val="accent5">
-                <a:satOff val="-6843"/>
-                <a:lumOff val="-10705"/>
-              </a:schemeClr>
+          <a:ln w="25400">
+            <a:solidFill>
+              <a:schemeClr val="accent1"/>
             </a:solidFill>
           </a:ln>
           <a:effectLst>
@@ -2228,78 +2204,13 @@
               </a:srgbClr>
             </a:outerShdw>
           </a:effectLst>
-          <a:extLst>
-            <a:ext uri="{C572A759-6A51-4108-AA02-DFA0A04FC94B}">
-              <ma14:wrappingTextBoxFlag xmlns:ma14="http://schemas.microsoft.com/office/mac/drawingml/2011/main" val="1"/>
-            </a:ext>
-          </a:extLst>
         </p:spPr>
         <p:txBody>
           <a:bodyPr lIns="45719" rIns="45719" anchor="ctr"/>
           <a:lstStyle/>
           <a:p>
             <a:pPr algn="ctr">
-              <a:defRPr sz="4500">
-                <a:solidFill>
-                  <a:srgbClr val="000000"/>
-                </a:solidFill>
-                <a:latin typeface="Arial"/>
-                <a:ea typeface="Arial"/>
-                <a:cs typeface="Arial"/>
-                <a:sym typeface="Arial"/>
-              </a:defRPr>
-            </a:pPr>
-            <a:r>
-              <a:t>not sure what</a:t>
-            </a:r>
-          </a:p>
-          <a:p>
-            <a:pPr algn="ctr">
-              <a:defRPr sz="4500">
-                <a:solidFill>
-                  <a:srgbClr val="000000"/>
-                </a:solidFill>
-                <a:latin typeface="Arial"/>
-                <a:ea typeface="Arial"/>
-                <a:cs typeface="Arial"/>
-                <a:sym typeface="Arial"/>
-              </a:defRPr>
-            </a:pPr>
-            <a:r>
-              <a:t>to put here</a:t>
-            </a:r>
-          </a:p>
-        </p:txBody>
-      </p:sp>
-      <p:sp>
-        <p:nvSpPr>
-          <p:cNvPr id="44" name="Rectangle: Rounded Corners 41"/>
-          <p:cNvSpPr/>
-          <p:nvPr/>
-        </p:nvSpPr>
-        <p:spPr>
-          <a:xfrm>
-            <a:off x="728575" y="21168075"/>
-            <a:ext cx="15300341" cy="10307083"/>
-          </a:xfrm>
-          <a:prstGeom prst="roundRect">
-            <a:avLst>
-              <a:gd name="adj" fmla="val 2193"/>
-            </a:avLst>
-          </a:prstGeom>
-          <a:solidFill>
-            <a:srgbClr val="E3E3E3"/>
-          </a:solidFill>
-          <a:ln w="12700">
-            <a:miter lim="400000"/>
-          </a:ln>
-        </p:spPr>
-        <p:txBody>
-          <a:bodyPr lIns="45719" rIns="45719" anchor="ctr"/>
-          <a:lstStyle/>
-          <a:p>
-            <a:pPr algn="ctr">
-              <a:defRPr sz="7200">
+              <a:defRPr sz="6500">
                 <a:solidFill>
                   <a:srgbClr val="FFFFFF"/>
                 </a:solidFill>
@@ -2314,7 +2225,7 @@
       </p:sp>
       <p:sp>
         <p:nvSpPr>
-          <p:cNvPr id="45" name="Rectangle: Rounded Corners 44"/>
+          <p:cNvPr id="43" name="Rectangle: Rounded Corners 44"/>
           <p:cNvSpPr/>
           <p:nvPr/>
         </p:nvSpPr>
@@ -2355,7 +2266,7 @@
       </p:sp>
       <p:sp>
         <p:nvSpPr>
-          <p:cNvPr id="46" name="Rectangle: Rounded Corners 38"/>
+          <p:cNvPr id="44" name="Rectangle: Rounded Corners 38"/>
           <p:cNvSpPr/>
           <p:nvPr/>
         </p:nvSpPr>
@@ -2398,7 +2309,7 @@
       </p:sp>
       <p:sp>
         <p:nvSpPr>
-          <p:cNvPr id="47" name="TextBox 46"/>
+          <p:cNvPr id="45" name="TextBox 46"/>
           <p:cNvSpPr txBox="1"/>
           <p:nvPr/>
         </p:nvSpPr>
@@ -2446,7 +2357,7 @@
       </p:sp>
       <p:sp>
         <p:nvSpPr>
-          <p:cNvPr id="48" name="TextBox 45"/>
+          <p:cNvPr id="46" name="TextBox 45"/>
           <p:cNvSpPr txBox="1"/>
           <p:nvPr/>
         </p:nvSpPr>
@@ -2493,7 +2404,7 @@
       </p:sp>
       <p:sp>
         <p:nvSpPr>
-          <p:cNvPr id="49" name="Rectangle: Rounded Corners 70"/>
+          <p:cNvPr id="47" name="Rectangle: Rounded Corners 70"/>
           <p:cNvSpPr/>
           <p:nvPr/>
         </p:nvSpPr>
@@ -2534,122 +2445,13 @@
       </p:sp>
       <p:sp>
         <p:nvSpPr>
-          <p:cNvPr id="50" name="adsfdsfdsfdsfdg"/>
-          <p:cNvSpPr/>
-          <p:nvPr/>
-        </p:nvSpPr>
-        <p:spPr>
-          <a:xfrm>
-            <a:off x="1955828" y="6853146"/>
-            <a:ext cx="13309601" cy="4648201"/>
-          </a:xfrm>
-          <a:prstGeom prst="roundRect">
-            <a:avLst>
-              <a:gd name="adj" fmla="val 23573"/>
-            </a:avLst>
-          </a:prstGeom>
-          <a:solidFill>
-            <a:srgbClr val="FFFFFF"/>
-          </a:solidFill>
-          <a:ln w="25400">
-            <a:solidFill>
-              <a:schemeClr val="accent1"/>
-            </a:solidFill>
-          </a:ln>
-          <a:effectLst>
-            <a:outerShdw sx="100000" sy="100000" kx="0" ky="0" algn="b" rotWithShape="0" blurRad="38100" dist="23000" dir="5400000">
-              <a:srgbClr val="000000">
-                <a:alpha val="35000"/>
-              </a:srgbClr>
-            </a:outerShdw>
-          </a:effectLst>
-          <a:extLst>
-            <a:ext uri="{C572A759-6A51-4108-AA02-DFA0A04FC94B}">
-              <ma14:wrappingTextBoxFlag xmlns:ma14="http://schemas.microsoft.com/office/mac/drawingml/2011/main" val="1"/>
-            </a:ext>
-          </a:extLst>
-        </p:spPr>
-        <p:txBody>
-          <a:bodyPr lIns="45719" rIns="45719" anchor="ctr"/>
-          <a:lstStyle>
-            <a:lvl1pPr algn="ctr">
-              <a:defRPr sz="6500">
-                <a:solidFill>
-                  <a:srgbClr val="FFFFFF"/>
-                </a:solidFill>
-                <a:latin typeface="Arial"/>
-                <a:ea typeface="Arial"/>
-                <a:cs typeface="Arial"/>
-                <a:sym typeface="Arial"/>
-              </a:defRPr>
-            </a:lvl1pPr>
-          </a:lstStyle>
-          <a:p>
-            <a:pPr/>
-            <a:r>
-              <a:t>adsfdsfdsfdsfdg</a:t>
-            </a:r>
-          </a:p>
-        </p:txBody>
-      </p:sp>
-      <p:sp>
-        <p:nvSpPr>
-          <p:cNvPr id="51" name="qiskit circuit diagram here"/>
-          <p:cNvSpPr/>
-          <p:nvPr/>
-        </p:nvSpPr>
-        <p:spPr>
-          <a:xfrm>
-            <a:off x="2265456" y="7777860"/>
-            <a:ext cx="12230101" cy="3492501"/>
-          </a:xfrm>
-          <a:prstGeom prst="rect">
-            <a:avLst/>
-          </a:prstGeom>
-          <a:solidFill>
-            <a:srgbClr val="FFFFFF"/>
-          </a:solidFill>
-          <a:ln w="12700">
-            <a:miter lim="400000"/>
-          </a:ln>
-          <a:extLst>
-            <a:ext uri="{C572A759-6A51-4108-AA02-DFA0A04FC94B}">
-              <ma14:wrappingTextBoxFlag xmlns:ma14="http://schemas.microsoft.com/office/mac/drawingml/2011/main" val="1"/>
-            </a:ext>
-          </a:extLst>
-        </p:spPr>
-        <p:txBody>
-          <a:bodyPr lIns="45719" rIns="45719" anchor="ctr"/>
-          <a:lstStyle>
-            <a:lvl1pPr algn="ctr">
-              <a:defRPr sz="5000">
-                <a:solidFill>
-                  <a:srgbClr val="000000"/>
-                </a:solidFill>
-                <a:latin typeface="Helvetica Neue"/>
-                <a:ea typeface="Helvetica Neue"/>
-                <a:cs typeface="Helvetica Neue"/>
-                <a:sym typeface="Helvetica Neue"/>
-              </a:defRPr>
-            </a:lvl1pPr>
-          </a:lstStyle>
-          <a:p>
-            <a:pPr/>
-            <a:r>
-              <a:t>qiskit circuit diagram here</a:t>
-            </a:r>
-          </a:p>
-        </p:txBody>
-      </p:sp>
-      <p:sp>
-        <p:nvSpPr>
-          <p:cNvPr id="52" name="TextBox 45"/>
+          <p:cNvPr id="48" name="TextBox 45"/>
           <p:cNvSpPr txBox="1"/>
           <p:nvPr/>
         </p:nvSpPr>
         <p:spPr>
           <a:xfrm>
-            <a:off x="1941545" y="11685961"/>
+            <a:off x="1649445" y="11584361"/>
             <a:ext cx="13193782" cy="3130551"/>
           </a:xfrm>
           <a:prstGeom prst="rect">
@@ -2733,7 +2535,7 @@
       </p:sp>
       <p:sp>
         <p:nvSpPr>
-          <p:cNvPr id="53" name="TextBox 45"/>
+          <p:cNvPr id="49" name="TextBox 45"/>
           <p:cNvSpPr txBox="1"/>
           <p:nvPr/>
         </p:nvSpPr>
@@ -2780,7 +2582,7 @@
       </p:sp>
       <p:sp>
         <p:nvSpPr>
-          <p:cNvPr id="54" name="Rectangle: Rounded Corners 38"/>
+          <p:cNvPr id="50" name="Rectangle: Rounded Corners 38"/>
           <p:cNvSpPr/>
           <p:nvPr/>
         </p:nvSpPr>
@@ -2823,7 +2625,7 @@
       </p:sp>
       <p:sp>
         <p:nvSpPr>
-          <p:cNvPr id="55" name="TextBox 46"/>
+          <p:cNvPr id="51" name="TextBox 46"/>
           <p:cNvSpPr txBox="1"/>
           <p:nvPr/>
         </p:nvSpPr>
@@ -2871,7 +2673,7 @@
       </p:sp>
       <p:sp>
         <p:nvSpPr>
-          <p:cNvPr id="56" name="Rectangle"/>
+          <p:cNvPr id="52" name="Rectangle"/>
           <p:cNvSpPr/>
           <p:nvPr/>
         </p:nvSpPr>
@@ -2919,7 +2721,7 @@
       </p:sp>
       <p:pic>
         <p:nvPicPr>
-          <p:cNvPr id="57" name="Tata_Institute_of_Fundamental_Research_logo.png" descr="Tata_Institute_of_Fundamental_Research_logo.png"/>
+          <p:cNvPr id="53" name="Tata_Institute_of_Fundamental_Research_logo.png" descr="Tata_Institute_of_Fundamental_Research_logo.png"/>
           <p:cNvPicPr>
             <a:picLocks noChangeAspect="1"/>
           </p:cNvPicPr>
@@ -2948,7 +2750,7 @@
       </p:pic>
       <p:sp>
         <p:nvSpPr>
-          <p:cNvPr id="58" name="Rectangle: Rounded Corners 38"/>
+          <p:cNvPr id="54" name="Rectangle: Rounded Corners 38"/>
           <p:cNvSpPr/>
           <p:nvPr/>
         </p:nvSpPr>
@@ -2991,7 +2793,7 @@
       </p:sp>
       <p:sp>
         <p:nvSpPr>
-          <p:cNvPr id="59" name="TextBox 46"/>
+          <p:cNvPr id="55" name="TextBox 46"/>
           <p:cNvSpPr txBox="1"/>
           <p:nvPr/>
         </p:nvSpPr>
@@ -3039,14 +2841,14 @@
       </p:sp>
       <p:sp>
         <p:nvSpPr>
-          <p:cNvPr id="60" name="Rounded Rectangle"/>
+          <p:cNvPr id="56" name="Rounded Rectangle"/>
           <p:cNvSpPr/>
           <p:nvPr/>
         </p:nvSpPr>
         <p:spPr>
           <a:xfrm>
-            <a:off x="723900" y="21717000"/>
-            <a:ext cx="15265400" cy="11404600"/>
+            <a:off x="736600" y="27736800"/>
+            <a:ext cx="15163800" cy="11404600"/>
           </a:xfrm>
           <a:prstGeom prst="roundRect">
             <a:avLst>
@@ -3089,13 +2891,13 @@
       </p:sp>
       <p:sp>
         <p:nvSpPr>
-          <p:cNvPr id="61" name="Rectangle: Rounded Corners 38"/>
+          <p:cNvPr id="57" name="Rectangle: Rounded Corners 38"/>
           <p:cNvSpPr/>
           <p:nvPr/>
         </p:nvSpPr>
         <p:spPr>
           <a:xfrm>
-            <a:off x="787400" y="21168075"/>
+            <a:off x="723900" y="27530775"/>
             <a:ext cx="15176500" cy="1199541"/>
           </a:xfrm>
           <a:prstGeom prst="roundRect">
@@ -3132,69 +2934,14 @@
       </p:sp>
       <p:sp>
         <p:nvSpPr>
-          <p:cNvPr id="62" name="TextBox 46"/>
+          <p:cNvPr id="58" name="TextBox 46"/>
           <p:cNvSpPr txBox="1"/>
           <p:nvPr/>
         </p:nvSpPr>
         <p:spPr>
           <a:xfrm>
-            <a:off x="1469765" y="21429646"/>
-            <a:ext cx="13817962" cy="642916"/>
-          </a:xfrm>
-          <a:prstGeom prst="rect">
-            <a:avLst/>
-          </a:prstGeom>
-          <a:ln w="12700">
-            <a:miter lim="400000"/>
-          </a:ln>
-          <a:extLst>
-            <a:ext uri="{C572A759-6A51-4108-AA02-DFA0A04FC94B}">
-              <ma14:wrappingTextBoxFlag xmlns:ma14="http://schemas.microsoft.com/office/mac/drawingml/2011/main" val="1"/>
-            </a:ext>
-          </a:extLst>
-        </p:spPr>
-        <p:txBody>
-          <a:bodyPr lIns="45719" rIns="45719">
-            <a:spAutoFit/>
-          </a:bodyPr>
-          <a:lstStyle/>
-          <a:p>
-            <a:pPr>
-              <a:defRPr b="1" sz="3600">
-                <a:solidFill>
-                  <a:srgbClr val="FFFFFF"/>
-                </a:solidFill>
-                <a:latin typeface="Montserrat Extra Bold"/>
-                <a:ea typeface="Montserrat Extra Bold"/>
-                <a:cs typeface="Montserrat Extra Bold"/>
-                <a:sym typeface="Montserrat Extra Bold"/>
-              </a:defRPr>
-            </a:pPr>
-            <a:r>
-              <a:t>CPU </a:t>
-            </a:r>
-            <a:r>
-              <a:rPr>
-                <a:latin typeface="Helvetica Neue"/>
-                <a:ea typeface="Helvetica Neue"/>
-                <a:cs typeface="Helvetica Neue"/>
-                <a:sym typeface="Helvetica Neue"/>
-              </a:rPr>
-              <a:t>Runs</a:t>
-            </a:r>
-          </a:p>
-        </p:txBody>
-      </p:sp>
-      <p:sp>
-        <p:nvSpPr>
-          <p:cNvPr id="63" name="Timings and plots for CPU runs on guppy. I will put them here for N=4,8,16 runs. Larger if possible."/>
-          <p:cNvSpPr txBox="1"/>
-          <p:nvPr/>
-        </p:nvSpPr>
-        <p:spPr>
-          <a:xfrm>
-            <a:off x="1384300" y="22987000"/>
-            <a:ext cx="6997700" cy="1187806"/>
+            <a:off x="1469765" y="27792346"/>
+            <a:ext cx="13817962" cy="637541"/>
           </a:xfrm>
           <a:prstGeom prst="rect">
             <a:avLst/>
@@ -3214,125 +2961,35 @@
           </a:bodyPr>
           <a:lstStyle>
             <a:lvl1pPr>
-              <a:defRPr>
-                <a:latin typeface="Helvetica Neue"/>
-                <a:ea typeface="Helvetica Neue"/>
-                <a:cs typeface="Helvetica Neue"/>
-                <a:sym typeface="Helvetica Neue"/>
+              <a:defRPr b="1" sz="3600">
+                <a:solidFill>
+                  <a:srgbClr val="FFFFFF"/>
+                </a:solidFill>
+                <a:latin typeface="Montserrat Extra Bold"/>
+                <a:ea typeface="Montserrat Extra Bold"/>
+                <a:cs typeface="Montserrat Extra Bold"/>
+                <a:sym typeface="Montserrat Extra Bold"/>
               </a:defRPr>
             </a:lvl1pPr>
           </a:lstStyle>
           <a:p>
             <a:pPr/>
             <a:r>
-              <a:t>Timings and plots for CPU runs on guppy. I will put them here for N=4,8,16 runs. Larger if possible.</a:t>
+              <a:t>A Test : Diagonal Matrices</a:t>
             </a:r>
           </a:p>
         </p:txBody>
       </p:sp>
       <p:sp>
         <p:nvSpPr>
-          <p:cNvPr id="64" name="Rounded Rectangle"/>
-          <p:cNvSpPr/>
-          <p:nvPr/>
-        </p:nvSpPr>
-        <p:spPr>
-          <a:xfrm>
-            <a:off x="736600" y="34048700"/>
-            <a:ext cx="15265400" cy="9194800"/>
-          </a:xfrm>
-          <a:prstGeom prst="roundRect">
-            <a:avLst>
-              <a:gd name="adj" fmla="val 5141"/>
-            </a:avLst>
-          </a:prstGeom>
-          <a:solidFill>
-            <a:srgbClr val="DDDDDD"/>
-          </a:solidFill>
-          <a:ln w="25400">
-            <a:solidFill>
-              <a:schemeClr val="accent1"/>
-            </a:solidFill>
-          </a:ln>
-          <a:effectLst>
-            <a:outerShdw sx="100000" sy="100000" kx="0" ky="0" algn="b" rotWithShape="0" blurRad="38100" dist="23000" dir="5400000">
-              <a:srgbClr val="000000">
-                <a:alpha val="35000"/>
-              </a:srgbClr>
-            </a:outerShdw>
-          </a:effectLst>
-        </p:spPr>
-        <p:txBody>
-          <a:bodyPr lIns="45719" rIns="45719" anchor="ctr"/>
-          <a:lstStyle/>
-          <a:p>
-            <a:pPr algn="ctr">
-              <a:defRPr sz="6500">
-                <a:solidFill>
-                  <a:srgbClr val="DDDDDD"/>
-                </a:solidFill>
-                <a:latin typeface="Arial"/>
-                <a:ea typeface="Arial"/>
-                <a:cs typeface="Arial"/>
-                <a:sym typeface="Arial"/>
-              </a:defRPr>
-            </a:pPr>
-          </a:p>
-        </p:txBody>
-      </p:sp>
-      <p:sp>
-        <p:nvSpPr>
-          <p:cNvPr id="65" name="Rectangle: Rounded Corners 38"/>
-          <p:cNvSpPr/>
-          <p:nvPr/>
-        </p:nvSpPr>
-        <p:spPr>
-          <a:xfrm>
-            <a:off x="736600" y="33616900"/>
-            <a:ext cx="15300341" cy="1199541"/>
-          </a:xfrm>
-          <a:prstGeom prst="roundRect">
-            <a:avLst>
-              <a:gd name="adj" fmla="val 21824"/>
-            </a:avLst>
-          </a:prstGeom>
-          <a:solidFill>
-            <a:srgbClr val="3D6676"/>
-          </a:solidFill>
-          <a:ln w="127000">
-            <a:solidFill>
-              <a:srgbClr val="000000"/>
-            </a:solidFill>
-          </a:ln>
-        </p:spPr>
-        <p:txBody>
-          <a:bodyPr lIns="45719" rIns="45719" anchor="ctr"/>
-          <a:lstStyle/>
-          <a:p>
-            <a:pPr algn="ctr">
-              <a:defRPr sz="7200">
-                <a:solidFill>
-                  <a:srgbClr val="FFFFFF"/>
-                </a:solidFill>
-                <a:latin typeface="Arial"/>
-                <a:ea typeface="Arial"/>
-                <a:cs typeface="Arial"/>
-                <a:sym typeface="Arial"/>
-              </a:defRPr>
-            </a:pPr>
-          </a:p>
-        </p:txBody>
-      </p:sp>
-      <p:sp>
-        <p:nvSpPr>
-          <p:cNvPr id="66" name="GPU Runs"/>
+          <p:cNvPr id="59" name="We have tested the HHL algorithm for various matrix sizes and complexities. All runs were conducted first using only CPU capabilities, and then using V100 and A100 NVIDIA GPUs - where we expect the cuQuantum SDK to speed up the simulation of the quantum "/>
           <p:cNvSpPr txBox="1"/>
           <p:nvPr/>
         </p:nvSpPr>
         <p:spPr>
           <a:xfrm>
-            <a:off x="1473200" y="33997900"/>
-            <a:ext cx="2339848" cy="636979"/>
+            <a:off x="1358900" y="29362400"/>
+            <a:ext cx="13589000" cy="3029306"/>
           </a:xfrm>
           <a:prstGeom prst="rect">
             <a:avLst/>
@@ -3347,40 +3004,300 @@
           </a:extLst>
         </p:spPr>
         <p:txBody>
-          <a:bodyPr wrap="none" lIns="45719" rIns="45719">
+          <a:bodyPr lIns="45719" rIns="45719">
             <a:spAutoFit/>
           </a:bodyPr>
-          <a:lstStyle>
-            <a:lvl1pPr>
-              <a:defRPr b="1" sz="3600">
-                <a:solidFill>
-                  <a:srgbClr val="FFFFFF"/>
-                </a:solidFill>
+          <a:lstStyle/>
+          <a:p>
+            <a:pPr>
+              <a:defRPr>
                 <a:latin typeface="Helvetica Neue"/>
                 <a:ea typeface="Helvetica Neue"/>
                 <a:cs typeface="Helvetica Neue"/>
                 <a:sym typeface="Helvetica Neue"/>
               </a:defRPr>
-            </a:lvl1pPr>
-          </a:lstStyle>
-          <a:p>
-            <a:pPr/>
+            </a:pPr>
             <a:r>
-              <a:t>GPU Runs</a:t>
+              <a:t>We have tested the HHL algorithm for various matrix sizes and complexities. All runs were conducted first using only CPU capabilities, and then using V100 and A100 NVIDIA GPUs - where we expect the cuQuantum SDK to speed up the simulation of the quantum  circuit.</a:t>
+            </a:r>
+          </a:p>
+          <a:p>
+            <a:pPr>
+              <a:defRPr>
+                <a:latin typeface="Helvetica Neue"/>
+                <a:ea typeface="Helvetica Neue"/>
+                <a:cs typeface="Helvetica Neue"/>
+                <a:sym typeface="Helvetica Neue"/>
+              </a:defRPr>
+            </a:pPr>
+          </a:p>
+          <a:p>
+            <a:pPr>
+              <a:defRPr>
+                <a:latin typeface="Helvetica Neue"/>
+                <a:ea typeface="Helvetica Neue"/>
+                <a:cs typeface="Helvetica Neue"/>
+                <a:sym typeface="Helvetica Neue"/>
+              </a:defRPr>
+            </a:pPr>
+            <a:r>
+              <a:t>The best results were obtained for systems where the matrix A is diagonal with entries corresponding to binary fractions upto a multiplicative constant. Such matrices were thus used to explore how large the system size can be without worrying much about the accuracy of the final result. A table of times taken for such runs is presented below.  </a:t>
             </a:r>
           </a:p>
         </p:txBody>
       </p:sp>
+      <p:pic>
+        <p:nvPicPr>
+          <p:cNvPr id="60" name="block.png" descr="block.png"/>
+          <p:cNvPicPr>
+            <a:picLocks noChangeAspect="1"/>
+          </p:cNvPicPr>
+          <p:nvPr/>
+        </p:nvPicPr>
+        <p:blipFill>
+          <a:blip r:embed="rId4">
+            <a:extLst/>
+          </a:blip>
+          <a:stretch>
+            <a:fillRect/>
+          </a:stretch>
+        </p:blipFill>
+        <p:spPr>
+          <a:xfrm>
+            <a:off x="2373657" y="6578728"/>
+            <a:ext cx="11991287" cy="4673601"/>
+          </a:xfrm>
+          <a:prstGeom prst="rect">
+            <a:avLst/>
+          </a:prstGeom>
+          <a:ln w="12700">
+            <a:miter lim="400000"/>
+          </a:ln>
+        </p:spPr>
+      </p:pic>
+      <p:graphicFrame>
+        <p:nvGraphicFramePr>
+          <p:cNvPr id="61" name="Table 1"/>
+          <p:cNvGraphicFramePr/>
+          <p:nvPr/>
+        </p:nvGraphicFramePr>
+        <p:xfrm>
+          <a:off x="-19710400" y="17526000"/>
+          <a:ext cx="26517600" cy="32512000"/>
+        </p:xfrm>
+        <a:graphic xmlns:a="http://schemas.openxmlformats.org/drawingml/2006/main">
+          <a:graphicData uri="http://schemas.openxmlformats.org/drawingml/2006/table">
+            <a:tbl>
+              <a:tblPr firstCol="0" firstRow="0" lastCol="0" lastRow="0" bandCol="0" bandRow="0" rtl="0">
+                <a:tableStyleId>{CF821DB8-F4EB-4A41-A1BA-3FCAFE7338EE}</a:tableStyleId>
+              </a:tblPr>
+              <a:tblGrid>
+                <a:gridCol w="1854200"/>
+              </a:tblGrid>
+              <a:tr h="949244">
+                <a:tc>
+                  <a:txBody>
+                    <a:bodyPr/>
+                    <a:lstStyle/>
+                    <a:p>
+                      <a:pPr algn="ctr" defTabSz="3291771">
+                        <a:defRPr sz="2400">
+                          <a:solidFill>
+                            <a:srgbClr val="DDDDDD"/>
+                          </a:solidFill>
+                        </a:defRPr>
+                      </a:pPr>
+                    </a:p>
+                  </a:txBody>
+                  <a:tcPr marL="0" marR="0" marT="0" marB="0" anchor="ctr" anchorCtr="0" horzOverflow="overflow">
+                    <a:noFill/>
+                  </a:tcPr>
+                </a:tc>
+              </a:tr>
+            </a:tbl>
+          </a:graphicData>
+        </a:graphic>
+      </p:graphicFrame>
       <p:sp>
         <p:nvSpPr>
-          <p:cNvPr id="67" name="The GPU results and plots, this section will probably be split into two sections for v100 and a100. Also time comparisons with CPU here."/>
+          <p:cNvPr id="62" name="Simulation of quantum circuits on classical computers is key for researchers and developers to exploit the capabilities of Quantum Processing Units. To exploit the capabilities of CPU and GPU on classical system, NVIDIA CUDA Quantum is a first-of-its-kin"/>
           <p:cNvSpPr txBox="1"/>
           <p:nvPr/>
         </p:nvSpPr>
         <p:spPr>
           <a:xfrm>
-            <a:off x="1219200" y="35217100"/>
-            <a:ext cx="8115300" cy="1187806"/>
+            <a:off x="8229600" y="17284700"/>
+            <a:ext cx="6718300" cy="4142740"/>
+          </a:xfrm>
+          <a:prstGeom prst="rect">
+            <a:avLst/>
+          </a:prstGeom>
+          <a:ln w="12700">
+            <a:miter lim="400000"/>
+          </a:ln>
+          <a:extLst>
+            <a:ext uri="{C572A759-6A51-4108-AA02-DFA0A04FC94B}">
+              <ma14:wrappingTextBoxFlag xmlns:ma14="http://schemas.microsoft.com/office/mac/drawingml/2011/main" val="1"/>
+            </a:ext>
+          </a:extLst>
+        </p:spPr>
+        <p:txBody>
+          <a:bodyPr lIns="45719" rIns="45719">
+            <a:spAutoFit/>
+          </a:bodyPr>
+          <a:lstStyle/>
+          <a:p>
+            <a:pPr/>
+            <a:r>
+              <a:t>Simulation of quantum circuits on classical computers is key for researchers and developers to exploit the capabilities of Quantum Processing Units. To exploit the capabilities of CPU and GPU on classical system, NVIDIA CUDA Quantum is a first-of-its-kind, open-source platform for integrating and programming quantum processing units (QPUs), GPUs, and CPUs in one system. Similarly, NVIDIA cuQuantum SDK speed up quantum simulations by order of magnitude on NVIDIA GPUs. . </a:t>
+            </a:r>
+          </a:p>
+        </p:txBody>
+      </p:sp>
+      <p:pic>
+        <p:nvPicPr>
+          <p:cNvPr id="63" name="Screenshot_20240123_023618.png" descr="Screenshot_20240123_023618.png"/>
+          <p:cNvPicPr>
+            <a:picLocks noChangeAspect="1"/>
+          </p:cNvPicPr>
+          <p:nvPr/>
+        </p:nvPicPr>
+        <p:blipFill>
+          <a:blip r:embed="rId5">
+            <a:extLst/>
+          </a:blip>
+          <a:stretch>
+            <a:fillRect/>
+          </a:stretch>
+        </p:blipFill>
+        <p:spPr>
+          <a:xfrm>
+            <a:off x="2278896" y="17268538"/>
+            <a:ext cx="4662408" cy="4432301"/>
+          </a:xfrm>
+          <a:prstGeom prst="rect">
+            <a:avLst/>
+          </a:prstGeom>
+          <a:ln w="12700">
+            <a:miter lim="400000"/>
+          </a:ln>
+        </p:spPr>
+      </p:pic>
+      <p:sp>
+        <p:nvSpPr>
+          <p:cNvPr id="64" name="cuQuantum (https://developer.nvidia.com/cuquantum-sdk) consists of two major components, cuStatevec and cuTensorNet, the high-performance library for state vector and TensorNet simulations respectively.  Modani et al (2022; 2023) demonstrated the perform"/>
+          <p:cNvSpPr txBox="1"/>
+          <p:nvPr/>
+        </p:nvSpPr>
+        <p:spPr>
+          <a:xfrm>
+            <a:off x="1358900" y="22250400"/>
+            <a:ext cx="13589000" cy="4142740"/>
+          </a:xfrm>
+          <a:prstGeom prst="rect">
+            <a:avLst/>
+          </a:prstGeom>
+          <a:ln w="12700">
+            <a:miter lim="400000"/>
+          </a:ln>
+          <a:extLst>
+            <a:ext uri="{C572A759-6A51-4108-AA02-DFA0A04FC94B}">
+              <ma14:wrappingTextBoxFlag xmlns:ma14="http://schemas.microsoft.com/office/mac/drawingml/2011/main" val="1"/>
+            </a:ext>
+          </a:extLst>
+        </p:spPr>
+        <p:txBody>
+          <a:bodyPr lIns="45719" rIns="45719">
+            <a:spAutoFit/>
+          </a:bodyPr>
+          <a:lstStyle/>
+          <a:p>
+            <a:pPr/>
+            <a:r>
+              <a:t>cuQuantum (</a:t>
+            </a:r>
+            <a:r>
+              <a:rPr u="sng">
+                <a:solidFill>
+                  <a:srgbClr val="0000FF"/>
+                </a:solidFill>
+                <a:uFill>
+                  <a:solidFill>
+                    <a:srgbClr val="0000FF"/>
+                  </a:solidFill>
+                </a:uFill>
+                <a:hlinkClick r:id="rId6" invalidUrl="" action="" tgtFrame="" tooltip="" history="1" highlightClick="0" endSnd="0"/>
+              </a:rPr>
+              <a:t>https://developer.nvidia.com/cuquantum-sdk)</a:t>
+            </a:r>
+            <a:r>
+              <a:t> consists of two major components, cuStatevec and cuTensorNet, the high-performance library for state vector and TensorNet simulations respectively.  Modani et al (2022; 2023) demonstrated the performance advantage using cuStatevec for Shor’s algorithm, Quantum Fourier Transformation, and the Sycamore circuit. The speed up, between CPU only and A100 GPU enabled run, was demonstrated as ~143x, ~115x, and 104x for 30, 32, and 32 qubits respectively. </a:t>
+            </a:r>
+          </a:p>
+          <a:p>
+            <a:pPr/>
+          </a:p>
+          <a:p>
+            <a:pPr/>
+            <a:r>
+              <a:t>In the present, work, the cuStatevec enabled HHL algorithm employed to solve a linear system equations of various sizes and complexities. At this stage we have demonstrated the viability of this implementation. We plan to optimise the algorithm and it's implementation to maximise the speedup obtained and then we will apply it to solve physical problems.</a:t>
+            </a:r>
+          </a:p>
+        </p:txBody>
+      </p:sp>
+      <p:sp>
+        <p:nvSpPr>
+          <p:cNvPr id="65" name="Rectangle: Rounded Corners 38"/>
+          <p:cNvSpPr/>
+          <p:nvPr/>
+        </p:nvSpPr>
+        <p:spPr>
+          <a:xfrm>
+            <a:off x="17246600" y="5041900"/>
+            <a:ext cx="15176500" cy="1199541"/>
+          </a:xfrm>
+          <a:prstGeom prst="roundRect">
+            <a:avLst>
+              <a:gd name="adj" fmla="val 21824"/>
+            </a:avLst>
+          </a:prstGeom>
+          <a:solidFill>
+            <a:srgbClr val="3D6676"/>
+          </a:solidFill>
+          <a:ln w="127000">
+            <a:solidFill>
+              <a:srgbClr val="000000"/>
+            </a:solidFill>
+          </a:ln>
+        </p:spPr>
+        <p:txBody>
+          <a:bodyPr lIns="45719" rIns="45719" anchor="ctr"/>
+          <a:lstStyle/>
+          <a:p>
+            <a:pPr algn="ctr">
+              <a:defRPr sz="7200">
+                <a:solidFill>
+                  <a:srgbClr val="FFFFFF"/>
+                </a:solidFill>
+                <a:latin typeface="Arial"/>
+                <a:ea typeface="Arial"/>
+                <a:cs typeface="Arial"/>
+                <a:sym typeface="Arial"/>
+              </a:defRPr>
+            </a:pPr>
+          </a:p>
+        </p:txBody>
+      </p:sp>
+      <p:sp>
+        <p:nvSpPr>
+          <p:cNvPr id="66" name="TextBox 46"/>
+          <p:cNvSpPr txBox="1"/>
+          <p:nvPr/>
+        </p:nvSpPr>
+        <p:spPr>
+          <a:xfrm>
+            <a:off x="17627600" y="5308600"/>
+            <a:ext cx="13817962" cy="636979"/>
           </a:xfrm>
           <a:prstGeom prst="rect">
             <a:avLst/>
@@ -3400,7 +3317,10 @@
           </a:bodyPr>
           <a:lstStyle>
             <a:lvl1pPr>
-              <a:defRPr>
+              <a:defRPr b="1" sz="3600">
+                <a:solidFill>
+                  <a:srgbClr val="FFFFFF"/>
+                </a:solidFill>
                 <a:latin typeface="Helvetica Neue"/>
                 <a:ea typeface="Helvetica Neue"/>
                 <a:cs typeface="Helvetica Neue"/>
@@ -3411,7 +3331,183 @@
           <a:p>
             <a:pPr/>
             <a:r>
-              <a:t>The GPU results and plots, this section will probably be split into two sections for v100 and a100. Also time comparisons with CPU here.</a:t>
+              <a:t>Randomised Eigenvalues</a:t>
+            </a:r>
+          </a:p>
+        </p:txBody>
+      </p:sp>
+      <p:sp>
+        <p:nvSpPr>
+          <p:cNvPr id="67" name="After establishing the viability of the implementation and demonstrating the small but visible speedup achieved using cuQuantum, we moved onto testing it on matrices where the eigenvalues are not handpicked, but generated randomly.…"/>
+          <p:cNvSpPr txBox="1"/>
+          <p:nvPr/>
+        </p:nvSpPr>
+        <p:spPr>
+          <a:xfrm>
+            <a:off x="17792700" y="6731000"/>
+            <a:ext cx="14097000" cy="2661006"/>
+          </a:xfrm>
+          <a:prstGeom prst="rect">
+            <a:avLst/>
+          </a:prstGeom>
+          <a:ln w="12700">
+            <a:miter lim="400000"/>
+          </a:ln>
+          <a:extLst>
+            <a:ext uri="{C572A759-6A51-4108-AA02-DFA0A04FC94B}">
+              <ma14:wrappingTextBoxFlag xmlns:ma14="http://schemas.microsoft.com/office/mac/drawingml/2011/main" val="1"/>
+            </a:ext>
+          </a:extLst>
+        </p:spPr>
+        <p:txBody>
+          <a:bodyPr lIns="45719" rIns="45719">
+            <a:spAutoFit/>
+          </a:bodyPr>
+          <a:lstStyle/>
+          <a:p>
+            <a:pPr>
+              <a:defRPr>
+                <a:latin typeface="Helvetica Neue"/>
+                <a:ea typeface="Helvetica Neue"/>
+                <a:cs typeface="Helvetica Neue"/>
+                <a:sym typeface="Helvetica Neue"/>
+              </a:defRPr>
+            </a:pPr>
+            <a:r>
+              <a:t>After establishing the viability of the implementation and demonstrating the small but visible speedup achieved using cuQuantum, we moved onto testing it on matrices where the eigenvalues are not handpicked, but generated randomly.</a:t>
+            </a:r>
+          </a:p>
+          <a:p>
+            <a:pPr>
+              <a:defRPr>
+                <a:latin typeface="Helvetica Neue"/>
+                <a:ea typeface="Helvetica Neue"/>
+                <a:cs typeface="Helvetica Neue"/>
+                <a:sym typeface="Helvetica Neue"/>
+              </a:defRPr>
+            </a:pPr>
+          </a:p>
+          <a:p>
+            <a:pPr>
+              <a:defRPr>
+                <a:latin typeface="Helvetica Neue"/>
+                <a:ea typeface="Helvetica Neue"/>
+                <a:cs typeface="Helvetica Neue"/>
+                <a:sym typeface="Helvetica Neue"/>
+              </a:defRPr>
+            </a:pPr>
+            <a:r>
+              <a:t>This is expected to interfere with the phase estimation routine in the HHL algorithm, increasing the circuit depth and hence the time taken by the simulation. A table detailing the times taken in such runs is given below.</a:t>
+            </a:r>
+          </a:p>
+        </p:txBody>
+      </p:sp>
+      <p:pic>
+        <p:nvPicPr>
+          <p:cNvPr id="68" name="Screenshot_20240123_030955.png" descr="Screenshot_20240123_030955.png"/>
+          <p:cNvPicPr>
+            <a:picLocks noChangeAspect="1"/>
+          </p:cNvPicPr>
+          <p:nvPr/>
+        </p:nvPicPr>
+        <p:blipFill>
+          <a:blip r:embed="rId7">
+            <a:extLst/>
+          </a:blip>
+          <a:stretch>
+            <a:fillRect/>
+          </a:stretch>
+        </p:blipFill>
+        <p:spPr>
+          <a:xfrm>
+            <a:off x="17640300" y="9822090"/>
+            <a:ext cx="14490700" cy="3927020"/>
+          </a:xfrm>
+          <a:prstGeom prst="rect">
+            <a:avLst/>
+          </a:prstGeom>
+          <a:ln w="12700">
+            <a:miter lim="400000"/>
+          </a:ln>
+        </p:spPr>
+      </p:pic>
+      <p:sp>
+        <p:nvSpPr>
+          <p:cNvPr id="69" name="Thus cuQuantum is able to speed up the simulation by upto 5.2%. We can further see that this speedup increases as we increase the size of the problem, which we attribute to the fact that at lower qubits the problem does not utilise all available cores. I"/>
+          <p:cNvSpPr txBox="1"/>
+          <p:nvPr/>
+        </p:nvSpPr>
+        <p:spPr>
+          <a:xfrm>
+            <a:off x="17792700" y="14452600"/>
+            <a:ext cx="14046200" cy="3406140"/>
+          </a:xfrm>
+          <a:prstGeom prst="rect">
+            <a:avLst/>
+          </a:prstGeom>
+          <a:ln w="12700">
+            <a:miter lim="400000"/>
+          </a:ln>
+          <a:extLst>
+            <a:ext uri="{C572A759-6A51-4108-AA02-DFA0A04FC94B}">
+              <ma14:wrappingTextBoxFlag xmlns:ma14="http://schemas.microsoft.com/office/mac/drawingml/2011/main" val="1"/>
+            </a:ext>
+          </a:extLst>
+        </p:spPr>
+        <p:txBody>
+          <a:bodyPr lIns="45719" rIns="45719">
+            <a:spAutoFit/>
+          </a:bodyPr>
+          <a:lstStyle/>
+          <a:p>
+            <a:pPr/>
+            <a:r>
+              <a:t>Thus cuQuantum is able to speed up the simulation by upto 5.2%. We can further see that this speedup increases as we increase the size of the problem, which we attribute to the fact that at lower qubits the problem does not utilise all available cores. Indeed it seems that for the smallest system, the CPU run is faster than GPU-enabled runs.</a:t>
+            </a:r>
+          </a:p>
+          <a:p>
+            <a:pPr/>
+          </a:p>
+          <a:p>
+            <a:pPr/>
+            <a:r>
+              <a:t>On an average we find a speedup of  2.56% using V100 GPUs and 3.36% using A100 GPUs. Another characteristic evident from the date is that while the speedup attained via V100 GPUs appears to stagnate, the A100 speedup appears to still be rising. We will explore this in future work and look at how the speedup scales with system size and number of qubits.</a:t>
+            </a:r>
+          </a:p>
+        </p:txBody>
+      </p:sp>
+      <p:sp>
+        <p:nvSpPr>
+          <p:cNvPr id="70" name="Manish missed some files that he is running now. I will make this table once that is done."/>
+          <p:cNvSpPr txBox="1"/>
+          <p:nvPr/>
+        </p:nvSpPr>
+        <p:spPr>
+          <a:xfrm>
+            <a:off x="4203700" y="33375600"/>
+            <a:ext cx="12116058" cy="459740"/>
+          </a:xfrm>
+          <a:prstGeom prst="rect">
+            <a:avLst/>
+          </a:prstGeom>
+          <a:ln w="12700">
+            <a:miter lim="400000"/>
+          </a:ln>
+          <a:extLst>
+            <a:ext uri="{C572A759-6A51-4108-AA02-DFA0A04FC94B}">
+              <ma14:wrappingTextBoxFlag xmlns:ma14="http://schemas.microsoft.com/office/mac/drawingml/2011/main" val="1"/>
+            </a:ext>
+          </a:extLst>
+        </p:spPr>
+        <p:txBody>
+          <a:bodyPr wrap="none" lIns="45719" rIns="45719">
+            <a:spAutoFit/>
+          </a:bodyPr>
+          <a:lstStyle/>
+          <a:p>
+            <a:pPr/>
+            <a:r>
+              <a:t>Manish missed some files that he is running now. I will make this table once that is done. </a:t>
             </a:r>
           </a:p>
         </p:txBody>

--- a/poster/poster_hql 2.pptx
+++ b/poster/poster_hql 2.pptx
@@ -1594,24 +1594,26 @@
       </p:grpSpPr>
       <p:sp>
         <p:nvSpPr>
-          <p:cNvPr id="31" name="Rectangle 71"/>
+          <p:cNvPr id="31" name="Rounded Rectangle"/>
           <p:cNvSpPr/>
           <p:nvPr/>
         </p:nvSpPr>
         <p:spPr>
           <a:xfrm>
-            <a:off x="0" y="0"/>
-            <a:ext cx="32918400" cy="4689069"/>
+            <a:off x="17233900" y="38823900"/>
+            <a:ext cx="15163800" cy="4229100"/>
           </a:xfrm>
-          <a:prstGeom prst="rect">
-            <a:avLst/>
+          <a:prstGeom prst="roundRect">
+            <a:avLst>
+              <a:gd name="adj" fmla="val 11178"/>
+            </a:avLst>
           </a:prstGeom>
-          <a:blipFill>
-            <a:blip r:embed="rId2"/>
-          </a:blipFill>
-          <a:ln>
-            <a:solidFill>
-              <a:srgbClr val="46AAC4"/>
+          <a:solidFill>
+            <a:srgbClr val="DDDDDD"/>
+          </a:solidFill>
+          <a:ln w="25400">
+            <a:solidFill>
+              <a:schemeClr val="accent1"/>
             </a:solidFill>
           </a:ln>
           <a:effectLst>
@@ -1626,6 +1628,245 @@
           <a:bodyPr lIns="45719" rIns="45719" anchor="ctr"/>
           <a:lstStyle/>
           <a:p>
+            <a:pPr algn="ctr">
+              <a:defRPr sz="6500">
+                <a:solidFill>
+                  <a:srgbClr val="DDDDDD"/>
+                </a:solidFill>
+                <a:latin typeface="Arial"/>
+                <a:ea typeface="Arial"/>
+                <a:cs typeface="Arial"/>
+                <a:sym typeface="Arial"/>
+              </a:defRPr>
+            </a:pPr>
+          </a:p>
+        </p:txBody>
+      </p:sp>
+      <p:sp>
+        <p:nvSpPr>
+          <p:cNvPr id="32" name="Rectangle: Rounded Corners 38"/>
+          <p:cNvSpPr/>
+          <p:nvPr/>
+        </p:nvSpPr>
+        <p:spPr>
+          <a:xfrm>
+            <a:off x="17157700" y="31635700"/>
+            <a:ext cx="15300341" cy="5803900"/>
+          </a:xfrm>
+          <a:prstGeom prst="roundRect">
+            <a:avLst>
+              <a:gd name="adj" fmla="val 4511"/>
+            </a:avLst>
+          </a:prstGeom>
+          <a:solidFill>
+            <a:srgbClr val="B7CAD2"/>
+          </a:solidFill>
+          <a:ln w="12700">
+            <a:miter lim="400000"/>
+          </a:ln>
+        </p:spPr>
+        <p:txBody>
+          <a:bodyPr lIns="45719" rIns="45719" anchor="ctr"/>
+          <a:lstStyle/>
+          <a:p>
+            <a:pPr algn="ctr">
+              <a:defRPr sz="7200">
+                <a:solidFill>
+                  <a:srgbClr val="FFFFFF"/>
+                </a:solidFill>
+                <a:latin typeface="Arial"/>
+                <a:ea typeface="Arial"/>
+                <a:cs typeface="Arial"/>
+                <a:sym typeface="Arial"/>
+              </a:defRPr>
+            </a:pPr>
+          </a:p>
+        </p:txBody>
+      </p:sp>
+      <p:sp>
+        <p:nvSpPr>
+          <p:cNvPr id="33" name="Rounded Rectangle"/>
+          <p:cNvSpPr/>
+          <p:nvPr/>
+        </p:nvSpPr>
+        <p:spPr>
+          <a:xfrm>
+            <a:off x="17284700" y="16370300"/>
+            <a:ext cx="15163800" cy="13817600"/>
+          </a:xfrm>
+          <a:prstGeom prst="roundRect">
+            <a:avLst>
+              <a:gd name="adj" fmla="val 3421"/>
+            </a:avLst>
+          </a:prstGeom>
+          <a:solidFill>
+            <a:srgbClr val="DDDDDD"/>
+          </a:solidFill>
+          <a:ln w="25400">
+            <a:solidFill>
+              <a:schemeClr val="accent1"/>
+            </a:solidFill>
+          </a:ln>
+          <a:effectLst>
+            <a:outerShdw sx="100000" sy="100000" kx="0" ky="0" algn="b" rotWithShape="0" blurRad="38100" dist="23000" dir="5400000">
+              <a:srgbClr val="000000">
+                <a:alpha val="35000"/>
+              </a:srgbClr>
+            </a:outerShdw>
+          </a:effectLst>
+        </p:spPr>
+        <p:txBody>
+          <a:bodyPr lIns="45719" rIns="45719" anchor="ctr"/>
+          <a:lstStyle/>
+          <a:p>
+            <a:pPr algn="ctr">
+              <a:defRPr sz="6500">
+                <a:solidFill>
+                  <a:srgbClr val="DDDDDD"/>
+                </a:solidFill>
+                <a:latin typeface="Arial"/>
+                <a:ea typeface="Arial"/>
+                <a:cs typeface="Arial"/>
+                <a:sym typeface="Arial"/>
+              </a:defRPr>
+            </a:pPr>
+          </a:p>
+        </p:txBody>
+      </p:sp>
+      <p:sp>
+        <p:nvSpPr>
+          <p:cNvPr id="34" name="Rounded Rectangle"/>
+          <p:cNvSpPr/>
+          <p:nvPr/>
+        </p:nvSpPr>
+        <p:spPr>
+          <a:xfrm>
+            <a:off x="17259300" y="5029200"/>
+            <a:ext cx="15163800" cy="9740900"/>
+          </a:xfrm>
+          <a:prstGeom prst="roundRect">
+            <a:avLst>
+              <a:gd name="adj" fmla="val 4853"/>
+            </a:avLst>
+          </a:prstGeom>
+          <a:solidFill>
+            <a:srgbClr val="DDDDDD"/>
+          </a:solidFill>
+          <a:ln w="25400">
+            <a:solidFill>
+              <a:schemeClr val="accent1"/>
+            </a:solidFill>
+          </a:ln>
+          <a:effectLst>
+            <a:outerShdw sx="100000" sy="100000" kx="0" ky="0" algn="b" rotWithShape="0" blurRad="38100" dist="23000" dir="5400000">
+              <a:srgbClr val="000000">
+                <a:alpha val="35000"/>
+              </a:srgbClr>
+            </a:outerShdw>
+          </a:effectLst>
+        </p:spPr>
+        <p:txBody>
+          <a:bodyPr lIns="45719" rIns="45719" anchor="ctr"/>
+          <a:lstStyle/>
+          <a:p>
+            <a:pPr algn="ctr">
+              <a:defRPr sz="6500">
+                <a:solidFill>
+                  <a:srgbClr val="DDDDDD"/>
+                </a:solidFill>
+                <a:latin typeface="Arial"/>
+                <a:ea typeface="Arial"/>
+                <a:cs typeface="Arial"/>
+                <a:sym typeface="Arial"/>
+              </a:defRPr>
+            </a:pPr>
+          </a:p>
+        </p:txBody>
+      </p:sp>
+      <p:sp>
+        <p:nvSpPr>
+          <p:cNvPr id="35" name="Rounded Rectangle"/>
+          <p:cNvSpPr/>
+          <p:nvPr/>
+        </p:nvSpPr>
+        <p:spPr>
+          <a:xfrm>
+            <a:off x="723900" y="37122100"/>
+            <a:ext cx="15163800" cy="4508500"/>
+          </a:xfrm>
+          <a:prstGeom prst="roundRect">
+            <a:avLst>
+              <a:gd name="adj" fmla="val 10485"/>
+            </a:avLst>
+          </a:prstGeom>
+          <a:solidFill>
+            <a:srgbClr val="DDDDDD"/>
+          </a:solidFill>
+          <a:ln w="25400">
+            <a:solidFill>
+              <a:schemeClr val="accent1"/>
+            </a:solidFill>
+          </a:ln>
+          <a:effectLst>
+            <a:outerShdw sx="100000" sy="100000" kx="0" ky="0" algn="b" rotWithShape="0" blurRad="38100" dist="23000" dir="5400000">
+              <a:srgbClr val="000000">
+                <a:alpha val="35000"/>
+              </a:srgbClr>
+            </a:outerShdw>
+          </a:effectLst>
+        </p:spPr>
+        <p:txBody>
+          <a:bodyPr lIns="45719" rIns="45719" anchor="ctr"/>
+          <a:lstStyle/>
+          <a:p>
+            <a:pPr algn="ctr">
+              <a:defRPr sz="6500">
+                <a:solidFill>
+                  <a:srgbClr val="DDDDDD"/>
+                </a:solidFill>
+                <a:latin typeface="Arial"/>
+                <a:ea typeface="Arial"/>
+                <a:cs typeface="Arial"/>
+                <a:sym typeface="Arial"/>
+              </a:defRPr>
+            </a:pPr>
+          </a:p>
+        </p:txBody>
+      </p:sp>
+      <p:sp>
+        <p:nvSpPr>
+          <p:cNvPr id="36" name="Rectangle 71"/>
+          <p:cNvSpPr/>
+          <p:nvPr/>
+        </p:nvSpPr>
+        <p:spPr>
+          <a:xfrm>
+            <a:off x="-63500" y="0"/>
+            <a:ext cx="32918400" cy="4689069"/>
+          </a:xfrm>
+          <a:prstGeom prst="rect">
+            <a:avLst/>
+          </a:prstGeom>
+          <a:blipFill>
+            <a:blip r:embed="rId2"/>
+          </a:blipFill>
+          <a:ln>
+            <a:solidFill>
+              <a:srgbClr val="46AAC4"/>
+            </a:solidFill>
+          </a:ln>
+          <a:effectLst>
+            <a:outerShdw sx="100000" sy="100000" kx="0" ky="0" algn="b" rotWithShape="0" blurRad="38100" dist="23000" dir="5400000">
+              <a:srgbClr val="000000">
+                <a:alpha val="35000"/>
+              </a:srgbClr>
+            </a:outerShdw>
+          </a:effectLst>
+        </p:spPr>
+        <p:txBody>
+          <a:bodyPr lIns="45719" rIns="45719" anchor="ctr"/>
+          <a:lstStyle/>
+          <a:p>
             <a:pPr>
               <a:defRPr sz="8600">
                 <a:solidFill>
@@ -1642,13 +1883,13 @@
       </p:sp>
       <p:sp>
         <p:nvSpPr>
-          <p:cNvPr id="32" name="Title 11"/>
+          <p:cNvPr id="37" name="Title 11"/>
           <p:cNvSpPr txBox="1"/>
           <p:nvPr/>
         </p:nvSpPr>
         <p:spPr>
           <a:xfrm>
-            <a:off x="1076705" y="483674"/>
+            <a:off x="1178305" y="331274"/>
             <a:ext cx="30764989" cy="1063036"/>
           </a:xfrm>
           <a:prstGeom prst="rect">
@@ -1683,21 +1924,21 @@
           <a:p>
             <a:pPr/>
             <a:r>
-              <a:t>Title : TBD</a:t>
+              <a:t>Solving linear systems with HHL quantum algorithm on GPUs</a:t>
             </a:r>
           </a:p>
         </p:txBody>
       </p:sp>
       <p:sp>
         <p:nvSpPr>
-          <p:cNvPr id="33" name="Text Placeholder 16"/>
+          <p:cNvPr id="38" name="Text Placeholder 16"/>
           <p:cNvSpPr txBox="1"/>
           <p:nvPr/>
         </p:nvSpPr>
         <p:spPr>
           <a:xfrm>
-            <a:off x="1076705" y="2100620"/>
-            <a:ext cx="30764989" cy="5053077"/>
+            <a:off x="1013205" y="1973620"/>
+            <a:ext cx="30764989" cy="2257045"/>
           </a:xfrm>
           <a:prstGeom prst="rect">
             <a:avLst/>
@@ -1780,7 +2021,7 @@
               <a:t>1</a:t>
             </a:r>
             <a:r>
-              <a:t>Department of Theoretical Physics, Tata Institute of Fundamental Research, Mumbai</a:t>
+              <a:t>Department of Theoretical Physics, Tata Institute of Fundamental Research, Mumbai;</a:t>
             </a:r>
           </a:p>
           <a:p>
@@ -1799,176 +2040,32 @@
               <a:t>2</a:t>
             </a:r>
             <a:r>
-              <a:t>Ask</a:t>
+              <a:t>NVIDIA India; </a:t>
             </a:r>
-          </a:p>
-          <a:p>
-            <a:pPr algn="ctr" defTabSz="4389027">
-              <a:spcBef>
-                <a:spcPts val="1000"/>
-              </a:spcBef>
-              <a:defRPr sz="4200">
-                <a:solidFill>
-                  <a:srgbClr val="FFFFFF"/>
-                </a:solidFill>
-              </a:defRPr>
-            </a:pPr>
-            <a:br/>
-          </a:p>
-          <a:p>
-            <a:pPr algn="ctr" defTabSz="4389027">
-              <a:spcBef>
-                <a:spcPts val="1000"/>
-              </a:spcBef>
-              <a:defRPr sz="4200">
-                <a:solidFill>
-                  <a:srgbClr val="FFFFFF"/>
-                </a:solidFill>
-              </a:defRPr>
-            </a:pPr>
-            <a:br/>
+            <a:r>
+              <a:rPr baseline="31999"/>
+              <a:t>3</a:t>
+            </a:r>
+            <a:r>
+              <a:t>NVIDIA Switzerland.</a:t>
+            </a:r>
           </a:p>
         </p:txBody>
       </p:sp>
       <p:sp>
         <p:nvSpPr>
-          <p:cNvPr id="34" name="Rectangle: Rounded Corners 41"/>
+          <p:cNvPr id="39" name="Rectangle: Rounded Corners 38"/>
           <p:cNvSpPr/>
           <p:nvPr/>
         </p:nvSpPr>
         <p:spPr>
           <a:xfrm>
-            <a:off x="576175" y="15517138"/>
-            <a:ext cx="15236841" cy="11328401"/>
+            <a:off x="660400" y="5539997"/>
+            <a:ext cx="15300341" cy="16408401"/>
           </a:xfrm>
           <a:prstGeom prst="roundRect">
             <a:avLst>
-              <a:gd name="adj" fmla="val 1995"/>
-            </a:avLst>
-          </a:prstGeom>
-          <a:solidFill>
-            <a:srgbClr val="E3E3E3"/>
-          </a:solidFill>
-          <a:ln w="12700">
-            <a:miter lim="400000"/>
-          </a:ln>
-        </p:spPr>
-        <p:txBody>
-          <a:bodyPr lIns="50800" tIns="50800" rIns="50800" bIns="50800" anchor="ctr"/>
-          <a:lstStyle/>
-          <a:p>
-            <a:pPr algn="ctr">
-              <a:defRPr sz="7200">
-                <a:solidFill>
-                  <a:srgbClr val="FFFFFF"/>
-                </a:solidFill>
-                <a:latin typeface="Arial"/>
-                <a:ea typeface="Arial"/>
-                <a:cs typeface="Arial"/>
-                <a:sym typeface="Arial"/>
-              </a:defRPr>
-            </a:pPr>
-          </a:p>
-        </p:txBody>
-      </p:sp>
-      <p:sp>
-        <p:nvSpPr>
-          <p:cNvPr id="35" name="TextBox 60"/>
-          <p:cNvSpPr txBox="1"/>
-          <p:nvPr/>
-        </p:nvSpPr>
-        <p:spPr>
-          <a:xfrm>
-            <a:off x="17624324" y="6604464"/>
-            <a:ext cx="13817962" cy="459741"/>
-          </a:xfrm>
-          <a:prstGeom prst="rect">
-            <a:avLst/>
-          </a:prstGeom>
-          <a:ln w="12700">
-            <a:miter lim="400000"/>
-          </a:ln>
-          <a:extLst>
-            <a:ext uri="{C572A759-6A51-4108-AA02-DFA0A04FC94B}">
-              <ma14:wrappingTextBoxFlag xmlns:ma14="http://schemas.microsoft.com/office/mac/drawingml/2011/main" val="1"/>
-            </a:ext>
-          </a:extLst>
-        </p:spPr>
-        <p:txBody>
-          <a:bodyPr lIns="45719" rIns="45719">
-            <a:spAutoFit/>
-          </a:bodyPr>
-          <a:lstStyle/>
-          <a:p>
-            <a:pPr/>
-            <a:r>
-              <a:t>Add your information, graphs and images to this section.</a:t>
-            </a:r>
-          </a:p>
-        </p:txBody>
-      </p:sp>
-      <p:sp>
-        <p:nvSpPr>
-          <p:cNvPr id="36" name="TextBox 82"/>
-          <p:cNvSpPr txBox="1"/>
-          <p:nvPr/>
-        </p:nvSpPr>
-        <p:spPr>
-          <a:xfrm>
-            <a:off x="17624324" y="5979369"/>
-            <a:ext cx="13817962" cy="637541"/>
-          </a:xfrm>
-          <a:prstGeom prst="rect">
-            <a:avLst/>
-          </a:prstGeom>
-          <a:ln w="12700">
-            <a:miter lim="400000"/>
-          </a:ln>
-          <a:extLst>
-            <a:ext uri="{C572A759-6A51-4108-AA02-DFA0A04FC94B}">
-              <ma14:wrappingTextBoxFlag xmlns:ma14="http://schemas.microsoft.com/office/mac/drawingml/2011/main" val="1"/>
-            </a:ext>
-          </a:extLst>
-        </p:spPr>
-        <p:txBody>
-          <a:bodyPr lIns="45719" rIns="45719">
-            <a:spAutoFit/>
-          </a:bodyPr>
-          <a:lstStyle>
-            <a:lvl1pPr>
-              <a:defRPr b="1" sz="3600">
-                <a:solidFill>
-                  <a:srgbClr val="404040"/>
-                </a:solidFill>
-                <a:latin typeface="Montserrat Extra Bold"/>
-                <a:ea typeface="Montserrat Extra Bold"/>
-                <a:cs typeface="Montserrat Extra Bold"/>
-                <a:sym typeface="Montserrat Extra Bold"/>
-              </a:defRPr>
-            </a:lvl1pPr>
-          </a:lstStyle>
-          <a:p>
-            <a:pPr/>
-            <a:r>
-              <a:t>Results</a:t>
-            </a:r>
-          </a:p>
-        </p:txBody>
-      </p:sp>
-      <p:sp>
-        <p:nvSpPr>
-          <p:cNvPr id="37" name="Rectangle: Rounded Corners 38"/>
-          <p:cNvSpPr/>
-          <p:nvPr/>
-        </p:nvSpPr>
-        <p:spPr>
-          <a:xfrm>
-            <a:off x="723900" y="5527297"/>
-            <a:ext cx="15300341" cy="9486516"/>
-          </a:xfrm>
-          <a:prstGeom prst="roundRect">
-            <a:avLst>
-              <a:gd name="adj" fmla="val 2760"/>
+              <a:gd name="adj" fmla="val 1711"/>
             </a:avLst>
           </a:prstGeom>
           <a:solidFill>
@@ -1998,14 +2095,14 @@
       </p:sp>
       <p:sp>
         <p:nvSpPr>
-          <p:cNvPr id="38" name="Line"/>
+          <p:cNvPr id="40" name="Line"/>
           <p:cNvSpPr/>
           <p:nvPr/>
         </p:nvSpPr>
         <p:spPr>
           <a:xfrm>
-            <a:off x="-1" y="4682799"/>
-            <a:ext cx="32918400" cy="1"/>
+            <a:off x="-63500" y="4682799"/>
+            <a:ext cx="32918399" cy="1"/>
           </a:xfrm>
           <a:prstGeom prst="line">
             <a:avLst/>
@@ -2043,25 +2140,27 @@
       </p:sp>
       <p:sp>
         <p:nvSpPr>
-          <p:cNvPr id="39" name="Rectangle: Rounded Corners 41"/>
+          <p:cNvPr id="41" name="Rectangle: Rounded Corners 38"/>
           <p:cNvSpPr/>
           <p:nvPr/>
         </p:nvSpPr>
         <p:spPr>
           <a:xfrm>
-            <a:off x="17183100" y="5588000"/>
-            <a:ext cx="15300341" cy="27479601"/>
+            <a:off x="17221200" y="30652197"/>
+            <a:ext cx="15176500" cy="1199541"/>
           </a:xfrm>
           <a:prstGeom prst="roundRect">
             <a:avLst>
-              <a:gd name="adj" fmla="val 1477"/>
+              <a:gd name="adj" fmla="val 21824"/>
             </a:avLst>
           </a:prstGeom>
           <a:solidFill>
-            <a:srgbClr val="E3E3E3"/>
+            <a:srgbClr val="3D6676"/>
           </a:solidFill>
-          <a:ln w="12700">
-            <a:miter lim="400000"/>
+          <a:ln w="127000">
+            <a:solidFill>
+              <a:srgbClr val="000000"/>
+            </a:solidFill>
           </a:ln>
         </p:spPr>
         <p:txBody>
@@ -2084,56 +2183,13 @@
       </p:sp>
       <p:sp>
         <p:nvSpPr>
-          <p:cNvPr id="40" name="Rectangle: Rounded Corners 38"/>
-          <p:cNvSpPr/>
-          <p:nvPr/>
-        </p:nvSpPr>
-        <p:spPr>
-          <a:xfrm>
-            <a:off x="728575" y="15466338"/>
-            <a:ext cx="15236841" cy="1199541"/>
-          </a:xfrm>
-          <a:prstGeom prst="roundRect">
-            <a:avLst>
-              <a:gd name="adj" fmla="val 21824"/>
-            </a:avLst>
-          </a:prstGeom>
-          <a:solidFill>
-            <a:srgbClr val="3D6676"/>
-          </a:solidFill>
-          <a:ln w="127000">
-            <a:solidFill>
-              <a:srgbClr val="000000"/>
-            </a:solidFill>
-          </a:ln>
-        </p:spPr>
-        <p:txBody>
-          <a:bodyPr lIns="45719" rIns="45719" anchor="ctr"/>
-          <a:lstStyle/>
-          <a:p>
-            <a:pPr algn="ctr">
-              <a:defRPr sz="7200">
-                <a:solidFill>
-                  <a:srgbClr val="FFFFFF"/>
-                </a:solidFill>
-                <a:latin typeface="Arial"/>
-                <a:ea typeface="Arial"/>
-                <a:cs typeface="Arial"/>
-                <a:sym typeface="Arial"/>
-              </a:defRPr>
-            </a:pPr>
-          </a:p>
-        </p:txBody>
-      </p:sp>
-      <p:sp>
-        <p:nvSpPr>
-          <p:cNvPr id="41" name="TextBox 46"/>
+          <p:cNvPr id="42" name="TextBox 46"/>
           <p:cNvSpPr txBox="1"/>
           <p:nvPr/>
         </p:nvSpPr>
         <p:spPr>
           <a:xfrm>
-            <a:off x="1317365" y="15791409"/>
+            <a:off x="17678400" y="30875668"/>
             <a:ext cx="13817962" cy="636979"/>
           </a:xfrm>
           <a:prstGeom prst="rect">
@@ -2168,26 +2224,328 @@
           <a:p>
             <a:pPr/>
             <a:r>
-              <a:t>The NVIDIA CuQuantum SDK</a:t>
+              <a:t>Conclusions</a:t>
             </a:r>
           </a:p>
         </p:txBody>
       </p:sp>
       <p:sp>
         <p:nvSpPr>
-          <p:cNvPr id="42" name="Rounded Rectangle"/>
+          <p:cNvPr id="43" name="TextBox 45"/>
+          <p:cNvSpPr txBox="1"/>
+          <p:nvPr/>
+        </p:nvSpPr>
+        <p:spPr>
+          <a:xfrm>
+            <a:off x="17673699" y="32154313"/>
+            <a:ext cx="14236701" cy="4892041"/>
+          </a:xfrm>
+          <a:prstGeom prst="rect">
+            <a:avLst/>
+          </a:prstGeom>
+          <a:ln w="12700">
+            <a:miter lim="400000"/>
+          </a:ln>
+          <a:extLst>
+            <a:ext uri="{C572A759-6A51-4108-AA02-DFA0A04FC94B}">
+              <ma14:wrappingTextBoxFlag xmlns:ma14="http://schemas.microsoft.com/office/mac/drawingml/2011/main" val="1"/>
+            </a:ext>
+          </a:extLst>
+        </p:spPr>
+        <p:txBody>
+          <a:bodyPr lIns="45719" rIns="45719">
+            <a:spAutoFit/>
+          </a:bodyPr>
+          <a:lstStyle/>
+          <a:p>
+            <a:pPr marL="240631" indent="-240631">
+              <a:spcBef>
+                <a:spcPts val="600"/>
+              </a:spcBef>
+              <a:buSzPct val="100000"/>
+              <a:buChar char="•"/>
+              <a:defRPr>
+                <a:latin typeface="+mn-lt"/>
+                <a:ea typeface="+mn-ea"/>
+                <a:cs typeface="+mn-cs"/>
+                <a:sym typeface="Helvetica"/>
+              </a:defRPr>
+            </a:pPr>
+            <a:r>
+              <a:t>We have implemented the HHL algorithm and successfully integrated it with NVIDIA's cuQuantum SDK.</a:t>
+            </a:r>
+          </a:p>
+          <a:p>
+            <a:pPr marL="240631" indent="-240631">
+              <a:spcBef>
+                <a:spcPts val="600"/>
+              </a:spcBef>
+              <a:buSzPct val="100000"/>
+              <a:buChar char="•"/>
+              <a:defRPr>
+                <a:latin typeface="+mn-lt"/>
+                <a:ea typeface="+mn-ea"/>
+                <a:cs typeface="+mn-cs"/>
+                <a:sym typeface="Helvetica"/>
+              </a:defRPr>
+            </a:pPr>
+            <a:r>
+              <a:t>We have demonstrated speedups in the quantum simulation of the HHL algorithm using cuQuantum for sparse matrices.</a:t>
+            </a:r>
+          </a:p>
+          <a:p>
+            <a:pPr marL="240631" indent="-240631">
+              <a:spcBef>
+                <a:spcPts val="600"/>
+              </a:spcBef>
+              <a:buSzPct val="100000"/>
+              <a:buChar char="•"/>
+              <a:defRPr>
+                <a:latin typeface="+mn-lt"/>
+                <a:ea typeface="+mn-ea"/>
+                <a:cs typeface="+mn-cs"/>
+                <a:sym typeface="Helvetica"/>
+              </a:defRPr>
+            </a:pPr>
+            <a:r>
+              <a:t>We have found that the percentage speedups increase with system size, a fact that we will exploit in increasing the scalability of the implementation.</a:t>
+            </a:r>
+          </a:p>
+          <a:p>
+            <a:pPr marL="240631" indent="-240631">
+              <a:spcBef>
+                <a:spcPts val="600"/>
+              </a:spcBef>
+              <a:buSzPct val="100000"/>
+              <a:buChar char="•"/>
+              <a:defRPr>
+                <a:latin typeface="+mn-lt"/>
+                <a:ea typeface="+mn-ea"/>
+                <a:cs typeface="+mn-cs"/>
+                <a:sym typeface="Helvetica"/>
+              </a:defRPr>
+            </a:pPr>
+            <a:r>
+              <a:t>Our implementation of the HHL algorithm is so far compatible with nearly sparse hermitian positive definite matrices with random eigenvalues.</a:t>
+            </a:r>
+          </a:p>
+          <a:p>
+            <a:pPr marL="240631" indent="-240631">
+              <a:spcBef>
+                <a:spcPts val="600"/>
+              </a:spcBef>
+              <a:buSzPct val="100000"/>
+              <a:buChar char="•"/>
+              <a:defRPr>
+                <a:latin typeface="+mn-lt"/>
+                <a:ea typeface="+mn-ea"/>
+                <a:cs typeface="+mn-cs"/>
+                <a:sym typeface="Helvetica"/>
+              </a:defRPr>
+            </a:pPr>
+            <a:r>
+              <a:t>We plan to optimise it further to extend it's compatibility to dense matrices that possess highly entangled eigensystems.</a:t>
+            </a:r>
+          </a:p>
+          <a:p>
+            <a:pPr marL="240631" indent="-240631">
+              <a:spcBef>
+                <a:spcPts val="600"/>
+              </a:spcBef>
+              <a:buSzPct val="100000"/>
+              <a:buChar char="•"/>
+              <a:defRPr>
+                <a:latin typeface="+mn-lt"/>
+                <a:ea typeface="+mn-ea"/>
+                <a:cs typeface="+mn-cs"/>
+                <a:sym typeface="Helvetica"/>
+              </a:defRPr>
+            </a:pPr>
+            <a:r>
+              <a:t>With this, we envisage to study entangled quantum many body systems in the near future, which are otherwise difficult to investigate. </a:t>
+            </a:r>
+          </a:p>
+        </p:txBody>
+      </p:sp>
+      <p:sp>
+        <p:nvSpPr>
+          <p:cNvPr id="44" name="TextBox 45"/>
+          <p:cNvSpPr txBox="1"/>
+          <p:nvPr/>
+        </p:nvSpPr>
+        <p:spPr>
+          <a:xfrm>
+            <a:off x="17675042" y="39370065"/>
+            <a:ext cx="13945128" cy="3406141"/>
+          </a:xfrm>
+          <a:prstGeom prst="rect">
+            <a:avLst/>
+          </a:prstGeom>
+          <a:ln w="12700">
+            <a:miter lim="400000"/>
+          </a:ln>
+          <a:extLst>
+            <a:ext uri="{C572A759-6A51-4108-AA02-DFA0A04FC94B}">
+              <ma14:wrappingTextBoxFlag xmlns:ma14="http://schemas.microsoft.com/office/mac/drawingml/2011/main" val="1"/>
+            </a:ext>
+          </a:extLst>
+        </p:spPr>
+        <p:txBody>
+          <a:bodyPr lIns="45719" rIns="45719">
+            <a:spAutoFit/>
+          </a:bodyPr>
+          <a:lstStyle/>
+          <a:p>
+            <a:pPr marL="320842" indent="-320842">
+              <a:buSzPct val="100000"/>
+              <a:buAutoNum type="arabicPeriod" startAt="1"/>
+              <a:defRPr>
+                <a:latin typeface="+mn-lt"/>
+                <a:ea typeface="+mn-ea"/>
+                <a:cs typeface="+mn-cs"/>
+                <a:sym typeface="Helvetica"/>
+              </a:defRPr>
+            </a:pPr>
+            <a:r>
+              <a:t>Harrow, A. W., Hassidim, A., &amp; Lloyd, S. (2009). Quantum Algorithm for Linear Systems of Equations. Phys. Rev. Lett., 103150502.</a:t>
+            </a:r>
+          </a:p>
+          <a:p>
+            <a:pPr marL="320842" indent="-320842">
+              <a:buSzPct val="100000"/>
+              <a:buAutoNum type="arabicPeriod" startAt="1"/>
+              <a:defRPr>
+                <a:latin typeface="+mn-lt"/>
+                <a:ea typeface="+mn-ea"/>
+                <a:cs typeface="+mn-cs"/>
+                <a:sym typeface="Helvetica"/>
+              </a:defRPr>
+            </a:pPr>
+            <a:r>
+              <a:t>M. Modani, A. Banerjee and A. Das, "Performance analysis of quantum algorithms on Param Siddhi-AI system," 2022 International Conference on Trends in Quantum Computing and Emerging Business Technologies (TQCEBT), Pune, India, 2022.</a:t>
+            </a:r>
+          </a:p>
+          <a:p>
+            <a:pPr marL="320842" indent="-320842">
+              <a:buSzPct val="100000"/>
+              <a:buAutoNum type="arabicPeriod" startAt="1"/>
+              <a:defRPr>
+                <a:latin typeface="+mn-lt"/>
+                <a:ea typeface="+mn-ea"/>
+                <a:cs typeface="+mn-cs"/>
+                <a:sym typeface="Helvetica"/>
+              </a:defRPr>
+            </a:pPr>
+            <a:r>
+              <a:t>Modani, M., Banerjee, A., Das, A. (2023). Multi-GPU-Enabled Quantum Circuit Simulations on HPC-AI System. In: Sharma, N., Goje, A., Chakrabarti, A., Bruckstein, A.M. (eds) Data Management, Analytics and Innovation. ICDMAI 2023. Lecture Notes in Networks and Systems, vol 662. Springer, Singapore.</a:t>
+            </a:r>
+          </a:p>
+        </p:txBody>
+      </p:sp>
+      <p:sp>
+        <p:nvSpPr>
+          <p:cNvPr id="45" name="Rectangle: Rounded Corners 38"/>
           <p:cNvSpPr/>
           <p:nvPr/>
         </p:nvSpPr>
         <p:spPr>
           <a:xfrm>
-            <a:off x="1330064" y="17181146"/>
-            <a:ext cx="6400801" cy="4724401"/>
+            <a:off x="17221200" y="37902576"/>
+            <a:ext cx="15176500" cy="1199541"/>
           </a:xfrm>
           <a:prstGeom prst="roundRect">
             <a:avLst>
-              <a:gd name="adj" fmla="val 9254"/>
+              <a:gd name="adj" fmla="val 21824"/>
             </a:avLst>
+          </a:prstGeom>
+          <a:solidFill>
+            <a:srgbClr val="3D6676"/>
+          </a:solidFill>
+          <a:ln w="127000">
+            <a:solidFill>
+              <a:srgbClr val="000000"/>
+            </a:solidFill>
+          </a:ln>
+        </p:spPr>
+        <p:txBody>
+          <a:bodyPr lIns="45719" rIns="45719" anchor="ctr"/>
+          <a:lstStyle/>
+          <a:p>
+            <a:pPr algn="ctr">
+              <a:defRPr sz="7200">
+                <a:solidFill>
+                  <a:srgbClr val="FFFFFF"/>
+                </a:solidFill>
+                <a:latin typeface="Arial"/>
+                <a:ea typeface="Arial"/>
+                <a:cs typeface="Arial"/>
+                <a:sym typeface="Arial"/>
+              </a:defRPr>
+            </a:pPr>
+          </a:p>
+        </p:txBody>
+      </p:sp>
+      <p:sp>
+        <p:nvSpPr>
+          <p:cNvPr id="46" name="TextBox 46"/>
+          <p:cNvSpPr txBox="1"/>
+          <p:nvPr/>
+        </p:nvSpPr>
+        <p:spPr>
+          <a:xfrm>
+            <a:off x="17678400" y="38183576"/>
+            <a:ext cx="13817962" cy="637541"/>
+          </a:xfrm>
+          <a:prstGeom prst="rect">
+            <a:avLst/>
+          </a:prstGeom>
+          <a:ln w="12700">
+            <a:miter lim="400000"/>
+          </a:ln>
+          <a:extLst>
+            <a:ext uri="{C572A759-6A51-4108-AA02-DFA0A04FC94B}">
+              <ma14:wrappingTextBoxFlag xmlns:ma14="http://schemas.microsoft.com/office/mac/drawingml/2011/main" val="1"/>
+            </a:ext>
+          </a:extLst>
+        </p:spPr>
+        <p:txBody>
+          <a:bodyPr lIns="45719" rIns="45719">
+            <a:spAutoFit/>
+          </a:bodyPr>
+          <a:lstStyle>
+            <a:lvl1pPr>
+              <a:defRPr b="1" sz="3600">
+                <a:solidFill>
+                  <a:srgbClr val="FFFFFF"/>
+                </a:solidFill>
+                <a:latin typeface="Montserrat Extra Bold"/>
+                <a:ea typeface="Montserrat Extra Bold"/>
+                <a:cs typeface="Montserrat Extra Bold"/>
+                <a:sym typeface="Montserrat Extra Bold"/>
+              </a:defRPr>
+            </a:lvl1pPr>
+          </a:lstStyle>
+          <a:p>
+            <a:pPr/>
+            <a:r>
+              <a:t>References</a:t>
+            </a:r>
+          </a:p>
+        </p:txBody>
+      </p:sp>
+      <p:sp>
+        <p:nvSpPr>
+          <p:cNvPr id="47" name="Rectangle"/>
+          <p:cNvSpPr/>
+          <p:nvPr/>
+        </p:nvSpPr>
+        <p:spPr>
+          <a:xfrm>
+            <a:off x="241601" y="1435264"/>
+            <a:ext cx="5629505" cy="2940065"/>
+          </a:xfrm>
+          <a:prstGeom prst="rect">
+            <a:avLst/>
           </a:prstGeom>
           <a:solidFill>
             <a:srgbClr val="FFFFFF"/>
@@ -2223,27 +2581,58 @@
           </a:p>
         </p:txBody>
       </p:sp>
+      <p:pic>
+        <p:nvPicPr>
+          <p:cNvPr id="48" name="Tata_Institute_of_Fundamental_Research_logo.png" descr="Tata_Institute_of_Fundamental_Research_logo.png"/>
+          <p:cNvPicPr>
+            <a:picLocks noChangeAspect="1"/>
+          </p:cNvPicPr>
+          <p:nvPr/>
+        </p:nvPicPr>
+        <p:blipFill>
+          <a:blip r:embed="rId3">
+            <a:extLst/>
+          </a:blip>
+          <a:stretch>
+            <a:fillRect/>
+          </a:stretch>
+        </p:blipFill>
+        <p:spPr>
+          <a:xfrm>
+            <a:off x="226086" y="1548286"/>
+            <a:ext cx="5740401" cy="2794001"/>
+          </a:xfrm>
+          <a:prstGeom prst="rect">
+            <a:avLst/>
+          </a:prstGeom>
+          <a:ln w="12700">
+            <a:miter lim="400000"/>
+          </a:ln>
+        </p:spPr>
+      </p:pic>
       <p:sp>
         <p:nvSpPr>
-          <p:cNvPr id="43" name="Rectangle: Rounded Corners 44"/>
+          <p:cNvPr id="49" name="Rectangle: Rounded Corners 38"/>
           <p:cNvSpPr/>
           <p:nvPr/>
         </p:nvSpPr>
         <p:spPr>
           <a:xfrm>
-            <a:off x="17111650" y="33814497"/>
-            <a:ext cx="15300341" cy="4236230"/>
+            <a:off x="723900" y="5065985"/>
+            <a:ext cx="15300341" cy="1199541"/>
           </a:xfrm>
           <a:prstGeom prst="roundRect">
             <a:avLst>
-              <a:gd name="adj" fmla="val 5000"/>
+              <a:gd name="adj" fmla="val 21824"/>
             </a:avLst>
           </a:prstGeom>
           <a:solidFill>
-            <a:srgbClr val="B3CBD3"/>
+            <a:srgbClr val="3D6676"/>
           </a:solidFill>
-          <a:ln w="12700">
-            <a:miter lim="400000"/>
+          <a:ln w="127000">
+            <a:solidFill>
+              <a:srgbClr val="000000"/>
+            </a:solidFill>
           </a:ln>
         </p:spPr>
         <p:txBody>
@@ -2266,56 +2655,13 @@
       </p:sp>
       <p:sp>
         <p:nvSpPr>
-          <p:cNvPr id="44" name="Rectangle: Rounded Corners 38"/>
-          <p:cNvSpPr/>
-          <p:nvPr/>
-        </p:nvSpPr>
-        <p:spPr>
-          <a:xfrm>
-            <a:off x="17170400" y="33814497"/>
-            <a:ext cx="15176500" cy="1199541"/>
-          </a:xfrm>
-          <a:prstGeom prst="roundRect">
-            <a:avLst>
-              <a:gd name="adj" fmla="val 21824"/>
-            </a:avLst>
-          </a:prstGeom>
-          <a:solidFill>
-            <a:srgbClr val="3D6676"/>
-          </a:solidFill>
-          <a:ln w="127000">
-            <a:solidFill>
-              <a:srgbClr val="000000"/>
-            </a:solidFill>
-          </a:ln>
-        </p:spPr>
-        <p:txBody>
-          <a:bodyPr lIns="45719" rIns="45719" anchor="ctr"/>
-          <a:lstStyle/>
-          <a:p>
-            <a:pPr algn="ctr">
-              <a:defRPr sz="7200">
-                <a:solidFill>
-                  <a:srgbClr val="FFFFFF"/>
-                </a:solidFill>
-                <a:latin typeface="Arial"/>
-                <a:ea typeface="Arial"/>
-                <a:cs typeface="Arial"/>
-                <a:sym typeface="Arial"/>
-              </a:defRPr>
-            </a:pPr>
-          </a:p>
-        </p:txBody>
-      </p:sp>
-      <p:sp>
-        <p:nvSpPr>
-          <p:cNvPr id="45" name="TextBox 46"/>
+          <p:cNvPr id="50" name="TextBox 46"/>
           <p:cNvSpPr txBox="1"/>
           <p:nvPr/>
         </p:nvSpPr>
         <p:spPr>
           <a:xfrm>
-            <a:off x="17627600" y="34088768"/>
+            <a:off x="1275903" y="5303725"/>
             <a:ext cx="13817962" cy="636979"/>
           </a:xfrm>
           <a:prstGeom prst="rect">
@@ -2350,79 +2696,84 @@
           <a:p>
             <a:pPr/>
             <a:r>
-              <a:t>Conclusions</a:t>
+              <a:t>Introduction</a:t>
             </a:r>
           </a:p>
         </p:txBody>
       </p:sp>
       <p:sp>
         <p:nvSpPr>
-          <p:cNvPr id="46" name="TextBox 45"/>
-          <p:cNvSpPr txBox="1"/>
-          <p:nvPr/>
-        </p:nvSpPr>
-        <p:spPr>
-          <a:xfrm>
-            <a:off x="17660999" y="35392813"/>
-            <a:ext cx="13945128" cy="459741"/>
-          </a:xfrm>
-          <a:prstGeom prst="rect">
-            <a:avLst/>
-          </a:prstGeom>
-          <a:ln w="12700">
-            <a:miter lim="400000"/>
-          </a:ln>
-          <a:extLst>
-            <a:ext uri="{C572A759-6A51-4108-AA02-DFA0A04FC94B}">
-              <ma14:wrappingTextBoxFlag xmlns:ma14="http://schemas.microsoft.com/office/mac/drawingml/2011/main" val="1"/>
-            </a:ext>
-          </a:extLst>
-        </p:spPr>
-        <p:txBody>
-          <a:bodyPr lIns="45719" rIns="45719">
-            <a:spAutoFit/>
-          </a:bodyPr>
-          <a:lstStyle>
-            <a:lvl1pPr marL="240631" indent="-240631">
-              <a:buSzPct val="100000"/>
-              <a:buChar char="•"/>
-              <a:defRPr>
-                <a:latin typeface="+mn-lt"/>
-                <a:ea typeface="+mn-ea"/>
-                <a:cs typeface="+mn-cs"/>
-                <a:sym typeface="Helvetica"/>
-              </a:defRPr>
-            </a:lvl1pPr>
-          </a:lstStyle>
-          <a:p>
-            <a:pPr/>
-            <a:r>
-              <a:t>%age speed ups for the gpu runs </a:t>
-            </a:r>
-          </a:p>
-        </p:txBody>
-      </p:sp>
-      <p:sp>
-        <p:nvSpPr>
-          <p:cNvPr id="47" name="Rectangle: Rounded Corners 70"/>
+          <p:cNvPr id="51" name="Rounded Rectangle"/>
           <p:cNvSpPr/>
           <p:nvPr/>
         </p:nvSpPr>
         <p:spPr>
           <a:xfrm>
-            <a:off x="17106900" y="39507951"/>
-            <a:ext cx="15300341" cy="3749004"/>
+            <a:off x="723900" y="23495000"/>
+            <a:ext cx="15163800" cy="12268200"/>
           </a:xfrm>
           <a:prstGeom prst="roundRect">
             <a:avLst>
-              <a:gd name="adj" fmla="val 7130"/>
+              <a:gd name="adj" fmla="val 3853"/>
             </a:avLst>
           </a:prstGeom>
           <a:solidFill>
-            <a:srgbClr val="E3E3E3"/>
+            <a:srgbClr val="DDDDDD"/>
           </a:solidFill>
-          <a:ln w="12700">
-            <a:miter lim="400000"/>
+          <a:ln w="25400">
+            <a:solidFill>
+              <a:schemeClr val="accent1"/>
+            </a:solidFill>
+          </a:ln>
+          <a:effectLst>
+            <a:outerShdw sx="100000" sy="100000" kx="0" ky="0" algn="b" rotWithShape="0" blurRad="38100" dist="23000" dir="5400000">
+              <a:srgbClr val="000000">
+                <a:alpha val="35000"/>
+              </a:srgbClr>
+            </a:outerShdw>
+          </a:effectLst>
+        </p:spPr>
+        <p:txBody>
+          <a:bodyPr lIns="45719" rIns="45719" anchor="ctr"/>
+          <a:lstStyle/>
+          <a:p>
+            <a:pPr algn="ctr">
+              <a:defRPr sz="6500">
+                <a:solidFill>
+                  <a:srgbClr val="DDDDDD"/>
+                </a:solidFill>
+                <a:latin typeface="Arial"/>
+                <a:ea typeface="Arial"/>
+                <a:cs typeface="Arial"/>
+                <a:sym typeface="Arial"/>
+              </a:defRPr>
+            </a:pPr>
+          </a:p>
+        </p:txBody>
+      </p:sp>
+      <p:sp>
+        <p:nvSpPr>
+          <p:cNvPr id="52" name="Rectangle: Rounded Corners 38"/>
+          <p:cNvSpPr/>
+          <p:nvPr/>
+        </p:nvSpPr>
+        <p:spPr>
+          <a:xfrm>
+            <a:off x="723900" y="22590475"/>
+            <a:ext cx="15176500" cy="1199541"/>
+          </a:xfrm>
+          <a:prstGeom prst="roundRect">
+            <a:avLst>
+              <a:gd name="adj" fmla="val 21824"/>
+            </a:avLst>
+          </a:prstGeom>
+          <a:solidFill>
+            <a:srgbClr val="3D6676"/>
+          </a:solidFill>
+          <a:ln w="127000">
+            <a:solidFill>
+              <a:srgbClr val="000000"/>
+            </a:solidFill>
           </a:ln>
         </p:spPr>
         <p:txBody>
@@ -2445,193 +2796,13 @@
       </p:sp>
       <p:sp>
         <p:nvSpPr>
-          <p:cNvPr id="48" name="TextBox 45"/>
+          <p:cNvPr id="53" name="TextBox 46"/>
           <p:cNvSpPr txBox="1"/>
           <p:nvPr/>
         </p:nvSpPr>
         <p:spPr>
           <a:xfrm>
-            <a:off x="1649445" y="11584361"/>
-            <a:ext cx="13193782" cy="3130551"/>
-          </a:xfrm>
-          <a:prstGeom prst="rect">
-            <a:avLst/>
-          </a:prstGeom>
-          <a:ln w="12700">
-            <a:miter lim="400000"/>
-          </a:ln>
-          <a:extLst>
-            <a:ext uri="{C572A759-6A51-4108-AA02-DFA0A04FC94B}">
-              <ma14:wrappingTextBoxFlag xmlns:ma14="http://schemas.microsoft.com/office/mac/drawingml/2011/main" val="1"/>
-            </a:ext>
-          </a:extLst>
-        </p:spPr>
-        <p:txBody>
-          <a:bodyPr lIns="45719" rIns="45719">
-            <a:spAutoFit/>
-          </a:bodyPr>
-          <a:lstStyle/>
-          <a:p>
-            <a:pPr marL="285750" indent="-285750">
-              <a:buSzPct val="100000"/>
-              <a:buChar char="•"/>
-              <a:defRPr sz="2500">
-                <a:latin typeface="Helvetica Neue"/>
-                <a:ea typeface="Helvetica Neue"/>
-                <a:cs typeface="Helvetica Neue"/>
-                <a:sym typeface="Helvetica Neue"/>
-              </a:defRPr>
-            </a:pPr>
-            <a:r>
-              <a:t>The HHL algorithm is a novel quantum algorithm for solving a linear system of equations with an exponential speedup as compared to classical methods. [ref to HHL paper]</a:t>
-            </a:r>
-          </a:p>
-          <a:p>
-            <a:pPr marL="285750" indent="-285750">
-              <a:buSzPct val="100000"/>
-              <a:buChar char="•"/>
-              <a:defRPr sz="2500">
-                <a:latin typeface="Helvetica Neue"/>
-                <a:ea typeface="Helvetica Neue"/>
-                <a:cs typeface="Helvetica Neue"/>
-                <a:sym typeface="Helvetica Neue"/>
-              </a:defRPr>
-            </a:pPr>
-            <a:r>
-              <a:t>It is thus a versatile with possible applications in several disciplines. </a:t>
-            </a:r>
-          </a:p>
-          <a:p>
-            <a:pPr marL="285750" indent="-285750">
-              <a:buSzPct val="100000"/>
-              <a:buChar char="•"/>
-              <a:defRPr sz="2500">
-                <a:latin typeface="Helvetica Neue"/>
-                <a:ea typeface="Helvetica Neue"/>
-                <a:cs typeface="Helvetica Neue"/>
-                <a:sym typeface="Helvetica Neue"/>
-              </a:defRPr>
-            </a:pPr>
-            <a:r>
-              <a:t>Quantum simulation can be used to test and refine the algorithm and it's implementations.</a:t>
-            </a:r>
-          </a:p>
-          <a:p>
-            <a:pPr marL="285750" indent="-285750">
-              <a:buSzPct val="100000"/>
-              <a:buChar char="•"/>
-              <a:defRPr sz="2500">
-                <a:latin typeface="Helvetica Neue"/>
-                <a:ea typeface="Helvetica Neue"/>
-                <a:cs typeface="Helvetica Neue"/>
-                <a:sym typeface="Helvetica Neue"/>
-              </a:defRPr>
-            </a:pPr>
-            <a:r>
-              <a:t>With the help of NVIDIA's cuQuantum SDK, we are able to speed up such simulations even further and thus better explore it's capabilities for when suitable quantum hardware is available. [ref to cuquantum]</a:t>
-            </a:r>
-          </a:p>
-        </p:txBody>
-      </p:sp>
-      <p:sp>
-        <p:nvSpPr>
-          <p:cNvPr id="49" name="TextBox 45"/>
-          <p:cNvSpPr txBox="1"/>
-          <p:nvPr/>
-        </p:nvSpPr>
-        <p:spPr>
-          <a:xfrm>
-            <a:off x="17560742" y="40589265"/>
-            <a:ext cx="13945128" cy="459741"/>
-          </a:xfrm>
-          <a:prstGeom prst="rect">
-            <a:avLst/>
-          </a:prstGeom>
-          <a:ln w="12700">
-            <a:miter lim="400000"/>
-          </a:ln>
-          <a:extLst>
-            <a:ext uri="{C572A759-6A51-4108-AA02-DFA0A04FC94B}">
-              <ma14:wrappingTextBoxFlag xmlns:ma14="http://schemas.microsoft.com/office/mac/drawingml/2011/main" val="1"/>
-            </a:ext>
-          </a:extLst>
-        </p:spPr>
-        <p:txBody>
-          <a:bodyPr lIns="45719" rIns="45719">
-            <a:spAutoFit/>
-          </a:bodyPr>
-          <a:lstStyle>
-            <a:lvl1pPr marL="320842" indent="-320842">
-              <a:buSzPct val="100000"/>
-              <a:buAutoNum type="arabicPeriod" startAt="1"/>
-              <a:defRPr>
-                <a:latin typeface="+mn-lt"/>
-                <a:ea typeface="+mn-ea"/>
-                <a:cs typeface="+mn-cs"/>
-                <a:sym typeface="Helvetica"/>
-              </a:defRPr>
-            </a:lvl1pPr>
-          </a:lstStyle>
-          <a:p>
-            <a:pPr/>
-            <a:r>
-              <a:t>references</a:t>
-            </a:r>
-          </a:p>
-        </p:txBody>
-      </p:sp>
-      <p:sp>
-        <p:nvSpPr>
-          <p:cNvPr id="50" name="Rectangle: Rounded Corners 38"/>
-          <p:cNvSpPr/>
-          <p:nvPr/>
-        </p:nvSpPr>
-        <p:spPr>
-          <a:xfrm>
-            <a:off x="17170400" y="38651876"/>
-            <a:ext cx="15176500" cy="1199541"/>
-          </a:xfrm>
-          <a:prstGeom prst="roundRect">
-            <a:avLst>
-              <a:gd name="adj" fmla="val 21824"/>
-            </a:avLst>
-          </a:prstGeom>
-          <a:solidFill>
-            <a:srgbClr val="3D6676"/>
-          </a:solidFill>
-          <a:ln w="127000">
-            <a:solidFill>
-              <a:srgbClr val="000000"/>
-            </a:solidFill>
-          </a:ln>
-        </p:spPr>
-        <p:txBody>
-          <a:bodyPr lIns="45719" rIns="45719" anchor="ctr"/>
-          <a:lstStyle/>
-          <a:p>
-            <a:pPr algn="ctr">
-              <a:defRPr sz="7200">
-                <a:solidFill>
-                  <a:srgbClr val="FFFFFF"/>
-                </a:solidFill>
-                <a:latin typeface="Arial"/>
-                <a:ea typeface="Arial"/>
-                <a:cs typeface="Arial"/>
-                <a:sym typeface="Arial"/>
-              </a:defRPr>
-            </a:pPr>
-          </a:p>
-        </p:txBody>
-      </p:sp>
-      <p:sp>
-        <p:nvSpPr>
-          <p:cNvPr id="51" name="TextBox 46"/>
-          <p:cNvSpPr txBox="1"/>
-          <p:nvPr/>
-        </p:nvSpPr>
-        <p:spPr>
-          <a:xfrm>
-            <a:off x="17627600" y="38932876"/>
+            <a:off x="987165" y="22839346"/>
             <a:ext cx="13817962" cy="637541"/>
           </a:xfrm>
           <a:prstGeom prst="rect">
@@ -2666,330 +2837,21 @@
           <a:p>
             <a:pPr/>
             <a:r>
-              <a:t>References</a:t>
+              <a:t>A Test : Diagonal Matrices</a:t>
             </a:r>
           </a:p>
         </p:txBody>
       </p:sp>
       <p:sp>
         <p:nvSpPr>
-          <p:cNvPr id="52" name="Rectangle"/>
-          <p:cNvSpPr/>
-          <p:nvPr/>
-        </p:nvSpPr>
-        <p:spPr>
-          <a:xfrm>
-            <a:off x="305101" y="597064"/>
-            <a:ext cx="5629505" cy="2940065"/>
-          </a:xfrm>
-          <a:prstGeom prst="rect">
-            <a:avLst/>
-          </a:prstGeom>
-          <a:solidFill>
-            <a:srgbClr val="FFFFFF"/>
-          </a:solidFill>
-          <a:ln w="25400">
-            <a:solidFill>
-              <a:schemeClr val="accent1"/>
-            </a:solidFill>
-          </a:ln>
-          <a:effectLst>
-            <a:outerShdw sx="100000" sy="100000" kx="0" ky="0" algn="b" rotWithShape="0" blurRad="38100" dist="23000" dir="5400000">
-              <a:srgbClr val="000000">
-                <a:alpha val="35000"/>
-              </a:srgbClr>
-            </a:outerShdw>
-          </a:effectLst>
-        </p:spPr>
-        <p:txBody>
-          <a:bodyPr lIns="45719" rIns="45719" anchor="ctr"/>
-          <a:lstStyle/>
-          <a:p>
-            <a:pPr algn="ctr">
-              <a:defRPr sz="6500">
-                <a:solidFill>
-                  <a:srgbClr val="FFFFFF"/>
-                </a:solidFill>
-                <a:latin typeface="Arial"/>
-                <a:ea typeface="Arial"/>
-                <a:cs typeface="Arial"/>
-                <a:sym typeface="Arial"/>
-              </a:defRPr>
-            </a:pPr>
-          </a:p>
-        </p:txBody>
-      </p:sp>
-      <p:pic>
-        <p:nvPicPr>
-          <p:cNvPr id="53" name="Tata_Institute_of_Fundamental_Research_logo.png" descr="Tata_Institute_of_Fundamental_Research_logo.png"/>
-          <p:cNvPicPr>
-            <a:picLocks noChangeAspect="1"/>
-          </p:cNvPicPr>
-          <p:nvPr/>
-        </p:nvPicPr>
-        <p:blipFill>
-          <a:blip r:embed="rId3">
-            <a:extLst/>
-          </a:blip>
-          <a:stretch>
-            <a:fillRect/>
-          </a:stretch>
-        </p:blipFill>
-        <p:spPr>
-          <a:xfrm>
-            <a:off x="213386" y="595786"/>
-            <a:ext cx="5740401" cy="2794001"/>
-          </a:xfrm>
-          <a:prstGeom prst="rect">
-            <a:avLst/>
-          </a:prstGeom>
-          <a:ln w="12700">
-            <a:miter lim="400000"/>
-          </a:ln>
-        </p:spPr>
-      </p:pic>
-      <p:sp>
-        <p:nvSpPr>
-          <p:cNvPr id="54" name="Rectangle: Rounded Corners 38"/>
-          <p:cNvSpPr/>
-          <p:nvPr/>
-        </p:nvSpPr>
-        <p:spPr>
-          <a:xfrm>
-            <a:off x="723900" y="5065985"/>
-            <a:ext cx="15300341" cy="1199541"/>
-          </a:xfrm>
-          <a:prstGeom prst="roundRect">
-            <a:avLst>
-              <a:gd name="adj" fmla="val 21824"/>
-            </a:avLst>
-          </a:prstGeom>
-          <a:solidFill>
-            <a:srgbClr val="3D6676"/>
-          </a:solidFill>
-          <a:ln w="127000">
-            <a:solidFill>
-              <a:srgbClr val="000000"/>
-            </a:solidFill>
-          </a:ln>
-        </p:spPr>
-        <p:txBody>
-          <a:bodyPr lIns="45719" rIns="45719" anchor="ctr"/>
-          <a:lstStyle/>
-          <a:p>
-            <a:pPr algn="ctr">
-              <a:defRPr sz="7200">
-                <a:solidFill>
-                  <a:srgbClr val="FFFFFF"/>
-                </a:solidFill>
-                <a:latin typeface="Arial"/>
-                <a:ea typeface="Arial"/>
-                <a:cs typeface="Arial"/>
-                <a:sym typeface="Arial"/>
-              </a:defRPr>
-            </a:pPr>
-          </a:p>
-        </p:txBody>
-      </p:sp>
-      <p:sp>
-        <p:nvSpPr>
-          <p:cNvPr id="55" name="TextBox 46"/>
+          <p:cNvPr id="54" name="We have tested the HHL algorithm for various matrix sizes and complexities. All runs were conducted first using only CPU capabilities, and then using V100 and A100 NVIDIA GPUs - where we expect the cuQuantum SDK to speed up the simulation of the quantum "/>
           <p:cNvSpPr txBox="1"/>
           <p:nvPr/>
         </p:nvSpPr>
         <p:spPr>
           <a:xfrm>
-            <a:off x="1466403" y="5316425"/>
-            <a:ext cx="13817962" cy="636979"/>
-          </a:xfrm>
-          <a:prstGeom prst="rect">
-            <a:avLst/>
-          </a:prstGeom>
-          <a:ln w="12700">
-            <a:miter lim="400000"/>
-          </a:ln>
-          <a:extLst>
-            <a:ext uri="{C572A759-6A51-4108-AA02-DFA0A04FC94B}">
-              <ma14:wrappingTextBoxFlag xmlns:ma14="http://schemas.microsoft.com/office/mac/drawingml/2011/main" val="1"/>
-            </a:ext>
-          </a:extLst>
-        </p:spPr>
-        <p:txBody>
-          <a:bodyPr lIns="45719" rIns="45719">
-            <a:spAutoFit/>
-          </a:bodyPr>
-          <a:lstStyle>
-            <a:lvl1pPr>
-              <a:defRPr b="1" sz="3600">
-                <a:solidFill>
-                  <a:srgbClr val="FFFFFF"/>
-                </a:solidFill>
-                <a:latin typeface="Helvetica Neue"/>
-                <a:ea typeface="Helvetica Neue"/>
-                <a:cs typeface="Helvetica Neue"/>
-                <a:sym typeface="Helvetica Neue"/>
-              </a:defRPr>
-            </a:lvl1pPr>
-          </a:lstStyle>
-          <a:p>
-            <a:pPr/>
-            <a:r>
-              <a:t>The HHL Algorithm</a:t>
-            </a:r>
-          </a:p>
-        </p:txBody>
-      </p:sp>
-      <p:sp>
-        <p:nvSpPr>
-          <p:cNvPr id="56" name="Rounded Rectangle"/>
-          <p:cNvSpPr/>
-          <p:nvPr/>
-        </p:nvSpPr>
-        <p:spPr>
-          <a:xfrm>
-            <a:off x="736600" y="27736800"/>
-            <a:ext cx="15163800" cy="11404600"/>
-          </a:xfrm>
-          <a:prstGeom prst="roundRect">
-            <a:avLst>
-              <a:gd name="adj" fmla="val 4145"/>
-            </a:avLst>
-          </a:prstGeom>
-          <a:solidFill>
-            <a:srgbClr val="DDDDDD"/>
-          </a:solidFill>
-          <a:ln w="25400">
-            <a:solidFill>
-              <a:schemeClr val="accent1"/>
-            </a:solidFill>
-          </a:ln>
-          <a:effectLst>
-            <a:outerShdw sx="100000" sy="100000" kx="0" ky="0" algn="b" rotWithShape="0" blurRad="38100" dist="23000" dir="5400000">
-              <a:srgbClr val="000000">
-                <a:alpha val="35000"/>
-              </a:srgbClr>
-            </a:outerShdw>
-          </a:effectLst>
-        </p:spPr>
-        <p:txBody>
-          <a:bodyPr lIns="45719" rIns="45719" anchor="ctr"/>
-          <a:lstStyle/>
-          <a:p>
-            <a:pPr algn="ctr">
-              <a:defRPr sz="6500">
-                <a:solidFill>
-                  <a:srgbClr val="DDDDDD"/>
-                </a:solidFill>
-                <a:latin typeface="Arial"/>
-                <a:ea typeface="Arial"/>
-                <a:cs typeface="Arial"/>
-                <a:sym typeface="Arial"/>
-              </a:defRPr>
-            </a:pPr>
-          </a:p>
-        </p:txBody>
-      </p:sp>
-      <p:sp>
-        <p:nvSpPr>
-          <p:cNvPr id="57" name="Rectangle: Rounded Corners 38"/>
-          <p:cNvSpPr/>
-          <p:nvPr/>
-        </p:nvSpPr>
-        <p:spPr>
-          <a:xfrm>
-            <a:off x="723900" y="27530775"/>
-            <a:ext cx="15176500" cy="1199541"/>
-          </a:xfrm>
-          <a:prstGeom prst="roundRect">
-            <a:avLst>
-              <a:gd name="adj" fmla="val 21824"/>
-            </a:avLst>
-          </a:prstGeom>
-          <a:solidFill>
-            <a:srgbClr val="3D6676"/>
-          </a:solidFill>
-          <a:ln w="127000">
-            <a:solidFill>
-              <a:srgbClr val="000000"/>
-            </a:solidFill>
-          </a:ln>
-        </p:spPr>
-        <p:txBody>
-          <a:bodyPr lIns="45719" rIns="45719" anchor="ctr"/>
-          <a:lstStyle/>
-          <a:p>
-            <a:pPr algn="ctr">
-              <a:defRPr sz="7200">
-                <a:solidFill>
-                  <a:srgbClr val="FFFFFF"/>
-                </a:solidFill>
-                <a:latin typeface="Arial"/>
-                <a:ea typeface="Arial"/>
-                <a:cs typeface="Arial"/>
-                <a:sym typeface="Arial"/>
-              </a:defRPr>
-            </a:pPr>
-          </a:p>
-        </p:txBody>
-      </p:sp>
-      <p:sp>
-        <p:nvSpPr>
-          <p:cNvPr id="58" name="TextBox 46"/>
-          <p:cNvSpPr txBox="1"/>
-          <p:nvPr/>
-        </p:nvSpPr>
-        <p:spPr>
-          <a:xfrm>
-            <a:off x="1469765" y="27792346"/>
-            <a:ext cx="13817962" cy="637541"/>
-          </a:xfrm>
-          <a:prstGeom prst="rect">
-            <a:avLst/>
-          </a:prstGeom>
-          <a:ln w="12700">
-            <a:miter lim="400000"/>
-          </a:ln>
-          <a:extLst>
-            <a:ext uri="{C572A759-6A51-4108-AA02-DFA0A04FC94B}">
-              <ma14:wrappingTextBoxFlag xmlns:ma14="http://schemas.microsoft.com/office/mac/drawingml/2011/main" val="1"/>
-            </a:ext>
-          </a:extLst>
-        </p:spPr>
-        <p:txBody>
-          <a:bodyPr lIns="45719" rIns="45719">
-            <a:spAutoFit/>
-          </a:bodyPr>
-          <a:lstStyle>
-            <a:lvl1pPr>
-              <a:defRPr b="1" sz="3600">
-                <a:solidFill>
-                  <a:srgbClr val="FFFFFF"/>
-                </a:solidFill>
-                <a:latin typeface="Montserrat Extra Bold"/>
-                <a:ea typeface="Montserrat Extra Bold"/>
-                <a:cs typeface="Montserrat Extra Bold"/>
-                <a:sym typeface="Montserrat Extra Bold"/>
-              </a:defRPr>
-            </a:lvl1pPr>
-          </a:lstStyle>
-          <a:p>
-            <a:pPr/>
-            <a:r>
-              <a:t>A Test : Diagonal Matrices</a:t>
-            </a:r>
-          </a:p>
-        </p:txBody>
-      </p:sp>
-      <p:sp>
-        <p:nvSpPr>
-          <p:cNvPr id="59" name="We have tested the HHL algorithm for various matrix sizes and complexities. All runs were conducted first using only CPU capabilities, and then using V100 and A100 NVIDIA GPUs - where we expect the cuQuantum SDK to speed up the simulation of the quantum "/>
-          <p:cNvSpPr txBox="1"/>
-          <p:nvPr/>
-        </p:nvSpPr>
-        <p:spPr>
-          <a:xfrm>
-            <a:off x="1358900" y="29362400"/>
-            <a:ext cx="13589000" cy="3029306"/>
+            <a:off x="990600" y="24396700"/>
+            <a:ext cx="13931900" cy="3245166"/>
           </a:xfrm>
           <a:prstGeom prst="rect">
             <a:avLst/>
@@ -3010,6 +2872,12 @@
           <a:lstStyle/>
           <a:p>
             <a:pPr>
+              <a:lnSpc>
+                <a:spcPct val="120000"/>
+              </a:lnSpc>
+              <a:spcBef>
+                <a:spcPts val="600"/>
+              </a:spcBef>
               <a:defRPr>
                 <a:latin typeface="Helvetica Neue"/>
                 <a:ea typeface="Helvetica Neue"/>
@@ -3041,48 +2909,19 @@
               </a:defRPr>
             </a:pPr>
             <a:r>
-              <a:t>The best results were obtained for systems where the matrix A is diagonal with entries corresponding to binary fractions upto a multiplicative constant. Such matrices were thus used to explore how large the system size can be without worrying much about the accuracy of the final result. A table of times taken for such runs is presented below.  </a:t>
+              <a:t>We begin with systems where the matrix A is diagonal with entries corresponding to binary fractions upto a multiplicative constant. Such matrices were used to verify the that the implementation was satisfactory and that cuQuantum was able to use GPUs to speedup the runs.. A table of times taken for such runs is presented below.  </a:t>
             </a:r>
           </a:p>
         </p:txBody>
       </p:sp>
-      <p:pic>
-        <p:nvPicPr>
-          <p:cNvPr id="60" name="block.png" descr="block.png"/>
-          <p:cNvPicPr>
-            <a:picLocks noChangeAspect="1"/>
-          </p:cNvPicPr>
-          <p:nvPr/>
-        </p:nvPicPr>
-        <p:blipFill>
-          <a:blip r:embed="rId4">
-            <a:extLst/>
-          </a:blip>
-          <a:stretch>
-            <a:fillRect/>
-          </a:stretch>
-        </p:blipFill>
-        <p:spPr>
-          <a:xfrm>
-            <a:off x="2373657" y="6578728"/>
-            <a:ext cx="11991287" cy="4673601"/>
-          </a:xfrm>
-          <a:prstGeom prst="rect">
-            <a:avLst/>
-          </a:prstGeom>
-          <a:ln w="12700">
-            <a:miter lim="400000"/>
-          </a:ln>
-        </p:spPr>
-      </p:pic>
       <p:graphicFrame>
         <p:nvGraphicFramePr>
-          <p:cNvPr id="61" name="Table 1"/>
+          <p:cNvPr id="55" name="Table 1"/>
           <p:cNvGraphicFramePr/>
           <p:nvPr/>
         </p:nvGraphicFramePr>
         <p:xfrm>
-          <a:off x="-19710400" y="17526000"/>
+          <a:off x="-19773900" y="17526000"/>
           <a:ext cx="26517600" cy="32512000"/>
         </p:xfrm>
         <a:graphic xmlns:a="http://schemas.openxmlformats.org/drawingml/2006/main">
@@ -3120,13 +2959,13 @@
       </p:graphicFrame>
       <p:sp>
         <p:nvSpPr>
-          <p:cNvPr id="62" name="Simulation of quantum circuits on classical computers is key for researchers and developers to exploit the capabilities of Quantum Processing Units. To exploit the capabilities of CPU and GPU on classical system, NVIDIA CUDA Quantum is a first-of-its-kin"/>
+          <p:cNvPr id="56" name="Simulation of quantum circuits on classical computers is key for researchers and developers to exploit the capabilities of Quantum Processing Units. To exploit the capabilities of CPU and GPU on classical system, NVIDIA CUDA Quantum is a first-of-its-kin"/>
           <p:cNvSpPr txBox="1"/>
           <p:nvPr/>
         </p:nvSpPr>
         <p:spPr>
           <a:xfrm>
-            <a:off x="8229600" y="17284700"/>
+            <a:off x="-16357600" y="17284700"/>
             <a:ext cx="6718300" cy="4142740"/>
           </a:xfrm>
           <a:prstGeom prst="rect">
@@ -3154,44 +2993,15 @@
           </a:p>
         </p:txBody>
       </p:sp>
-      <p:pic>
-        <p:nvPicPr>
-          <p:cNvPr id="63" name="Screenshot_20240123_023618.png" descr="Screenshot_20240123_023618.png"/>
-          <p:cNvPicPr>
-            <a:picLocks noChangeAspect="1"/>
-          </p:cNvPicPr>
-          <p:nvPr/>
-        </p:nvPicPr>
-        <p:blipFill>
-          <a:blip r:embed="rId5">
-            <a:extLst/>
-          </a:blip>
-          <a:stretch>
-            <a:fillRect/>
-          </a:stretch>
-        </p:blipFill>
-        <p:spPr>
-          <a:xfrm>
-            <a:off x="2278896" y="17268538"/>
-            <a:ext cx="4662408" cy="4432301"/>
-          </a:xfrm>
-          <a:prstGeom prst="rect">
-            <a:avLst/>
-          </a:prstGeom>
-          <a:ln w="12700">
-            <a:miter lim="400000"/>
-          </a:ln>
-        </p:spPr>
-      </p:pic>
       <p:sp>
         <p:nvSpPr>
-          <p:cNvPr id="64" name="cuQuantum (https://developer.nvidia.com/cuquantum-sdk) consists of two major components, cuStatevec and cuTensorNet, the high-performance library for state vector and TensorNet simulations respectively.  Modani et al (2022; 2023) demonstrated the perform"/>
+          <p:cNvPr id="57" name="cuQuantum (https://developer.nvidia.com/cuquantum-sdk) consists of two major components, cuStatevec and cuTensorNet, the high-performance library for state vector and TensorNet simulations respectively.  Modani et al (2022; 2023) demonstrated the perform"/>
           <p:cNvSpPr txBox="1"/>
           <p:nvPr/>
         </p:nvSpPr>
         <p:spPr>
           <a:xfrm>
-            <a:off x="1358900" y="22250400"/>
+            <a:off x="-18110200" y="22453600"/>
             <a:ext cx="13589000" cy="4142740"/>
           </a:xfrm>
           <a:prstGeom prst="rect">
@@ -3226,7 +3036,7 @@
                     <a:srgbClr val="0000FF"/>
                   </a:solidFill>
                 </a:uFill>
-                <a:hlinkClick r:id="rId6" invalidUrl="" action="" tgtFrame="" tooltip="" history="1" highlightClick="0" endSnd="0"/>
+                <a:hlinkClick r:id="rId4" invalidUrl="" action="" tgtFrame="" tooltip="" history="1" highlightClick="0" endSnd="0"/>
               </a:rPr>
               <a:t>https://developer.nvidia.com/cuquantum-sdk)</a:t>
             </a:r>
@@ -3240,20 +3050,20 @@
           <a:p>
             <a:pPr/>
             <a:r>
-              <a:t>In the present, work, the cuStatevec enabled HHL algorithm employed to solve a linear system equations of various sizes and complexities. At this stage we have demonstrated the viability of this implementation. We plan to optimise the algorithm and it's implementation to maximise the speedup obtained and then we will apply it to solve physical problems.</a:t>
+              <a:t>In the present work, the cuStatevec enabled HHL algorithm employed to solve a linear system equations of various sizes and complexities. At this stage we have demonstrated the viability of this implementation. We plan to optimise the algorithm and it's implementation to maximise the speedup obtained and then we will apply it to solve physical problems.</a:t>
             </a:r>
           </a:p>
         </p:txBody>
       </p:sp>
       <p:sp>
         <p:nvSpPr>
-          <p:cNvPr id="65" name="Rectangle: Rounded Corners 38"/>
+          <p:cNvPr id="58" name="Rectangle: Rounded Corners 38"/>
           <p:cNvSpPr/>
           <p:nvPr/>
         </p:nvSpPr>
         <p:spPr>
           <a:xfrm>
-            <a:off x="17246600" y="5041900"/>
+            <a:off x="711200" y="36195000"/>
             <a:ext cx="15176500" cy="1199541"/>
           </a:xfrm>
           <a:prstGeom prst="roundRect">
@@ -3290,13 +3100,13 @@
       </p:sp>
       <p:sp>
         <p:nvSpPr>
-          <p:cNvPr id="66" name="TextBox 46"/>
+          <p:cNvPr id="59" name="TextBox 46"/>
           <p:cNvSpPr txBox="1"/>
           <p:nvPr/>
         </p:nvSpPr>
         <p:spPr>
           <a:xfrm>
-            <a:off x="17627600" y="5308600"/>
+            <a:off x="1104900" y="36449000"/>
             <a:ext cx="13817962" cy="636979"/>
           </a:xfrm>
           <a:prstGeom prst="rect">
@@ -3331,21 +3141,21 @@
           <a:p>
             <a:pPr/>
             <a:r>
-              <a:t>Randomised Eigenvalues</a:t>
+              <a:t>Irrational Eigenvalues</a:t>
             </a:r>
           </a:p>
         </p:txBody>
       </p:sp>
       <p:sp>
         <p:nvSpPr>
-          <p:cNvPr id="67" name="After establishing the viability of the implementation and demonstrating the small but visible speedup achieved using cuQuantum, we moved onto testing it on matrices where the eigenvalues are not handpicked, but generated randomly.…"/>
+          <p:cNvPr id="60" name="After establishing the viability of the implementation and demonstrating the small but visible speedup achieved using cuQuantum, we moved onto testing it on diagonal matrices where the eigenvalues are not handpicked, but generated randomly.…"/>
           <p:cNvSpPr txBox="1"/>
           <p:nvPr/>
         </p:nvSpPr>
         <p:spPr>
           <a:xfrm>
-            <a:off x="17792700" y="6731000"/>
-            <a:ext cx="14097000" cy="2661006"/>
+            <a:off x="990600" y="37922200"/>
+            <a:ext cx="14211300" cy="3092725"/>
           </a:xfrm>
           <a:prstGeom prst="rect">
             <a:avLst/>
@@ -3366,6 +3176,9 @@
           <a:lstStyle/>
           <a:p>
             <a:pPr>
+              <a:lnSpc>
+                <a:spcPct val="120000"/>
+              </a:lnSpc>
               <a:defRPr>
                 <a:latin typeface="Helvetica Neue"/>
                 <a:ea typeface="Helvetica Neue"/>
@@ -3374,11 +3187,14 @@
               </a:defRPr>
             </a:pPr>
             <a:r>
-              <a:t>After establishing the viability of the implementation and demonstrating the small but visible speedup achieved using cuQuantum, we moved onto testing it on matrices where the eigenvalues are not handpicked, but generated randomly.</a:t>
+              <a:t>After establishing the viability of the implementation and demonstrating the small but visible speedup achieved using cuQuantum, we moved onto testing it on diagonal matrices where the eigenvalues are not handpicked, but generated randomly.</a:t>
             </a:r>
           </a:p>
           <a:p>
             <a:pPr>
+              <a:lnSpc>
+                <a:spcPct val="120000"/>
+              </a:lnSpc>
               <a:defRPr>
                 <a:latin typeface="Helvetica Neue"/>
                 <a:ea typeface="Helvetica Neue"/>
@@ -3389,6 +3205,9 @@
           </a:p>
           <a:p>
             <a:pPr>
+              <a:lnSpc>
+                <a:spcPct val="120000"/>
+              </a:lnSpc>
               <a:defRPr>
                 <a:latin typeface="Helvetica Neue"/>
                 <a:ea typeface="Helvetica Neue"/>
@@ -3397,50 +3216,21 @@
               </a:defRPr>
             </a:pPr>
             <a:r>
-              <a:t>This is expected to interfere with the phase estimation routine in the HHL algorithm, increasing the circuit depth and hence the time taken by the simulation. A table detailing the times taken in such runs is given below.</a:t>
+              <a:t>This is expected to interfere with the phase estimation routine in the HHL algorithm, increasing the circuit depth and hence the time taken by the simulation. A table detailing the times taken in such runs is presented opposite.</a:t>
             </a:r>
           </a:p>
         </p:txBody>
       </p:sp>
-      <p:pic>
-        <p:nvPicPr>
-          <p:cNvPr id="68" name="Screenshot_20240123_030955.png" descr="Screenshot_20240123_030955.png"/>
-          <p:cNvPicPr>
-            <a:picLocks noChangeAspect="1"/>
-          </p:cNvPicPr>
-          <p:nvPr/>
-        </p:nvPicPr>
-        <p:blipFill>
-          <a:blip r:embed="rId7">
-            <a:extLst/>
-          </a:blip>
-          <a:stretch>
-            <a:fillRect/>
-          </a:stretch>
-        </p:blipFill>
-        <p:spPr>
-          <a:xfrm>
-            <a:off x="17640300" y="9822090"/>
-            <a:ext cx="14490700" cy="3927020"/>
-          </a:xfrm>
-          <a:prstGeom prst="rect">
-            <a:avLst/>
-          </a:prstGeom>
-          <a:ln w="12700">
-            <a:miter lim="400000"/>
-          </a:ln>
-        </p:spPr>
-      </p:pic>
       <p:sp>
         <p:nvSpPr>
-          <p:cNvPr id="69" name="Thus cuQuantum is able to speed up the simulation by upto 5.2%. We can further see that this speedup increases as we increase the size of the problem, which we attribute to the fact that at lower qubits the problem does not utilise all available cores. I"/>
+          <p:cNvPr id="61" name="Thus cuQuantum is able to speed up the simulation by upto 5.7%. We can further see that this speedup increases as we increase the size of the problem, which we attribute to the fact that at lower qubits the problem does not utilise all available cores. I"/>
           <p:cNvSpPr txBox="1"/>
           <p:nvPr/>
         </p:nvSpPr>
         <p:spPr>
           <a:xfrm>
-            <a:off x="17792700" y="14452600"/>
-            <a:ext cx="14046200" cy="3406140"/>
+            <a:off x="17780000" y="10782300"/>
+            <a:ext cx="14211300" cy="3685419"/>
           </a:xfrm>
           <a:prstGeom prst="rect">
             <a:avLst/>
@@ -3460,32 +3250,170 @@
           </a:bodyPr>
           <a:lstStyle/>
           <a:p>
-            <a:pPr/>
+            <a:pPr>
+              <a:lnSpc>
+                <a:spcPct val="110000"/>
+              </a:lnSpc>
+              <a:defRPr>
+                <a:latin typeface="Helvetica Neue"/>
+                <a:ea typeface="Helvetica Neue"/>
+                <a:cs typeface="Helvetica Neue"/>
+                <a:sym typeface="Helvetica Neue"/>
+              </a:defRPr>
+            </a:pPr>
             <a:r>
-              <a:t>Thus cuQuantum is able to speed up the simulation by upto 5.2%. We can further see that this speedup increases as we increase the size of the problem, which we attribute to the fact that at lower qubits the problem does not utilise all available cores. Indeed it seems that for the smallest system, the CPU run is faster than GPU-enabled runs.</a:t>
+              <a:t>Thus cuQuantum is able to speed up the simulation by upto 5.7%. We can further see that this speedup increases as we increase the size of the problem, which we attribute to the fact that at lower qubits the problem does not utilise all available cores. Indeed it seems that for the smallest system, the CPU run is faster than GPU-enabled runs.</a:t>
             </a:r>
           </a:p>
           <a:p>
-            <a:pPr/>
-          </a:p>
-          <a:p>
-            <a:pPr/>
+            <a:pPr>
+              <a:lnSpc>
+                <a:spcPct val="110000"/>
+              </a:lnSpc>
+              <a:defRPr>
+                <a:latin typeface="Helvetica Neue"/>
+                <a:ea typeface="Helvetica Neue"/>
+                <a:cs typeface="Helvetica Neue"/>
+                <a:sym typeface="Helvetica Neue"/>
+              </a:defRPr>
+            </a:pPr>
+          </a:p>
+          <a:p>
+            <a:pPr>
+              <a:lnSpc>
+                <a:spcPct val="110000"/>
+              </a:lnSpc>
+              <a:defRPr>
+                <a:latin typeface="Helvetica Neue"/>
+                <a:ea typeface="Helvetica Neue"/>
+                <a:cs typeface="Helvetica Neue"/>
+                <a:sym typeface="Helvetica Neue"/>
+              </a:defRPr>
+            </a:pPr>
             <a:r>
-              <a:t>On an average we find a speedup of  2.56% using V100 GPUs and 3.36% using A100 GPUs. Another characteristic evident from the date is that while the speedup attained via V100 GPUs appears to stagnate, the A100 speedup appears to still be rising. We will explore this in future work and look at how the speedup scales with system size and number of qubits.</a:t>
+              <a:t>On an average we find a speedup of 2.42% using V100 GPUs and 4.52% using A100 GPUs. Another characteristic evident from the date is that while the speedup attained via V100 GPUs appears to stagnate, the A100 speedup appears to still be rising. We will explore this in future work and look at how the speedup scales with system size and number of qubits.</a:t>
             </a:r>
           </a:p>
         </p:txBody>
       </p:sp>
+      <p:pic>
+        <p:nvPicPr>
+          <p:cNvPr id="62" name="01-nvidia-logo-vert-500x200-2c50-p@2x.png" descr="01-nvidia-logo-vert-500x200-2c50-p@2x.png"/>
+          <p:cNvPicPr>
+            <a:picLocks noChangeAspect="1"/>
+          </p:cNvPicPr>
+          <p:nvPr/>
+        </p:nvPicPr>
+        <p:blipFill>
+          <a:blip r:embed="rId5">
+            <a:extLst/>
+          </a:blip>
+          <a:stretch>
+            <a:fillRect/>
+          </a:stretch>
+        </p:blipFill>
+        <p:spPr>
+          <a:xfrm>
+            <a:off x="27261337" y="1422400"/>
+            <a:ext cx="5281623" cy="2975314"/>
+          </a:xfrm>
+          <a:prstGeom prst="rect">
+            <a:avLst/>
+          </a:prstGeom>
+          <a:ln w="12700">
+            <a:miter lim="400000"/>
+          </a:ln>
+        </p:spPr>
+      </p:pic>
       <p:sp>
         <p:nvSpPr>
-          <p:cNvPr id="70" name="Manish missed some files that he is running now. I will make this table once that is done."/>
+          <p:cNvPr id="63" name="Rounded Rectangle"/>
+          <p:cNvSpPr/>
+          <p:nvPr/>
+        </p:nvSpPr>
+        <p:spPr>
+          <a:xfrm>
+            <a:off x="1676400" y="28041600"/>
+            <a:ext cx="13246100" cy="4978400"/>
+          </a:xfrm>
+          <a:prstGeom prst="roundRect">
+            <a:avLst>
+              <a:gd name="adj" fmla="val 8782"/>
+            </a:avLst>
+          </a:prstGeom>
+          <a:solidFill>
+            <a:srgbClr val="FFFFFF"/>
+          </a:solidFill>
+          <a:ln w="25400">
+            <a:solidFill>
+              <a:schemeClr val="accent1"/>
+            </a:solidFill>
+          </a:ln>
+          <a:effectLst>
+            <a:outerShdw sx="100000" sy="100000" kx="0" ky="0" algn="b" rotWithShape="0" blurRad="38100" dist="23000" dir="5400000">
+              <a:srgbClr val="000000">
+                <a:alpha val="35000"/>
+              </a:srgbClr>
+            </a:outerShdw>
+          </a:effectLst>
+        </p:spPr>
+        <p:txBody>
+          <a:bodyPr lIns="45719" rIns="45719" anchor="ctr"/>
+          <a:lstStyle/>
+          <a:p>
+            <a:pPr algn="ctr">
+              <a:defRPr sz="6500">
+                <a:solidFill>
+                  <a:srgbClr val="FFFFFF"/>
+                </a:solidFill>
+                <a:latin typeface="Arial"/>
+                <a:ea typeface="Arial"/>
+                <a:cs typeface="Arial"/>
+                <a:sym typeface="Arial"/>
+              </a:defRPr>
+            </a:pPr>
+          </a:p>
+        </p:txBody>
+      </p:sp>
+      <p:pic>
+        <p:nvPicPr>
+          <p:cNvPr id="64" name="Screenshot_20240123_074018.png" descr="Screenshot_20240123_074018.png"/>
+          <p:cNvPicPr>
+            <a:picLocks noChangeAspect="1"/>
+          </p:cNvPicPr>
+          <p:nvPr/>
+        </p:nvPicPr>
+        <p:blipFill>
+          <a:blip r:embed="rId6">
+            <a:extLst/>
+          </a:blip>
+          <a:stretch>
+            <a:fillRect/>
+          </a:stretch>
+        </p:blipFill>
+        <p:spPr>
+          <a:xfrm>
+            <a:off x="1828800" y="28194000"/>
+            <a:ext cx="12928600" cy="4695498"/>
+          </a:xfrm>
+          <a:prstGeom prst="rect">
+            <a:avLst/>
+          </a:prstGeom>
+          <a:ln w="12700">
+            <a:miter lim="400000"/>
+          </a:ln>
+        </p:spPr>
+      </p:pic>
+      <p:sp>
+        <p:nvSpPr>
+          <p:cNvPr id="65" name="This serves as a demonstration that the HHL algorithm has been implemented correctly and cuQuantum has been correctly integrated. We now move on to matrices where the eigenvalues are not binary fractions and see how the algorithm fares there."/>
           <p:cNvSpPr txBox="1"/>
           <p:nvPr/>
         </p:nvSpPr>
         <p:spPr>
           <a:xfrm>
-            <a:off x="4203700" y="33375600"/>
-            <a:ext cx="12116058" cy="459740"/>
+            <a:off x="990600" y="33731200"/>
+            <a:ext cx="13931900" cy="1331712"/>
           </a:xfrm>
           <a:prstGeom prst="rect">
             <a:avLst/>
@@ -3500,14 +3428,714 @@
           </a:extLst>
         </p:spPr>
         <p:txBody>
-          <a:bodyPr wrap="none" lIns="45719" rIns="45719">
+          <a:bodyPr lIns="45719" rIns="45719">
+            <a:spAutoFit/>
+          </a:bodyPr>
+          <a:lstStyle>
+            <a:lvl1pPr>
+              <a:lnSpc>
+                <a:spcPct val="120000"/>
+              </a:lnSpc>
+              <a:spcBef>
+                <a:spcPts val="600"/>
+              </a:spcBef>
+              <a:defRPr>
+                <a:latin typeface="Helvetica Neue"/>
+                <a:ea typeface="Helvetica Neue"/>
+                <a:cs typeface="Helvetica Neue"/>
+                <a:sym typeface="Helvetica Neue"/>
+              </a:defRPr>
+            </a:lvl1pPr>
+          </a:lstStyle>
+          <a:p>
+            <a:pPr/>
+            <a:r>
+              <a:t>This serves as a demonstration that the HHL algorithm has been implemented correctly and cuQuantum has been correctly integrated. We now move on to matrices where the eigenvalues are not binary fractions and see how the algorithm fares there.</a:t>
+            </a:r>
+          </a:p>
+        </p:txBody>
+      </p:sp>
+      <p:sp>
+        <p:nvSpPr>
+          <p:cNvPr id="66" name="Rounded Rectangle"/>
+          <p:cNvSpPr/>
+          <p:nvPr/>
+        </p:nvSpPr>
+        <p:spPr>
+          <a:xfrm>
+            <a:off x="18161000" y="5575300"/>
+            <a:ext cx="13411200" cy="4826000"/>
+          </a:xfrm>
+          <a:prstGeom prst="roundRect">
+            <a:avLst>
+              <a:gd name="adj" fmla="val 9059"/>
+            </a:avLst>
+          </a:prstGeom>
+          <a:solidFill>
+            <a:srgbClr val="FFFFFF"/>
+          </a:solidFill>
+          <a:ln w="25400">
+            <a:solidFill>
+              <a:schemeClr val="accent1"/>
+            </a:solidFill>
+          </a:ln>
+          <a:effectLst>
+            <a:outerShdw sx="100000" sy="100000" kx="0" ky="0" algn="b" rotWithShape="0" blurRad="38100" dist="23000" dir="5400000">
+              <a:srgbClr val="000000">
+                <a:alpha val="35000"/>
+              </a:srgbClr>
+            </a:outerShdw>
+          </a:effectLst>
+        </p:spPr>
+        <p:txBody>
+          <a:bodyPr lIns="45719" rIns="45719" anchor="ctr"/>
+          <a:lstStyle/>
+          <a:p>
+            <a:pPr algn="ctr">
+              <a:defRPr sz="6500">
+                <a:solidFill>
+                  <a:srgbClr val="FFFFFF"/>
+                </a:solidFill>
+                <a:latin typeface="Arial"/>
+                <a:ea typeface="Arial"/>
+                <a:cs typeface="Arial"/>
+                <a:sym typeface="Arial"/>
+              </a:defRPr>
+            </a:pPr>
+          </a:p>
+        </p:txBody>
+      </p:sp>
+      <p:pic>
+        <p:nvPicPr>
+          <p:cNvPr id="67" name="Screenshot_20240123_075216.png" descr="Screenshot_20240123_075216.png"/>
+          <p:cNvPicPr>
+            <a:picLocks noChangeAspect="1"/>
+          </p:cNvPicPr>
+          <p:nvPr/>
+        </p:nvPicPr>
+        <p:blipFill>
+          <a:blip r:embed="rId7">
+            <a:extLst/>
+          </a:blip>
+          <a:stretch>
+            <a:fillRect/>
+          </a:stretch>
+        </p:blipFill>
+        <p:spPr>
+          <a:xfrm>
+            <a:off x="18373670" y="5689600"/>
+            <a:ext cx="12991922" cy="4522325"/>
+          </a:xfrm>
+          <a:prstGeom prst="rect">
+            <a:avLst/>
+          </a:prstGeom>
+          <a:ln w="12700">
+            <a:miter lim="400000"/>
+          </a:ln>
+        </p:spPr>
+      </p:pic>
+      <p:sp>
+        <p:nvSpPr>
+          <p:cNvPr id="68" name="Again we see that a significant speedup is achieved in GPU-enable runs. Indeed, the average speedups of x% for V100 and x% for A100 are both higher their counterparts in the previous section. This is like due to the increased complexity of the matrix and"/>
+          <p:cNvSpPr txBox="1"/>
+          <p:nvPr/>
+        </p:nvSpPr>
+        <p:spPr>
+          <a:xfrm>
+            <a:off x="17729200" y="25019000"/>
+            <a:ext cx="14236700" cy="4898248"/>
+          </a:xfrm>
+          <a:prstGeom prst="rect">
+            <a:avLst/>
+          </a:prstGeom>
+          <a:ln w="12700">
+            <a:miter lim="400000"/>
+          </a:ln>
+          <a:extLst>
+            <a:ext uri="{C572A759-6A51-4108-AA02-DFA0A04FC94B}">
+              <ma14:wrappingTextBoxFlag xmlns:ma14="http://schemas.microsoft.com/office/mac/drawingml/2011/main" val="1"/>
+            </a:ext>
+          </a:extLst>
+        </p:spPr>
+        <p:txBody>
+          <a:bodyPr lIns="45719" rIns="45719">
             <a:spAutoFit/>
           </a:bodyPr>
           <a:lstStyle/>
           <a:p>
+            <a:pPr>
+              <a:lnSpc>
+                <a:spcPct val="110000"/>
+              </a:lnSpc>
+              <a:defRPr>
+                <a:latin typeface="Helvetica Neue"/>
+                <a:ea typeface="Helvetica Neue"/>
+                <a:cs typeface="Helvetica Neue"/>
+                <a:sym typeface="Helvetica Neue"/>
+              </a:defRPr>
+            </a:pPr>
+            <a:r>
+              <a:t>Again we see that a significant speedup is achieved in GPU-enable runs. Indeed, the average speedups of x% for V100 and x% for A100 are both higher their counterparts in the previous section. This is like due to the increased complexity of the matrix and the higher circuit depth demands more system resources and a GPU-enabled run is better at coping with that. We aim to pursue this effect as well in future work. The scaling of the speedup still follows the same pattern as above, and can be attributed to the same reasons.</a:t>
+            </a:r>
+          </a:p>
+          <a:p>
+            <a:pPr>
+              <a:lnSpc>
+                <a:spcPct val="110000"/>
+              </a:lnSpc>
+              <a:defRPr>
+                <a:latin typeface="Helvetica Neue"/>
+                <a:ea typeface="Helvetica Neue"/>
+                <a:cs typeface="Helvetica Neue"/>
+                <a:sym typeface="Helvetica Neue"/>
+              </a:defRPr>
+            </a:pPr>
+          </a:p>
+          <a:p>
+            <a:pPr>
+              <a:lnSpc>
+                <a:spcPct val="110000"/>
+              </a:lnSpc>
+              <a:defRPr>
+                <a:latin typeface="Helvetica Neue"/>
+                <a:ea typeface="Helvetica Neue"/>
+                <a:cs typeface="Helvetica Neue"/>
+                <a:sym typeface="Helvetica Neue"/>
+              </a:defRPr>
+            </a:pPr>
+            <a:r>
+              <a:t>These results demonstrate that one can try and solve actual problems upto a matrix size of 16 X 16. While there are some problems that can be explored at this size, we believe it is possible to further optimise both the implementation of the HHL algorithm and the compatibility with cuQuantum to obtain better speeds and scale these results further. Once that is achieved, we plan to try and apply this to studying physical models like the SSH Model, the Toric Code, etc. </a:t>
+            </a:r>
+          </a:p>
+        </p:txBody>
+      </p:sp>
+      <p:sp>
+        <p:nvSpPr>
+          <p:cNvPr id="69" name="We now move on to working with matrices where the eigenvalues and elements are generated randomly. For such matrices, we start with a diagonal matrix with random entries and then perform the random rotation to make it non-sparse.…"/>
+          <p:cNvSpPr txBox="1"/>
+          <p:nvPr/>
+        </p:nvSpPr>
+        <p:spPr>
+          <a:xfrm>
+            <a:off x="17729200" y="17056100"/>
+            <a:ext cx="14211300" cy="2472589"/>
+          </a:xfrm>
+          <a:prstGeom prst="rect">
+            <a:avLst/>
+          </a:prstGeom>
+          <a:ln w="12700">
+            <a:miter lim="400000"/>
+          </a:ln>
+          <a:extLst>
+            <a:ext uri="{C572A759-6A51-4108-AA02-DFA0A04FC94B}">
+              <ma14:wrappingTextBoxFlag xmlns:ma14="http://schemas.microsoft.com/office/mac/drawingml/2011/main" val="1"/>
+            </a:ext>
+          </a:extLst>
+        </p:spPr>
+        <p:txBody>
+          <a:bodyPr lIns="45719" rIns="45719">
+            <a:spAutoFit/>
+          </a:bodyPr>
+          <a:lstStyle/>
+          <a:p>
+            <a:pPr>
+              <a:lnSpc>
+                <a:spcPct val="110000"/>
+              </a:lnSpc>
+              <a:defRPr>
+                <a:latin typeface="Helvetica Neue"/>
+                <a:ea typeface="Helvetica Neue"/>
+                <a:cs typeface="Helvetica Neue"/>
+                <a:sym typeface="Helvetica Neue"/>
+              </a:defRPr>
+            </a:pPr>
+            <a:r>
+              <a:t>We now move on to working with matrices where the eigenvalues and elements are generated randomly. For such matrices, we start with a diagonal matrix with random entries and then perform the random rotation to make it non-sparse.</a:t>
+            </a:r>
+          </a:p>
+          <a:p>
+            <a:pPr>
+              <a:lnSpc>
+                <a:spcPct val="110000"/>
+              </a:lnSpc>
+              <a:defRPr>
+                <a:latin typeface="Helvetica Neue"/>
+                <a:ea typeface="Helvetica Neue"/>
+                <a:cs typeface="Helvetica Neue"/>
+                <a:sym typeface="Helvetica Neue"/>
+              </a:defRPr>
+            </a:pPr>
+          </a:p>
+          <a:p>
+            <a:pPr>
+              <a:lnSpc>
+                <a:spcPct val="110000"/>
+              </a:lnSpc>
+              <a:defRPr>
+                <a:latin typeface="Helvetica Neue"/>
+                <a:ea typeface="Helvetica Neue"/>
+                <a:cs typeface="Helvetica Neue"/>
+                <a:sym typeface="Helvetica Neue"/>
+              </a:defRPr>
+            </a:pPr>
+            <a:r>
+              <a:t>In such runs the circuit depth has the potential to grow rapidly and take a lot of time. These runs serve to verify that the implementation is viable. The times obtained for these runs are tabulated below.</a:t>
+            </a:r>
+          </a:p>
+        </p:txBody>
+      </p:sp>
+      <p:sp>
+        <p:nvSpPr>
+          <p:cNvPr id="70" name="Rounded Rectangle"/>
+          <p:cNvSpPr/>
+          <p:nvPr/>
+        </p:nvSpPr>
+        <p:spPr>
+          <a:xfrm>
+            <a:off x="18084800" y="20027900"/>
+            <a:ext cx="13512800" cy="4572000"/>
+          </a:xfrm>
+          <a:prstGeom prst="roundRect">
+            <a:avLst>
+              <a:gd name="adj" fmla="val 9563"/>
+            </a:avLst>
+          </a:prstGeom>
+          <a:solidFill>
+            <a:srgbClr val="FFFFFF"/>
+          </a:solidFill>
+          <a:ln w="25400">
+            <a:solidFill>
+              <a:schemeClr val="accent1"/>
+            </a:solidFill>
+          </a:ln>
+          <a:effectLst>
+            <a:outerShdw sx="100000" sy="100000" kx="0" ky="0" algn="b" rotWithShape="0" blurRad="38100" dist="23000" dir="5400000">
+              <a:srgbClr val="000000">
+                <a:alpha val="35000"/>
+              </a:srgbClr>
+            </a:outerShdw>
+          </a:effectLst>
+        </p:spPr>
+        <p:txBody>
+          <a:bodyPr lIns="45719" rIns="45719" anchor="ctr"/>
+          <a:lstStyle/>
+          <a:p>
+            <a:pPr algn="ctr">
+              <a:defRPr sz="6500">
+                <a:solidFill>
+                  <a:srgbClr val="FFFFFF"/>
+                </a:solidFill>
+                <a:latin typeface="Arial"/>
+                <a:ea typeface="Arial"/>
+                <a:cs typeface="Arial"/>
+                <a:sym typeface="Arial"/>
+              </a:defRPr>
+            </a:pPr>
+          </a:p>
+        </p:txBody>
+      </p:sp>
+      <p:pic>
+        <p:nvPicPr>
+          <p:cNvPr id="71" name="Screenshot_20240123_080500.png" descr="Screenshot_20240123_080500.png"/>
+          <p:cNvPicPr>
+            <a:picLocks noChangeAspect="1"/>
+          </p:cNvPicPr>
+          <p:nvPr/>
+        </p:nvPicPr>
+        <p:blipFill>
+          <a:blip r:embed="rId8">
+            <a:extLst/>
+          </a:blip>
+          <a:stretch>
+            <a:fillRect/>
+          </a:stretch>
+        </p:blipFill>
+        <p:spPr>
+          <a:xfrm>
+            <a:off x="18190987" y="20313422"/>
+            <a:ext cx="13085523" cy="4070578"/>
+          </a:xfrm>
+          <a:prstGeom prst="rect">
+            <a:avLst/>
+          </a:prstGeom>
+          <a:ln w="12700">
+            <a:miter lim="400000"/>
+          </a:ln>
+        </p:spPr>
+      </p:pic>
+      <p:sp>
+        <p:nvSpPr>
+          <p:cNvPr id="72" name="Linear Systems of equations are ubiquitous in all fields of science and often arise as intermediary steps in studies of physical systems. Classical methods for such problems take time that scales polynomially with the problem size.…"/>
+          <p:cNvSpPr txBox="1"/>
+          <p:nvPr/>
+        </p:nvSpPr>
+        <p:spPr>
+          <a:xfrm>
+            <a:off x="1016000" y="6591300"/>
+            <a:ext cx="14198600" cy="5082338"/>
+          </a:xfrm>
+          <a:prstGeom prst="rect">
+            <a:avLst/>
+          </a:prstGeom>
+          <a:ln w="12700">
+            <a:miter lim="400000"/>
+          </a:ln>
+          <a:extLst>
+            <a:ext uri="{C572A759-6A51-4108-AA02-DFA0A04FC94B}">
+              <ma14:wrappingTextBoxFlag xmlns:ma14="http://schemas.microsoft.com/office/mac/drawingml/2011/main" val="1"/>
+            </a:ext>
+          </a:extLst>
+        </p:spPr>
+        <p:txBody>
+          <a:bodyPr lIns="45719" rIns="45719">
+            <a:spAutoFit/>
+          </a:bodyPr>
+          <a:lstStyle/>
+          <a:p>
+            <a:pPr marL="240631" indent="-240631">
+              <a:lnSpc>
+                <a:spcPct val="120000"/>
+              </a:lnSpc>
+              <a:spcBef>
+                <a:spcPts val="600"/>
+              </a:spcBef>
+              <a:buSzPct val="100000"/>
+              <a:buChar char="•"/>
+              <a:defRPr>
+                <a:latin typeface="Helvetica Neue"/>
+                <a:ea typeface="Helvetica Neue"/>
+                <a:cs typeface="Helvetica Neue"/>
+                <a:sym typeface="Helvetica Neue"/>
+              </a:defRPr>
+            </a:pPr>
+            <a:r>
+              <a:t>Linear Systems of equations are ubiquitous in all fields of science and often arise as intermediary steps in studies of physical systems. Classical methods for such problems take time that scales polynomially with the problem size.</a:t>
+            </a:r>
+          </a:p>
+          <a:p>
+            <a:pPr marL="240631" indent="-240631">
+              <a:lnSpc>
+                <a:spcPct val="120000"/>
+              </a:lnSpc>
+              <a:spcBef>
+                <a:spcPts val="600"/>
+              </a:spcBef>
+              <a:buSzPct val="100000"/>
+              <a:buChar char="•"/>
+              <a:defRPr>
+                <a:latin typeface="Helvetica Neue"/>
+                <a:ea typeface="Helvetica Neue"/>
+                <a:cs typeface="Helvetica Neue"/>
+                <a:sym typeface="Helvetica Neue"/>
+              </a:defRPr>
+            </a:pPr>
+            <a:r>
+              <a:t>The HHL algorithm [1] is a quantum algorithm that is able to solve such systems in time that that scales logarithmically with the size. Below is a schematic diagram of the quantum circuit corresponding to it.</a:t>
+            </a:r>
+          </a:p>
+          <a:p>
+            <a:pPr marL="240631" indent="-240631">
+              <a:lnSpc>
+                <a:spcPct val="120000"/>
+              </a:lnSpc>
+              <a:spcBef>
+                <a:spcPts val="600"/>
+              </a:spcBef>
+              <a:buSzPct val="100000"/>
+              <a:buChar char="•"/>
+              <a:defRPr>
+                <a:latin typeface="Helvetica Neue"/>
+                <a:ea typeface="Helvetica Neue"/>
+                <a:cs typeface="Helvetica Neue"/>
+                <a:sym typeface="Helvetica Neue"/>
+              </a:defRPr>
+            </a:pPr>
+            <a:r>
+              <a:t>Thus the HHL algorithm can be used to study physical systems more efficiently once satisfactory quantum hardware is fabricated. We aim to use this and other such algorithms for studying quantum many body systems, which are often challenging to study via classical means.</a:t>
+            </a:r>
+          </a:p>
+          <a:p>
+            <a:pPr marL="240631" indent="-240631">
+              <a:lnSpc>
+                <a:spcPct val="120000"/>
+              </a:lnSpc>
+              <a:spcBef>
+                <a:spcPts val="600"/>
+              </a:spcBef>
+              <a:buSzPct val="100000"/>
+              <a:buChar char="•"/>
+              <a:defRPr>
+                <a:latin typeface="Helvetica Neue"/>
+                <a:ea typeface="Helvetica Neue"/>
+                <a:cs typeface="Helvetica Neue"/>
+                <a:sym typeface="Helvetica Neue"/>
+              </a:defRPr>
+            </a:pPr>
+            <a:r>
+              <a:t>Quantum simulation can be used to test and refine the implementation of the algorithm, as well as optimise it for relevant applications. </a:t>
+            </a:r>
+          </a:p>
+        </p:txBody>
+      </p:sp>
+      <p:sp>
+        <p:nvSpPr>
+          <p:cNvPr id="73" name="Rounded Rectangle"/>
+          <p:cNvSpPr/>
+          <p:nvPr/>
+        </p:nvSpPr>
+        <p:spPr>
+          <a:xfrm>
+            <a:off x="2082800" y="12179300"/>
+            <a:ext cx="12433300" cy="4927600"/>
+          </a:xfrm>
+          <a:prstGeom prst="roundRect">
+            <a:avLst>
+              <a:gd name="adj" fmla="val 8872"/>
+            </a:avLst>
+          </a:prstGeom>
+          <a:solidFill>
+            <a:srgbClr val="FFFFFF"/>
+          </a:solidFill>
+          <a:ln w="25400">
+            <a:solidFill>
+              <a:schemeClr val="accent1"/>
+            </a:solidFill>
+          </a:ln>
+          <a:effectLst>
+            <a:outerShdw sx="100000" sy="100000" kx="0" ky="0" algn="b" rotWithShape="0" blurRad="38100" dist="23000" dir="5400000">
+              <a:srgbClr val="000000">
+                <a:alpha val="35000"/>
+              </a:srgbClr>
+            </a:outerShdw>
+          </a:effectLst>
+        </p:spPr>
+        <p:txBody>
+          <a:bodyPr lIns="45719" rIns="45719" anchor="ctr"/>
+          <a:lstStyle/>
+          <a:p>
+            <a:pPr algn="ctr">
+              <a:defRPr sz="6500">
+                <a:solidFill>
+                  <a:srgbClr val="FFFFFF"/>
+                </a:solidFill>
+                <a:latin typeface="Arial"/>
+                <a:ea typeface="Arial"/>
+                <a:cs typeface="Arial"/>
+                <a:sym typeface="Arial"/>
+              </a:defRPr>
+            </a:pPr>
+          </a:p>
+        </p:txBody>
+      </p:sp>
+      <p:pic>
+        <p:nvPicPr>
+          <p:cNvPr id="74" name="block.png" descr="block.png"/>
+          <p:cNvPicPr>
+            <a:picLocks noChangeAspect="1"/>
+          </p:cNvPicPr>
+          <p:nvPr/>
+        </p:nvPicPr>
+        <p:blipFill>
+          <a:blip r:embed="rId9">
+            <a:extLst/>
+          </a:blip>
+          <a:stretch>
+            <a:fillRect/>
+          </a:stretch>
+        </p:blipFill>
+        <p:spPr>
+          <a:xfrm>
+            <a:off x="2284757" y="12255628"/>
+            <a:ext cx="11991287" cy="4673601"/>
+          </a:xfrm>
+          <a:prstGeom prst="rect">
+            <a:avLst/>
+          </a:prstGeom>
+          <a:ln w="12700">
+            <a:miter lim="400000"/>
+          </a:ln>
+        </p:spPr>
+      </p:pic>
+      <p:sp>
+        <p:nvSpPr>
+          <p:cNvPr id="75" name="Further, NVIDIA's cuQuantum SDK allows us to speed up such simulations. It has been demonstrated to provide significant speedups to routine like Shor's Algorithm, the Quantum Fourier Transform, etc. [2,3] to create and we believe it will allow us to bett"/>
+          <p:cNvSpPr txBox="1"/>
+          <p:nvPr/>
+        </p:nvSpPr>
+        <p:spPr>
+          <a:xfrm>
+            <a:off x="990600" y="17665700"/>
+            <a:ext cx="14198600" cy="3685378"/>
+          </a:xfrm>
+          <a:prstGeom prst="rect">
+            <a:avLst/>
+          </a:prstGeom>
+          <a:ln w="12700">
+            <a:miter lim="400000"/>
+          </a:ln>
+          <a:extLst>
+            <a:ext uri="{C572A759-6A51-4108-AA02-DFA0A04FC94B}">
+              <ma14:wrappingTextBoxFlag xmlns:ma14="http://schemas.microsoft.com/office/mac/drawingml/2011/main" val="1"/>
+            </a:ext>
+          </a:extLst>
+        </p:spPr>
+        <p:txBody>
+          <a:bodyPr lIns="45719" rIns="45719">
+            <a:spAutoFit/>
+          </a:bodyPr>
+          <a:lstStyle/>
+          <a:p>
+            <a:pPr marL="240631" indent="-240631">
+              <a:lnSpc>
+                <a:spcPct val="120000"/>
+              </a:lnSpc>
+              <a:spcBef>
+                <a:spcPts val="600"/>
+              </a:spcBef>
+              <a:buSzPct val="100000"/>
+              <a:buChar char="•"/>
+              <a:defRPr>
+                <a:latin typeface="Helvetica Neue"/>
+                <a:ea typeface="Helvetica Neue"/>
+                <a:cs typeface="Helvetica Neue"/>
+                <a:sym typeface="Helvetica Neue"/>
+              </a:defRPr>
+            </a:pPr>
+            <a:r>
+              <a:t>Further, NVIDIA's cuQuantum SDK allows us to speed up such simulations. It has been demonstrated to provide significant speedups to routine like Shor's Algorithm, the Quantum Fourier Transform, etc. [2,3] to create and we believe it will allow us to better explore the capabilities for when suitable quantum hardware is available.</a:t>
+            </a:r>
+          </a:p>
+          <a:p>
+            <a:pPr marL="240631" indent="-240631">
+              <a:lnSpc>
+                <a:spcPct val="120000"/>
+              </a:lnSpc>
+              <a:spcBef>
+                <a:spcPts val="600"/>
+              </a:spcBef>
+              <a:buSzPct val="100000"/>
+              <a:buChar char="•"/>
+              <a:defRPr>
+                <a:latin typeface="Helvetica Neue"/>
+                <a:ea typeface="Helvetica Neue"/>
+                <a:cs typeface="Helvetica Neue"/>
+                <a:sym typeface="Helvetica Neue"/>
+              </a:defRPr>
+            </a:pPr>
+            <a:r>
+              <a:t>We thus chose to use cuQuantum to accelerate the simulations of the HHL algorithm with the goal of optimising it and making it scalable to higher system sizes and number of qubits.</a:t>
+            </a:r>
+          </a:p>
+          <a:p>
+            <a:pPr marL="240631" indent="-240631">
+              <a:lnSpc>
+                <a:spcPct val="120000"/>
+              </a:lnSpc>
+              <a:spcBef>
+                <a:spcPts val="600"/>
+              </a:spcBef>
+              <a:buSzPct val="100000"/>
+              <a:buChar char="•"/>
+              <a:defRPr>
+                <a:latin typeface="Helvetica Neue"/>
+                <a:ea typeface="Helvetica Neue"/>
+                <a:cs typeface="Helvetica Neue"/>
+                <a:sym typeface="Helvetica Neue"/>
+              </a:defRPr>
+            </a:pPr>
+            <a:r>
+              <a:t>In this poster, we present results regarding the implementation of the HHL algorithm and the speedups gained by GPU enablement via cuQuantum.</a:t>
+            </a:r>
+          </a:p>
+        </p:txBody>
+      </p:sp>
+      <p:sp>
+        <p:nvSpPr>
+          <p:cNvPr id="76" name="Rectangle: Rounded Corners 38"/>
+          <p:cNvSpPr/>
+          <p:nvPr/>
+        </p:nvSpPr>
+        <p:spPr>
+          <a:xfrm>
+            <a:off x="17310100" y="15367000"/>
+            <a:ext cx="15176500" cy="1199541"/>
+          </a:xfrm>
+          <a:prstGeom prst="roundRect">
+            <a:avLst>
+              <a:gd name="adj" fmla="val 21824"/>
+            </a:avLst>
+          </a:prstGeom>
+          <a:solidFill>
+            <a:srgbClr val="3D6676"/>
+          </a:solidFill>
+          <a:ln w="127000">
+            <a:solidFill>
+              <a:srgbClr val="000000"/>
+            </a:solidFill>
+          </a:ln>
+        </p:spPr>
+        <p:txBody>
+          <a:bodyPr lIns="45719" rIns="45719" anchor="ctr"/>
+          <a:lstStyle/>
+          <a:p>
+            <a:pPr algn="ctr">
+              <a:defRPr sz="7200">
+                <a:solidFill>
+                  <a:srgbClr val="FFFFFF"/>
+                </a:solidFill>
+                <a:latin typeface="Arial"/>
+                <a:ea typeface="Arial"/>
+                <a:cs typeface="Arial"/>
+                <a:sym typeface="Arial"/>
+              </a:defRPr>
+            </a:pPr>
+          </a:p>
+        </p:txBody>
+      </p:sp>
+      <p:sp>
+        <p:nvSpPr>
+          <p:cNvPr id="77" name="TextBox 46"/>
+          <p:cNvSpPr txBox="1"/>
+          <p:nvPr/>
+        </p:nvSpPr>
+        <p:spPr>
+          <a:xfrm>
+            <a:off x="18161000" y="15646400"/>
+            <a:ext cx="13817962" cy="637540"/>
+          </a:xfrm>
+          <a:prstGeom prst="rect">
+            <a:avLst/>
+          </a:prstGeom>
+          <a:ln w="12700">
+            <a:miter lim="400000"/>
+          </a:ln>
+          <a:extLst>
+            <a:ext uri="{C572A759-6A51-4108-AA02-DFA0A04FC94B}">
+              <ma14:wrappingTextBoxFlag xmlns:ma14="http://schemas.microsoft.com/office/mac/drawingml/2011/main" val="1"/>
+            </a:ext>
+          </a:extLst>
+        </p:spPr>
+        <p:txBody>
+          <a:bodyPr lIns="45719" rIns="45719">
+            <a:spAutoFit/>
+          </a:bodyPr>
+          <a:lstStyle>
+            <a:lvl1pPr>
+              <a:defRPr b="1" sz="3600">
+                <a:solidFill>
+                  <a:srgbClr val="FFFFFF"/>
+                </a:solidFill>
+                <a:latin typeface="Montserrat Extra Bold"/>
+                <a:ea typeface="Montserrat Extra Bold"/>
+                <a:cs typeface="Montserrat Extra Bold"/>
+                <a:sym typeface="Montserrat Extra Bold"/>
+              </a:defRPr>
+            </a:lvl1pPr>
+          </a:lstStyle>
+          <a:p>
             <a:pPr/>
             <a:r>
-              <a:t>Manish missed some files that he is running now. I will make this table once that is done. </a:t>
+              <a:t>A Test : Diagonal Matrices</a:t>
             </a:r>
           </a:p>
         </p:txBody>

--- a/poster/poster_hql 2.pptx
+++ b/poster/poster_hql 2.pptx
@@ -4135,7 +4135,7 @@
           <a:p>
             <a:pPr/>
             <a:r>
-              <a:t>A Test : Diagonal Matrices</a:t>
+              <a:t>Randomised Matrices</a:t>
             </a:r>
           </a:p>
         </p:txBody>

--- a/poster/poster_hql 2.pptx
+++ b/poster/poster_hql 2.pptx
@@ -1600,7 +1600,7 @@
         </p:nvSpPr>
         <p:spPr>
           <a:xfrm>
-            <a:off x="17233900" y="38823900"/>
+            <a:off x="17233900" y="39065200"/>
             <a:ext cx="15163800" cy="4229100"/>
           </a:xfrm>
           <a:prstGeom prst="roundRect">
@@ -1650,12 +1650,12 @@
         </p:nvSpPr>
         <p:spPr>
           <a:xfrm>
-            <a:off x="17157700" y="31635700"/>
-            <a:ext cx="15300341" cy="5803900"/>
+            <a:off x="17157700" y="32829500"/>
+            <a:ext cx="15300341" cy="4902200"/>
           </a:xfrm>
           <a:prstGeom prst="roundRect">
             <a:avLst>
-              <a:gd name="adj" fmla="val 4511"/>
+              <a:gd name="adj" fmla="val 5340"/>
             </a:avLst>
           </a:prstGeom>
           <a:solidFill>
@@ -1692,11 +1692,11 @@
         <p:spPr>
           <a:xfrm>
             <a:off x="17284700" y="16370300"/>
-            <a:ext cx="15163800" cy="13817600"/>
+            <a:ext cx="15163800" cy="15100300"/>
           </a:xfrm>
           <a:prstGeom prst="roundRect">
             <a:avLst>
-              <a:gd name="adj" fmla="val 3421"/>
+              <a:gd name="adj" fmla="val 3131"/>
             </a:avLst>
           </a:prstGeom>
           <a:solidFill>
@@ -1742,11 +1742,11 @@
         <p:spPr>
           <a:xfrm>
             <a:off x="17259300" y="5029200"/>
-            <a:ext cx="15163800" cy="9740900"/>
+            <a:ext cx="15163800" cy="10071100"/>
           </a:xfrm>
           <a:prstGeom prst="roundRect">
             <a:avLst>
-              <a:gd name="adj" fmla="val 4853"/>
+              <a:gd name="adj" fmla="val 4694"/>
             </a:avLst>
           </a:prstGeom>
           <a:solidFill>
@@ -2001,7 +2001,7 @@
             </a:r>
             <a:r>
               <a:rPr baseline="31999"/>
-              <a:t>2</a:t>
+              <a:t>3</a:t>
             </a:r>
             <a:endParaRPr sz="13400"/>
           </a:p>
@@ -2060,8 +2060,8 @@
         </p:nvSpPr>
         <p:spPr>
           <a:xfrm>
-            <a:off x="660400" y="5539997"/>
-            <a:ext cx="15300341" cy="16408401"/>
+            <a:off x="723900" y="5489197"/>
+            <a:ext cx="15300341" cy="15481301"/>
           </a:xfrm>
           <a:prstGeom prst="roundRect">
             <a:avLst>
@@ -2146,7 +2146,7 @@
         </p:nvSpPr>
         <p:spPr>
           <a:xfrm>
-            <a:off x="17221200" y="30652197"/>
+            <a:off x="17221200" y="31845997"/>
             <a:ext cx="15176500" cy="1199541"/>
           </a:xfrm>
           <a:prstGeom prst="roundRect">
@@ -2189,7 +2189,7 @@
         </p:nvSpPr>
         <p:spPr>
           <a:xfrm>
-            <a:off x="17678400" y="30875668"/>
+            <a:off x="17678400" y="32069468"/>
             <a:ext cx="13817962" cy="636979"/>
           </a:xfrm>
           <a:prstGeom prst="rect">
@@ -2237,8 +2237,8 @@
         </p:nvSpPr>
         <p:spPr>
           <a:xfrm>
-            <a:off x="17673699" y="32154313"/>
-            <a:ext cx="14236701" cy="4892041"/>
+            <a:off x="17673699" y="33348113"/>
+            <a:ext cx="14236701" cy="3858261"/>
           </a:xfrm>
           <a:prstGeom prst="rect">
             <a:avLst/>
@@ -2259,6 +2259,9 @@
           <a:lstStyle/>
           <a:p>
             <a:pPr marL="240631" indent="-240631">
+              <a:lnSpc>
+                <a:spcPct val="120000"/>
+              </a:lnSpc>
               <a:spcBef>
                 <a:spcPts val="600"/>
               </a:spcBef>
@@ -2272,11 +2275,14 @@
               </a:defRPr>
             </a:pPr>
             <a:r>
-              <a:t>We have implemented the HHL algorithm and successfully integrated it with NVIDIA's cuQuantum SDK.</a:t>
+              <a:t>We have implemented the HHL algorithm successfully for diagonal, diagonal with irrational eigenvalues and randomly generated hermitian positive definite matrices.</a:t>
             </a:r>
           </a:p>
           <a:p>
             <a:pPr marL="240631" indent="-240631">
+              <a:lnSpc>
+                <a:spcPct val="120000"/>
+              </a:lnSpc>
               <a:spcBef>
                 <a:spcPts val="600"/>
               </a:spcBef>
@@ -2290,11 +2296,14 @@
               </a:defRPr>
             </a:pPr>
             <a:r>
-              <a:t>We have demonstrated speedups in the quantum simulation of the HHL algorithm using cuQuantum for sparse matrices.</a:t>
+              <a:t>We have demonstrated speedups for HHL algorithm using V100 and A100 GPUs.</a:t>
             </a:r>
           </a:p>
           <a:p>
             <a:pPr marL="240631" indent="-240631">
+              <a:lnSpc>
+                <a:spcPct val="120000"/>
+              </a:lnSpc>
               <a:spcBef>
                 <a:spcPts val="600"/>
               </a:spcBef>
@@ -2308,11 +2317,14 @@
               </a:defRPr>
             </a:pPr>
             <a:r>
-              <a:t>We have found that the percentage speedups increase with system size, a fact that we will exploit in increasing the scalability of the implementation.</a:t>
+              <a:t>We have found that the percentage speedups increase with system size.</a:t>
             </a:r>
           </a:p>
           <a:p>
             <a:pPr marL="240631" indent="-240631">
+              <a:lnSpc>
+                <a:spcPct val="120000"/>
+              </a:lnSpc>
               <a:spcBef>
                 <a:spcPts val="600"/>
               </a:spcBef>
@@ -2326,29 +2338,14 @@
               </a:defRPr>
             </a:pPr>
             <a:r>
-              <a:t>Our implementation of the HHL algorithm is so far compatible with nearly sparse hermitian positive definite matrices with random eigenvalues.</a:t>
+              <a:t>We plan to optimise it further to extend it's compatibility to dense matrices that possess highly entangled eigensystems and to scale it for larger systems.</a:t>
             </a:r>
           </a:p>
           <a:p>
             <a:pPr marL="240631" indent="-240631">
-              <a:spcBef>
-                <a:spcPts val="600"/>
-              </a:spcBef>
-              <a:buSzPct val="100000"/>
-              <a:buChar char="•"/>
-              <a:defRPr>
-                <a:latin typeface="+mn-lt"/>
-                <a:ea typeface="+mn-ea"/>
-                <a:cs typeface="+mn-cs"/>
-                <a:sym typeface="Helvetica"/>
-              </a:defRPr>
-            </a:pPr>
-            <a:r>
-              <a:t>We plan to optimise it further to extend it's compatibility to dense matrices that possess highly entangled eigensystems.</a:t>
-            </a:r>
-          </a:p>
-          <a:p>
-            <a:pPr marL="240631" indent="-240631">
+              <a:lnSpc>
+                <a:spcPct val="120000"/>
+              </a:lnSpc>
               <a:spcBef>
                 <a:spcPts val="600"/>
               </a:spcBef>
@@ -2375,7 +2372,7 @@
         </p:nvSpPr>
         <p:spPr>
           <a:xfrm>
-            <a:off x="17675042" y="39370065"/>
+            <a:off x="17675042" y="39611365"/>
             <a:ext cx="13945128" cy="3406141"/>
           </a:xfrm>
           <a:prstGeom prst="rect">
@@ -2450,7 +2447,7 @@
         </p:nvSpPr>
         <p:spPr>
           <a:xfrm>
-            <a:off x="17221200" y="37902576"/>
+            <a:off x="17221200" y="38143876"/>
             <a:ext cx="15176500" cy="1199541"/>
           </a:xfrm>
           <a:prstGeom prst="roundRect">
@@ -2493,7 +2490,7 @@
         </p:nvSpPr>
         <p:spPr>
           <a:xfrm>
-            <a:off x="17678400" y="38183576"/>
+            <a:off x="17678400" y="38424876"/>
             <a:ext cx="13817962" cy="637541"/>
           </a:xfrm>
           <a:prstGeom prst="rect">
@@ -2709,12 +2706,12 @@
         </p:nvSpPr>
         <p:spPr>
           <a:xfrm>
-            <a:off x="723900" y="23495000"/>
-            <a:ext cx="15163800" cy="12268200"/>
+            <a:off x="723900" y="22809200"/>
+            <a:ext cx="15163800" cy="12649200"/>
           </a:xfrm>
           <a:prstGeom prst="roundRect">
             <a:avLst>
-              <a:gd name="adj" fmla="val 3853"/>
+              <a:gd name="adj" fmla="val 3737"/>
             </a:avLst>
           </a:prstGeom>
           <a:solidFill>
@@ -2759,7 +2756,7 @@
         </p:nvSpPr>
         <p:spPr>
           <a:xfrm>
-            <a:off x="723900" y="22590475"/>
+            <a:off x="723900" y="21904675"/>
             <a:ext cx="15176500" cy="1199541"/>
           </a:xfrm>
           <a:prstGeom prst="roundRect">
@@ -2802,7 +2799,7 @@
         </p:nvSpPr>
         <p:spPr>
           <a:xfrm>
-            <a:off x="987165" y="22839346"/>
+            <a:off x="987165" y="22153546"/>
             <a:ext cx="13817962" cy="637541"/>
           </a:xfrm>
           <a:prstGeom prst="rect">
@@ -2844,14 +2841,14 @@
       </p:sp>
       <p:sp>
         <p:nvSpPr>
-          <p:cNvPr id="54" name="We have tested the HHL algorithm for various matrix sizes and complexities. All runs were conducted first using only CPU capabilities, and then using V100 and A100 NVIDIA GPUs - where we expect the cuQuantum SDK to speed up the simulation of the quantum "/>
+          <p:cNvPr id="54" name="We begin with systems where the problem matrix is diagonal with entries corresponding to binary fractions upto a multiplicative constant. Such matrices were used to verify that the implementation was satisfactory. We have tested the HHL algorithm for var"/>
           <p:cNvSpPr txBox="1"/>
           <p:nvPr/>
         </p:nvSpPr>
         <p:spPr>
           <a:xfrm>
-            <a:off x="990600" y="24396700"/>
-            <a:ext cx="13931900" cy="3245166"/>
+            <a:off x="990600" y="23710900"/>
+            <a:ext cx="13931900" cy="2212219"/>
           </a:xfrm>
           <a:prstGeom prst="rect">
             <a:avLst/>
@@ -2869,9 +2866,8 @@
           <a:bodyPr lIns="45719" rIns="45719">
             <a:spAutoFit/>
           </a:bodyPr>
-          <a:lstStyle/>
-          <a:p>
-            <a:pPr>
+          <a:lstStyle>
+            <a:lvl1pPr>
               <a:lnSpc>
                 <a:spcPct val="120000"/>
               </a:lnSpc>
@@ -2884,32 +2880,12 @@
                 <a:cs typeface="Helvetica Neue"/>
                 <a:sym typeface="Helvetica Neue"/>
               </a:defRPr>
-            </a:pPr>
+            </a:lvl1pPr>
+          </a:lstStyle>
+          <a:p>
+            <a:pPr/>
             <a:r>
-              <a:t>We have tested the HHL algorithm for various matrix sizes and complexities. All runs were conducted first using only CPU capabilities, and then using V100 and A100 NVIDIA GPUs - where we expect the cuQuantum SDK to speed up the simulation of the quantum  circuit.</a:t>
-            </a:r>
-          </a:p>
-          <a:p>
-            <a:pPr>
-              <a:defRPr>
-                <a:latin typeface="Helvetica Neue"/>
-                <a:ea typeface="Helvetica Neue"/>
-                <a:cs typeface="Helvetica Neue"/>
-                <a:sym typeface="Helvetica Neue"/>
-              </a:defRPr>
-            </a:pPr>
-          </a:p>
-          <a:p>
-            <a:pPr>
-              <a:defRPr>
-                <a:latin typeface="Helvetica Neue"/>
-                <a:ea typeface="Helvetica Neue"/>
-                <a:cs typeface="Helvetica Neue"/>
-                <a:sym typeface="Helvetica Neue"/>
-              </a:defRPr>
-            </a:pPr>
-            <a:r>
-              <a:t>We begin with systems where the matrix A is diagonal with entries corresponding to binary fractions upto a multiplicative constant. Such matrices were used to verify the that the implementation was satisfactory and that cuQuantum was able to use GPUs to speedup the runs.. A table of times taken for such runs is presented below.  </a:t>
+              <a:t>We begin with systems where the problem matrix is diagonal with entries corresponding to binary fractions upto a multiplicative constant. Such matrices were used to verify that the implementation was satisfactory. We have tested the HHL algorithm for various matrix sizes and complexities. All runs were conducted first using only CPU capabilities, and then using V100 (32 GB) and A100 (80 GB) NVIDIA GPUs. The table and plot below shows the times taken in executing HHL for such matrices.</a:t>
             </a:r>
           </a:p>
         </p:txBody>
@@ -3148,7 +3124,7 @@
       </p:sp>
       <p:sp>
         <p:nvSpPr>
-          <p:cNvPr id="60" name="After establishing the viability of the implementation and demonstrating the small but visible speedup achieved using cuQuantum, we moved onto testing it on diagonal matrices where the eigenvalues are not handpicked, but generated randomly.…"/>
+          <p:cNvPr id="60" name="After establishing the viability of the implementation and demonstrating the small but visible speedup achieved using cuQuantum, we moved onto testing it on diagonal matrices where the eigenvalues are  generated randomly.…"/>
           <p:cNvSpPr txBox="1"/>
           <p:nvPr/>
         </p:nvSpPr>
@@ -3187,7 +3163,7 @@
               </a:defRPr>
             </a:pPr>
             <a:r>
-              <a:t>After establishing the viability of the implementation and demonstrating the small but visible speedup achieved using cuQuantum, we moved onto testing it on diagonal matrices where the eigenvalues are not handpicked, but generated randomly.</a:t>
+              <a:t>After establishing the viability of the implementation and demonstrating the small but visible speedup achieved using cuQuantum, we moved onto testing it on diagonal matrices where the eigenvalues are  generated randomly.</a:t>
             </a:r>
           </a:p>
           <a:p>
@@ -3216,21 +3192,21 @@
               </a:defRPr>
             </a:pPr>
             <a:r>
-              <a:t>This is expected to interfere with the phase estimation routine in the HHL algorithm, increasing the circuit depth and hence the time taken by the simulation. A table detailing the times taken in such runs is presented opposite.</a:t>
+              <a:t>This is expected to interfere with the phase estimation routine in the HHL algorithm, hence increasing the circuit depth and the time taken by the simulation. A table and plot detailing the times taken in such runs is presented next.</a:t>
             </a:r>
           </a:p>
         </p:txBody>
       </p:sp>
       <p:sp>
         <p:nvSpPr>
-          <p:cNvPr id="61" name="Thus cuQuantum is able to speed up the simulation by upto 5.7%. We can further see that this speedup increases as we increase the size of the problem, which we attribute to the fact that at lower qubits the problem does not utilise all available cores. I"/>
+          <p:cNvPr id="61" name="The table above shows that cuQuantum is able to speed up the simulation by up to 5.7%. We further observe that this speedup increases as we increase the size of the problem, which is due to the fact that at lower qubits the problem does not utilise all a"/>
           <p:cNvSpPr txBox="1"/>
           <p:nvPr/>
         </p:nvSpPr>
         <p:spPr>
           <a:xfrm>
-            <a:off x="17780000" y="10782300"/>
-            <a:ext cx="14211300" cy="3685419"/>
+            <a:off x="17729200" y="11239500"/>
+            <a:ext cx="14211300" cy="3281142"/>
           </a:xfrm>
           <a:prstGeom prst="rect">
             <a:avLst/>
@@ -3262,7 +3238,7 @@
               </a:defRPr>
             </a:pPr>
             <a:r>
-              <a:t>Thus cuQuantum is able to speed up the simulation by upto 5.7%. We can further see that this speedup increases as we increase the size of the problem, which we attribute to the fact that at lower qubits the problem does not utilise all available cores. Indeed it seems that for the smallest system, the CPU run is faster than GPU-enabled runs.</a:t>
+              <a:t>The table above shows that cuQuantum is able to speed up the simulation by up to 5.7%. We further observe that this speedup increases as we increase the size of the problem, which is due to the fact that at lower qubits the problem does not utilise all available cores.</a:t>
             </a:r>
           </a:p>
           <a:p>
@@ -3291,7 +3267,7 @@
               </a:defRPr>
             </a:pPr>
             <a:r>
-              <a:t>On an average we find a speedup of 2.42% using V100 GPUs and 4.52% using A100 GPUs. Another characteristic evident from the date is that while the speedup attained via V100 GPUs appears to stagnate, the A100 speedup appears to still be rising. We will explore this in future work and look at how the speedup scales with system size and number of qubits.</a:t>
+              <a:t>On an average we find a speedup of 2.42% using V100 GPUs and 4.52% using A100 GPUs. Another characteristic evident from the date is that while the speedup attained via V100 GPUs appears to stagnate, the A100 speedup appears to still be rising. We are exploring this further for higher system size and number of qubits.</a:t>
             </a:r>
           </a:p>
         </p:txBody>
@@ -3333,12 +3309,12 @@
         </p:nvSpPr>
         <p:spPr>
           <a:xfrm>
-            <a:off x="1676400" y="28041600"/>
-            <a:ext cx="13246100" cy="4978400"/>
+            <a:off x="1333500" y="26492200"/>
+            <a:ext cx="14071600" cy="5410200"/>
           </a:xfrm>
           <a:prstGeom prst="roundRect">
             <a:avLst>
-              <a:gd name="adj" fmla="val 8782"/>
+              <a:gd name="adj" fmla="val 8081"/>
             </a:avLst>
           </a:prstGeom>
           <a:solidFill>
@@ -3375,175 +3351,16 @@
           </a:p>
         </p:txBody>
       </p:sp>
-      <p:pic>
-        <p:nvPicPr>
-          <p:cNvPr id="64" name="Screenshot_20240123_074018.png" descr="Screenshot_20240123_074018.png"/>
-          <p:cNvPicPr>
-            <a:picLocks noChangeAspect="1"/>
-          </p:cNvPicPr>
-          <p:nvPr/>
-        </p:nvPicPr>
-        <p:blipFill>
-          <a:blip r:embed="rId6">
-            <a:extLst/>
-          </a:blip>
-          <a:stretch>
-            <a:fillRect/>
-          </a:stretch>
-        </p:blipFill>
-        <p:spPr>
-          <a:xfrm>
-            <a:off x="1828800" y="28194000"/>
-            <a:ext cx="12928600" cy="4695498"/>
-          </a:xfrm>
-          <a:prstGeom prst="rect">
-            <a:avLst/>
-          </a:prstGeom>
-          <a:ln w="12700">
-            <a:miter lim="400000"/>
-          </a:ln>
-        </p:spPr>
-      </p:pic>
       <p:sp>
         <p:nvSpPr>
-          <p:cNvPr id="65" name="This serves as a demonstration that the HHL algorithm has been implemented correctly and cuQuantum has been correctly integrated. We now move on to matrices where the eigenvalues are not binary fractions and see how the algorithm fares there."/>
+          <p:cNvPr id="64" name="We checked the results of the simulations by calculating the projection of the obtained result upon the exact solutions. This fidelity was found to average at 0.87 over all conducted runs.…"/>
           <p:cNvSpPr txBox="1"/>
           <p:nvPr/>
         </p:nvSpPr>
         <p:spPr>
           <a:xfrm>
-            <a:off x="990600" y="33731200"/>
-            <a:ext cx="13931900" cy="1331712"/>
-          </a:xfrm>
-          <a:prstGeom prst="rect">
-            <a:avLst/>
-          </a:prstGeom>
-          <a:ln w="12700">
-            <a:miter lim="400000"/>
-          </a:ln>
-          <a:extLst>
-            <a:ext uri="{C572A759-6A51-4108-AA02-DFA0A04FC94B}">
-              <ma14:wrappingTextBoxFlag xmlns:ma14="http://schemas.microsoft.com/office/mac/drawingml/2011/main" val="1"/>
-            </a:ext>
-          </a:extLst>
-        </p:spPr>
-        <p:txBody>
-          <a:bodyPr lIns="45719" rIns="45719">
-            <a:spAutoFit/>
-          </a:bodyPr>
-          <a:lstStyle>
-            <a:lvl1pPr>
-              <a:lnSpc>
-                <a:spcPct val="120000"/>
-              </a:lnSpc>
-              <a:spcBef>
-                <a:spcPts val="600"/>
-              </a:spcBef>
-              <a:defRPr>
-                <a:latin typeface="Helvetica Neue"/>
-                <a:ea typeface="Helvetica Neue"/>
-                <a:cs typeface="Helvetica Neue"/>
-                <a:sym typeface="Helvetica Neue"/>
-              </a:defRPr>
-            </a:lvl1pPr>
-          </a:lstStyle>
-          <a:p>
-            <a:pPr/>
-            <a:r>
-              <a:t>This serves as a demonstration that the HHL algorithm has been implemented correctly and cuQuantum has been correctly integrated. We now move on to matrices where the eigenvalues are not binary fractions and see how the algorithm fares there.</a:t>
-            </a:r>
-          </a:p>
-        </p:txBody>
-      </p:sp>
-      <p:sp>
-        <p:nvSpPr>
-          <p:cNvPr id="66" name="Rounded Rectangle"/>
-          <p:cNvSpPr/>
-          <p:nvPr/>
-        </p:nvSpPr>
-        <p:spPr>
-          <a:xfrm>
-            <a:off x="18161000" y="5575300"/>
-            <a:ext cx="13411200" cy="4826000"/>
-          </a:xfrm>
-          <a:prstGeom prst="roundRect">
-            <a:avLst>
-              <a:gd name="adj" fmla="val 9059"/>
-            </a:avLst>
-          </a:prstGeom>
-          <a:solidFill>
-            <a:srgbClr val="FFFFFF"/>
-          </a:solidFill>
-          <a:ln w="25400">
-            <a:solidFill>
-              <a:schemeClr val="accent1"/>
-            </a:solidFill>
-          </a:ln>
-          <a:effectLst>
-            <a:outerShdw sx="100000" sy="100000" kx="0" ky="0" algn="b" rotWithShape="0" blurRad="38100" dist="23000" dir="5400000">
-              <a:srgbClr val="000000">
-                <a:alpha val="35000"/>
-              </a:srgbClr>
-            </a:outerShdw>
-          </a:effectLst>
-        </p:spPr>
-        <p:txBody>
-          <a:bodyPr lIns="45719" rIns="45719" anchor="ctr"/>
-          <a:lstStyle/>
-          <a:p>
-            <a:pPr algn="ctr">
-              <a:defRPr sz="6500">
-                <a:solidFill>
-                  <a:srgbClr val="FFFFFF"/>
-                </a:solidFill>
-                <a:latin typeface="Arial"/>
-                <a:ea typeface="Arial"/>
-                <a:cs typeface="Arial"/>
-                <a:sym typeface="Arial"/>
-              </a:defRPr>
-            </a:pPr>
-          </a:p>
-        </p:txBody>
-      </p:sp>
-      <p:pic>
-        <p:nvPicPr>
-          <p:cNvPr id="67" name="Screenshot_20240123_075216.png" descr="Screenshot_20240123_075216.png"/>
-          <p:cNvPicPr>
-            <a:picLocks noChangeAspect="1"/>
-          </p:cNvPicPr>
-          <p:nvPr/>
-        </p:nvPicPr>
-        <p:blipFill>
-          <a:blip r:embed="rId7">
-            <a:extLst/>
-          </a:blip>
-          <a:stretch>
-            <a:fillRect/>
-          </a:stretch>
-        </p:blipFill>
-        <p:spPr>
-          <a:xfrm>
-            <a:off x="18373670" y="5689600"/>
-            <a:ext cx="12991922" cy="4522325"/>
-          </a:xfrm>
-          <a:prstGeom prst="rect">
-            <a:avLst/>
-          </a:prstGeom>
-          <a:ln w="12700">
-            <a:miter lim="400000"/>
-          </a:ln>
-        </p:spPr>
-      </p:pic>
-      <p:sp>
-        <p:nvSpPr>
-          <p:cNvPr id="68" name="Again we see that a significant speedup is achieved in GPU-enable runs. Indeed, the average speedups of x% for V100 and x% for A100 are both higher their counterparts in the previous section. This is like due to the increased complexity of the matrix and"/>
-          <p:cNvSpPr txBox="1"/>
-          <p:nvPr/>
-        </p:nvSpPr>
-        <p:spPr>
-          <a:xfrm>
-            <a:off x="17729200" y="25019000"/>
-            <a:ext cx="14236700" cy="4898248"/>
+            <a:off x="990600" y="32270700"/>
+            <a:ext cx="13931900" cy="2804872"/>
           </a:xfrm>
           <a:prstGeom prst="rect">
             <a:avLst/>
@@ -3565,8 +3382,11 @@
           <a:p>
             <a:pPr>
               <a:lnSpc>
-                <a:spcPct val="110000"/>
+                <a:spcPct val="120000"/>
               </a:lnSpc>
+              <a:spcBef>
+                <a:spcPts val="600"/>
+              </a:spcBef>
               <a:defRPr>
                 <a:latin typeface="Helvetica Neue"/>
                 <a:ea typeface="Helvetica Neue"/>
@@ -3575,14 +3395,17 @@
               </a:defRPr>
             </a:pPr>
             <a:r>
-              <a:t>Again we see that a significant speedup is achieved in GPU-enable runs. Indeed, the average speedups of x% for V100 and x% for A100 are both higher their counterparts in the previous section. This is like due to the increased complexity of the matrix and the higher circuit depth demands more system resources and a GPU-enabled run is better at coping with that. We aim to pursue this effect as well in future work. The scaling of the speedup still follows the same pattern as above, and can be attributed to the same reasons.</a:t>
+              <a:t>We checked the results of the simulations by calculating the projection of the obtained result upon the exact solutions. This fidelity was found to average at 0.87 over all conducted runs. </a:t>
             </a:r>
           </a:p>
           <a:p>
             <a:pPr>
               <a:lnSpc>
-                <a:spcPct val="110000"/>
+                <a:spcPct val="120000"/>
               </a:lnSpc>
+              <a:spcBef>
+                <a:spcPts val="600"/>
+              </a:spcBef>
               <a:defRPr>
                 <a:latin typeface="Helvetica Neue"/>
                 <a:ea typeface="Helvetica Neue"/>
@@ -3594,8 +3417,11 @@
           <a:p>
             <a:pPr>
               <a:lnSpc>
-                <a:spcPct val="110000"/>
+                <a:spcPct val="120000"/>
               </a:lnSpc>
+              <a:spcBef>
+                <a:spcPts val="600"/>
+              </a:spcBef>
               <a:defRPr>
                 <a:latin typeface="Helvetica Neue"/>
                 <a:ea typeface="Helvetica Neue"/>
@@ -3604,21 +3430,71 @@
               </a:defRPr>
             </a:pPr>
             <a:r>
-              <a:t>These results demonstrate that one can try and solve actual problems upto a matrix size of 16 X 16. While there are some problems that can be explored at this size, we believe it is possible to further optimise both the implementation of the HHL algorithm and the compatibility with cuQuantum to obtain better speeds and scale these results further. Once that is achieved, we plan to try and apply this to studying physical models like the SSH Model, the Toric Code, etc. </a:t>
+              <a:t>This serves as a demonstration that the HHL algorithm has been implemented correctly and accelerated with cuQuantum. We now move on to matrices where the eigenvalues are not binary fractions and see how the algorithm fares there.</a:t>
             </a:r>
           </a:p>
         </p:txBody>
       </p:sp>
       <p:sp>
         <p:nvSpPr>
-          <p:cNvPr id="69" name="We now move on to working with matrices where the eigenvalues and elements are generated randomly. For such matrices, we start with a diagonal matrix with random entries and then perform the random rotation to make it non-sparse.…"/>
+          <p:cNvPr id="65" name="Rounded Rectangle"/>
+          <p:cNvSpPr/>
+          <p:nvPr/>
+        </p:nvSpPr>
+        <p:spPr>
+          <a:xfrm>
+            <a:off x="17741900" y="5321300"/>
+            <a:ext cx="14185900" cy="5308600"/>
+          </a:xfrm>
+          <a:prstGeom prst="roundRect">
+            <a:avLst>
+              <a:gd name="adj" fmla="val 8236"/>
+            </a:avLst>
+          </a:prstGeom>
+          <a:solidFill>
+            <a:srgbClr val="FFFFFF"/>
+          </a:solidFill>
+          <a:ln w="25400">
+            <a:solidFill>
+              <a:schemeClr val="accent1"/>
+            </a:solidFill>
+          </a:ln>
+          <a:effectLst>
+            <a:outerShdw sx="100000" sy="100000" kx="0" ky="0" algn="b" rotWithShape="0" blurRad="38100" dist="23000" dir="5400000">
+              <a:srgbClr val="000000">
+                <a:alpha val="35000"/>
+              </a:srgbClr>
+            </a:outerShdw>
+          </a:effectLst>
+        </p:spPr>
+        <p:txBody>
+          <a:bodyPr lIns="45719" rIns="45719" anchor="ctr"/>
+          <a:lstStyle/>
+          <a:p>
+            <a:pPr algn="ctr">
+              <a:defRPr sz="6500">
+                <a:solidFill>
+                  <a:srgbClr val="FFFFFF"/>
+                </a:solidFill>
+                <a:latin typeface="Arial"/>
+                <a:ea typeface="Arial"/>
+                <a:cs typeface="Arial"/>
+                <a:sym typeface="Arial"/>
+              </a:defRPr>
+            </a:pPr>
+          </a:p>
+        </p:txBody>
+      </p:sp>
+      <p:sp>
+        <p:nvSpPr>
+          <p:cNvPr id="66" name="Again we see that a significant speedup is achieved in GPU-enable runs. Indeed, the average speedups of 2.86% for V100 and 5.48% for A100 are both higher their counterparts in the previous section. This is likely due to the increased complexity of the ma"/>
           <p:cNvSpPr txBox="1"/>
           <p:nvPr/>
         </p:nvSpPr>
         <p:spPr>
           <a:xfrm>
-            <a:off x="17729200" y="17056100"/>
-            <a:ext cx="14211300" cy="2472589"/>
+            <a:off x="17665700" y="25171400"/>
+            <a:ext cx="14236700" cy="5706802"/>
           </a:xfrm>
           <a:prstGeom prst="rect">
             <a:avLst/>
@@ -3650,7 +3526,7 @@
               </a:defRPr>
             </a:pPr>
             <a:r>
-              <a:t>We now move on to working with matrices where the eigenvalues and elements are generated randomly. For such matrices, we start with a diagonal matrix with random entries and then perform the random rotation to make it non-sparse.</a:t>
+              <a:t>Again we see that a significant speedup is achieved in GPU-enable runs. Indeed, the average speedups of 2.86% for V100 and 5.48% for A100 are both higher their counterparts in the previous section. This is likely due to the increased complexity of the matrix and the higher circuit depth demands more system resources and a GPU-enabled run is better at coping with that. We aim to pursue this effect as well in future work. The scaling of the speedup still follows the same pattern as above, and can be attributed to the same reasons.</a:t>
             </a:r>
           </a:p>
           <a:p>
@@ -3679,100 +3555,21 @@
               </a:defRPr>
             </a:pPr>
             <a:r>
-              <a:t>In such runs the circuit depth has the potential to grow rapidly and take a lot of time. These runs serve to verify that the implementation is viable. The times obtained for these runs are tabulated below.</a:t>
+              <a:t>These results demonstrate that one can try and solve linear systems corresponding to realistic problems with the HHL algorithm. Here we have demonstrated that using up to 12 qubits. We believe it is possible to further increase the system size and optimise both the implementation of the HHL algorithm and the compatibility with cuQuantum to obtain better speeds. We have noticed that a significant amount of time is spent during preprocessing (including transpilation) which restricts the scalability. However, we are actively working on remedying this. Once that is achieved, we plan to apply this to studying physical models related to  quantum many body physics.</a:t>
             </a:r>
           </a:p>
         </p:txBody>
       </p:sp>
       <p:sp>
         <p:nvSpPr>
-          <p:cNvPr id="70" name="Rounded Rectangle"/>
-          <p:cNvSpPr/>
-          <p:nvPr/>
-        </p:nvSpPr>
-        <p:spPr>
-          <a:xfrm>
-            <a:off x="18084800" y="20027900"/>
-            <a:ext cx="13512800" cy="4572000"/>
-          </a:xfrm>
-          <a:prstGeom prst="roundRect">
-            <a:avLst>
-              <a:gd name="adj" fmla="val 9563"/>
-            </a:avLst>
-          </a:prstGeom>
-          <a:solidFill>
-            <a:srgbClr val="FFFFFF"/>
-          </a:solidFill>
-          <a:ln w="25400">
-            <a:solidFill>
-              <a:schemeClr val="accent1"/>
-            </a:solidFill>
-          </a:ln>
-          <a:effectLst>
-            <a:outerShdw sx="100000" sy="100000" kx="0" ky="0" algn="b" rotWithShape="0" blurRad="38100" dist="23000" dir="5400000">
-              <a:srgbClr val="000000">
-                <a:alpha val="35000"/>
-              </a:srgbClr>
-            </a:outerShdw>
-          </a:effectLst>
-        </p:spPr>
-        <p:txBody>
-          <a:bodyPr lIns="45719" rIns="45719" anchor="ctr"/>
-          <a:lstStyle/>
-          <a:p>
-            <a:pPr algn="ctr">
-              <a:defRPr sz="6500">
-                <a:solidFill>
-                  <a:srgbClr val="FFFFFF"/>
-                </a:solidFill>
-                <a:latin typeface="Arial"/>
-                <a:ea typeface="Arial"/>
-                <a:cs typeface="Arial"/>
-                <a:sym typeface="Arial"/>
-              </a:defRPr>
-            </a:pPr>
-          </a:p>
-        </p:txBody>
-      </p:sp>
-      <p:pic>
-        <p:nvPicPr>
-          <p:cNvPr id="71" name="Screenshot_20240123_080500.png" descr="Screenshot_20240123_080500.png"/>
-          <p:cNvPicPr>
-            <a:picLocks noChangeAspect="1"/>
-          </p:cNvPicPr>
-          <p:nvPr/>
-        </p:nvPicPr>
-        <p:blipFill>
-          <a:blip r:embed="rId8">
-            <a:extLst/>
-          </a:blip>
-          <a:stretch>
-            <a:fillRect/>
-          </a:stretch>
-        </p:blipFill>
-        <p:spPr>
-          <a:xfrm>
-            <a:off x="18190987" y="20313422"/>
-            <a:ext cx="13085523" cy="4070578"/>
-          </a:xfrm>
-          <a:prstGeom prst="rect">
-            <a:avLst/>
-          </a:prstGeom>
-          <a:ln w="12700">
-            <a:miter lim="400000"/>
-          </a:ln>
-        </p:spPr>
-      </p:pic>
-      <p:sp>
-        <p:nvSpPr>
-          <p:cNvPr id="72" name="Linear Systems of equations are ubiquitous in all fields of science and often arise as intermediary steps in studies of physical systems. Classical methods for such problems take time that scales polynomially with the problem size.…"/>
+          <p:cNvPr id="67" name="We now move on to working with matrices where the eigenvalues and elements are generated randomly. In this scenario, a diagonal matrix with random entries is generated and then subjected to a random rotation to make it non-sparse.…"/>
           <p:cNvSpPr txBox="1"/>
           <p:nvPr/>
         </p:nvSpPr>
         <p:spPr>
           <a:xfrm>
-            <a:off x="1016000" y="6591300"/>
-            <a:ext cx="14198600" cy="5082338"/>
+            <a:off x="17729200" y="16840200"/>
+            <a:ext cx="14211300" cy="2068312"/>
           </a:xfrm>
           <a:prstGeom prst="rect">
             <a:avLst/>
@@ -3792,15 +3589,10 @@
           </a:bodyPr>
           <a:lstStyle/>
           <a:p>
-            <a:pPr marL="240631" indent="-240631">
+            <a:pPr>
               <a:lnSpc>
-                <a:spcPct val="120000"/>
+                <a:spcPct val="110000"/>
               </a:lnSpc>
-              <a:spcBef>
-                <a:spcPts val="600"/>
-              </a:spcBef>
-              <a:buSzPct val="100000"/>
-              <a:buChar char="•"/>
               <a:defRPr>
                 <a:latin typeface="Helvetica Neue"/>
                 <a:ea typeface="Helvetica Neue"/>
@@ -3809,19 +3601,14 @@
               </a:defRPr>
             </a:pPr>
             <a:r>
-              <a:t>Linear Systems of equations are ubiquitous in all fields of science and often arise as intermediary steps in studies of physical systems. Classical methods for such problems take time that scales polynomially with the problem size.</a:t>
+              <a:t>We now move on to working with matrices where the eigenvalues and elements are generated randomly. In this scenario, a diagonal matrix with random entries is generated and then subjected to a random rotation to make it non-sparse.</a:t>
             </a:r>
           </a:p>
           <a:p>
-            <a:pPr marL="240631" indent="-240631">
+            <a:pPr>
               <a:lnSpc>
-                <a:spcPct val="120000"/>
+                <a:spcPct val="110000"/>
               </a:lnSpc>
-              <a:spcBef>
-                <a:spcPts val="600"/>
-              </a:spcBef>
-              <a:buSzPct val="100000"/>
-              <a:buChar char="•"/>
               <a:defRPr>
                 <a:latin typeface="Helvetica Neue"/>
                 <a:ea typeface="Helvetica Neue"/>
@@ -3830,67 +3617,25 @@
               </a:defRPr>
             </a:pPr>
             <a:r>
-              <a:t>The HHL algorithm [1] is a quantum algorithm that is able to solve such systems in time that that scales logarithmically with the size. Below is a schematic diagram of the quantum circuit corresponding to it.</a:t>
-            </a:r>
-          </a:p>
-          <a:p>
-            <a:pPr marL="240631" indent="-240631">
-              <a:lnSpc>
-                <a:spcPct val="120000"/>
-              </a:lnSpc>
-              <a:spcBef>
-                <a:spcPts val="600"/>
-              </a:spcBef>
-              <a:buSzPct val="100000"/>
-              <a:buChar char="•"/>
-              <a:defRPr>
-                <a:latin typeface="Helvetica Neue"/>
-                <a:ea typeface="Helvetica Neue"/>
-                <a:cs typeface="Helvetica Neue"/>
-                <a:sym typeface="Helvetica Neue"/>
-              </a:defRPr>
-            </a:pPr>
-            <a:r>
-              <a:t>Thus the HHL algorithm can be used to study physical systems more efficiently once satisfactory quantum hardware is fabricated. We aim to use this and other such algorithms for studying quantum many body systems, which are often challenging to study via classical means.</a:t>
-            </a:r>
-          </a:p>
-          <a:p>
-            <a:pPr marL="240631" indent="-240631">
-              <a:lnSpc>
-                <a:spcPct val="120000"/>
-              </a:lnSpc>
-              <a:spcBef>
-                <a:spcPts val="600"/>
-              </a:spcBef>
-              <a:buSzPct val="100000"/>
-              <a:buChar char="•"/>
-              <a:defRPr>
-                <a:latin typeface="Helvetica Neue"/>
-                <a:ea typeface="Helvetica Neue"/>
-                <a:cs typeface="Helvetica Neue"/>
-                <a:sym typeface="Helvetica Neue"/>
-              </a:defRPr>
-            </a:pPr>
-            <a:r>
-              <a:t>Quantum simulation can be used to test and refine the implementation of the algorithm, as well as optimise it for relevant applications. </a:t>
+              <a:t>In such runs the circuit depth is much higher and thus the simulation takes considerable time. The times obtained for these runs are tabulated and plotted below.</a:t>
             </a:r>
           </a:p>
         </p:txBody>
       </p:sp>
       <p:sp>
         <p:nvSpPr>
-          <p:cNvPr id="73" name="Rounded Rectangle"/>
+          <p:cNvPr id="68" name="Rounded Rectangle"/>
           <p:cNvSpPr/>
           <p:nvPr/>
         </p:nvSpPr>
         <p:spPr>
           <a:xfrm>
-            <a:off x="2082800" y="12179300"/>
-            <a:ext cx="12433300" cy="4927600"/>
+            <a:off x="17741900" y="19253200"/>
+            <a:ext cx="14147800" cy="5384800"/>
           </a:xfrm>
           <a:prstGeom prst="roundRect">
             <a:avLst>
-              <a:gd name="adj" fmla="val 8872"/>
+              <a:gd name="adj" fmla="val 8119"/>
             </a:avLst>
           </a:prstGeom>
           <a:solidFill>
@@ -3927,45 +3672,16 @@
           </a:p>
         </p:txBody>
       </p:sp>
-      <p:pic>
-        <p:nvPicPr>
-          <p:cNvPr id="74" name="block.png" descr="block.png"/>
-          <p:cNvPicPr>
-            <a:picLocks noChangeAspect="1"/>
-          </p:cNvPicPr>
-          <p:nvPr/>
-        </p:nvPicPr>
-        <p:blipFill>
-          <a:blip r:embed="rId9">
-            <a:extLst/>
-          </a:blip>
-          <a:stretch>
-            <a:fillRect/>
-          </a:stretch>
-        </p:blipFill>
-        <p:spPr>
-          <a:xfrm>
-            <a:off x="2284757" y="12255628"/>
-            <a:ext cx="11991287" cy="4673601"/>
-          </a:xfrm>
-          <a:prstGeom prst="rect">
-            <a:avLst/>
-          </a:prstGeom>
-          <a:ln w="12700">
-            <a:miter lim="400000"/>
-          </a:ln>
-        </p:spPr>
-      </p:pic>
       <p:sp>
         <p:nvSpPr>
-          <p:cNvPr id="75" name="Further, NVIDIA's cuQuantum SDK allows us to speed up such simulations. It has been demonstrated to provide significant speedups to routine like Shor's Algorithm, the Quantum Fourier Transform, etc. [2,3] to create and we believe it will allow us to bett"/>
+          <p:cNvPr id="69" name="Linear Systems of equations are ubiquitous in all fields of science and often arise as intermediary steps in studies of physical systems. Classical methods for solving such problems take time that scales polynomially with the problem size.…"/>
           <p:cNvSpPr txBox="1"/>
           <p:nvPr/>
         </p:nvSpPr>
         <p:spPr>
           <a:xfrm>
-            <a:off x="990600" y="17665700"/>
-            <a:ext cx="14198600" cy="3685378"/>
+            <a:off x="1016000" y="6591300"/>
+            <a:ext cx="14198600" cy="2288419"/>
           </a:xfrm>
           <a:prstGeom prst="rect">
             <a:avLst/>
@@ -4002,7 +3718,7 @@
               </a:defRPr>
             </a:pPr>
             <a:r>
-              <a:t>Further, NVIDIA's cuQuantum SDK allows us to speed up such simulations. It has been demonstrated to provide significant speedups to routine like Shor's Algorithm, the Quantum Fourier Transform, etc. [2,3] to create and we believe it will allow us to better explore the capabilities for when suitable quantum hardware is available.</a:t>
+              <a:t>Linear Systems of equations are ubiquitous in all fields of science and often arise as intermediary steps in studies of physical systems. Classical methods for solving such problems take time that scales polynomially with the problem size.</a:t>
             </a:r>
           </a:p>
           <a:p>
@@ -4023,9 +3739,118 @@
               </a:defRPr>
             </a:pPr>
             <a:r>
-              <a:t>We thus chose to use cuQuantum to accelerate the simulations of the HHL algorithm with the goal of optimising it and making it scalable to higher system sizes and number of qubits.</a:t>
+              <a:t>The HHL algorithm [1] is a quantum algorithm that is able to solve such systems in time that scales logarithmically with the size. Below is a schematic diagram of the quantum circuit corresponding to it.</a:t>
             </a:r>
           </a:p>
+        </p:txBody>
+      </p:sp>
+      <p:sp>
+        <p:nvSpPr>
+          <p:cNvPr id="70" name="Rounded Rectangle"/>
+          <p:cNvSpPr/>
+          <p:nvPr/>
+        </p:nvSpPr>
+        <p:spPr>
+          <a:xfrm>
+            <a:off x="2082800" y="9537700"/>
+            <a:ext cx="12433300" cy="4927600"/>
+          </a:xfrm>
+          <a:prstGeom prst="roundRect">
+            <a:avLst>
+              <a:gd name="adj" fmla="val 8872"/>
+            </a:avLst>
+          </a:prstGeom>
+          <a:solidFill>
+            <a:srgbClr val="FFFFFF"/>
+          </a:solidFill>
+          <a:ln w="25400">
+            <a:solidFill>
+              <a:schemeClr val="accent1"/>
+            </a:solidFill>
+          </a:ln>
+          <a:effectLst>
+            <a:outerShdw sx="100000" sy="100000" kx="0" ky="0" algn="b" rotWithShape="0" blurRad="38100" dist="23000" dir="5400000">
+              <a:srgbClr val="000000">
+                <a:alpha val="35000"/>
+              </a:srgbClr>
+            </a:outerShdw>
+          </a:effectLst>
+        </p:spPr>
+        <p:txBody>
+          <a:bodyPr lIns="45719" rIns="45719" anchor="ctr"/>
+          <a:lstStyle/>
+          <a:p>
+            <a:pPr algn="ctr">
+              <a:defRPr sz="6500">
+                <a:solidFill>
+                  <a:srgbClr val="FFFFFF"/>
+                </a:solidFill>
+                <a:latin typeface="Arial"/>
+                <a:ea typeface="Arial"/>
+                <a:cs typeface="Arial"/>
+                <a:sym typeface="Arial"/>
+              </a:defRPr>
+            </a:pPr>
+          </a:p>
+        </p:txBody>
+      </p:sp>
+      <p:pic>
+        <p:nvPicPr>
+          <p:cNvPr id="71" name="block.png" descr="block.png"/>
+          <p:cNvPicPr>
+            <a:picLocks noChangeAspect="1"/>
+          </p:cNvPicPr>
+          <p:nvPr/>
+        </p:nvPicPr>
+        <p:blipFill>
+          <a:blip r:embed="rId6">
+            <a:extLst/>
+          </a:blip>
+          <a:stretch>
+            <a:fillRect/>
+          </a:stretch>
+        </p:blipFill>
+        <p:spPr>
+          <a:xfrm>
+            <a:off x="2297457" y="9652128"/>
+            <a:ext cx="11991287" cy="4673601"/>
+          </a:xfrm>
+          <a:prstGeom prst="rect">
+            <a:avLst/>
+          </a:prstGeom>
+          <a:ln w="12700">
+            <a:miter lim="400000"/>
+          </a:ln>
+        </p:spPr>
+      </p:pic>
+      <p:sp>
+        <p:nvSpPr>
+          <p:cNvPr id="72" name="The HHL algorithm can be employed solve large linear systems and hence investigate physical systems more efficiently once satisfactory quantum hardware is available. We aim to use this and other such algorithms for studying quantum many body systems, whi"/>
+          <p:cNvSpPr txBox="1"/>
+          <p:nvPr/>
+        </p:nvSpPr>
+        <p:spPr>
+          <a:xfrm>
+            <a:off x="990600" y="14998700"/>
+            <a:ext cx="14198600" cy="5522591"/>
+          </a:xfrm>
+          <a:prstGeom prst="rect">
+            <a:avLst/>
+          </a:prstGeom>
+          <a:ln w="12700">
+            <a:miter lim="400000"/>
+          </a:ln>
+          <a:extLst>
+            <a:ext uri="{C572A759-6A51-4108-AA02-DFA0A04FC94B}">
+              <ma14:wrappingTextBoxFlag xmlns:ma14="http://schemas.microsoft.com/office/mac/drawingml/2011/main" val="1"/>
+            </a:ext>
+          </a:extLst>
+        </p:spPr>
+        <p:txBody>
+          <a:bodyPr lIns="45719" rIns="45719">
+            <a:spAutoFit/>
+          </a:bodyPr>
+          <a:lstStyle/>
           <a:p>
             <a:pPr marL="240631" indent="-240631">
               <a:lnSpc>
@@ -4044,14 +3869,77 @@
               </a:defRPr>
             </a:pPr>
             <a:r>
-              <a:t>In this poster, we present results regarding the implementation of the HHL algorithm and the speedups gained by GPU enablement via cuQuantum.</a:t>
+              <a:t>The HHL algorithm can be employed solve large linear systems and hence investigate physical systems more efficiently once satisfactory quantum hardware is available. We aim to use this and other such algorithms for studying quantum many body systems, which are often challenging to study via classical means.</a:t>
+            </a:r>
+          </a:p>
+          <a:p>
+            <a:pPr marL="240631" indent="-240631">
+              <a:lnSpc>
+                <a:spcPct val="120000"/>
+              </a:lnSpc>
+              <a:spcBef>
+                <a:spcPts val="600"/>
+              </a:spcBef>
+              <a:buSzPct val="100000"/>
+              <a:buChar char="•"/>
+              <a:defRPr>
+                <a:latin typeface="Helvetica Neue"/>
+                <a:ea typeface="Helvetica Neue"/>
+                <a:cs typeface="Helvetica Neue"/>
+                <a:sym typeface="Helvetica Neue"/>
+              </a:defRPr>
+            </a:pPr>
+            <a:r>
+              <a:t>Further, NVIDIA's cuQuantum SDK allows us to speed up such simulations using GPUs. It has been demonstrated to provide significant speedups to routine like Shor's Algorithm, the Quantum Fourier Transform, and Sycamore [2,3]. We believe that cuQuantum will allow us to exploit classical hardware for quantum simulation and be quantum ready when the requisite quantum hardware is available.</a:t>
+            </a:r>
+          </a:p>
+          <a:p>
+            <a:pPr marL="240631" indent="-240631">
+              <a:lnSpc>
+                <a:spcPct val="120000"/>
+              </a:lnSpc>
+              <a:spcBef>
+                <a:spcPts val="600"/>
+              </a:spcBef>
+              <a:buSzPct val="100000"/>
+              <a:buChar char="•"/>
+              <a:defRPr>
+                <a:latin typeface="Helvetica Neue"/>
+                <a:ea typeface="Helvetica Neue"/>
+                <a:cs typeface="Helvetica Neue"/>
+                <a:sym typeface="Helvetica Neue"/>
+              </a:defRPr>
+            </a:pPr>
+            <a:r>
+              <a:t>The HHL algorithm is implemented with cuQuantum with the goal of performance optimisation and making it scalable to higher system sizes and number of qubits.</a:t>
+            </a:r>
+          </a:p>
+          <a:p>
+            <a:pPr marL="240631" indent="-240631">
+              <a:lnSpc>
+                <a:spcPct val="120000"/>
+              </a:lnSpc>
+              <a:spcBef>
+                <a:spcPts val="600"/>
+              </a:spcBef>
+              <a:buSzPct val="100000"/>
+              <a:buChar char="•"/>
+              <a:defRPr>
+                <a:latin typeface="Helvetica Neue"/>
+                <a:ea typeface="Helvetica Neue"/>
+                <a:cs typeface="Helvetica Neue"/>
+                <a:sym typeface="Helvetica Neue"/>
+              </a:defRPr>
+            </a:pPr>
+            <a:r>
+              <a:t>In this work, we present initial results obtained from the implementation of the HHL algorithm and the speedups gained by GPU enablement.</a:t>
             </a:r>
           </a:p>
         </p:txBody>
       </p:sp>
       <p:sp>
         <p:nvSpPr>
-          <p:cNvPr id="76" name="Rectangle: Rounded Corners 38"/>
+          <p:cNvPr id="73" name="Rectangle: Rounded Corners 38"/>
           <p:cNvSpPr/>
           <p:nvPr/>
         </p:nvSpPr>
@@ -4094,7 +3982,7 @@
       </p:sp>
       <p:sp>
         <p:nvSpPr>
-          <p:cNvPr id="77" name="TextBox 46"/>
+          <p:cNvPr id="74" name="TextBox 46"/>
           <p:cNvSpPr txBox="1"/>
           <p:nvPr/>
         </p:nvSpPr>
@@ -4140,6 +4028,180 @@
           </a:p>
         </p:txBody>
       </p:sp>
+      <p:pic>
+        <p:nvPicPr>
+          <p:cNvPr id="75" name="diag.png" descr="diag.png"/>
+          <p:cNvPicPr>
+            <a:picLocks noChangeAspect="1"/>
+          </p:cNvPicPr>
+          <p:nvPr/>
+        </p:nvPicPr>
+        <p:blipFill>
+          <a:blip r:embed="rId7">
+            <a:extLst/>
+          </a:blip>
+          <a:stretch>
+            <a:fillRect/>
+          </a:stretch>
+        </p:blipFill>
+        <p:spPr>
+          <a:xfrm>
+            <a:off x="1532037" y="27514844"/>
+            <a:ext cx="6651427" cy="3238501"/>
+          </a:xfrm>
+          <a:prstGeom prst="rect">
+            <a:avLst/>
+          </a:prstGeom>
+          <a:ln w="12700">
+            <a:miter lim="400000"/>
+          </a:ln>
+        </p:spPr>
+      </p:pic>
+      <p:pic>
+        <p:nvPicPr>
+          <p:cNvPr id="76" name="diag.png" descr="diag.png"/>
+          <p:cNvPicPr>
+            <a:picLocks noChangeAspect="1"/>
+          </p:cNvPicPr>
+          <p:nvPr/>
+        </p:nvPicPr>
+        <p:blipFill>
+          <a:blip r:embed="rId8">
+            <a:extLst/>
+          </a:blip>
+          <a:stretch>
+            <a:fillRect/>
+          </a:stretch>
+        </p:blipFill>
+        <p:spPr>
+          <a:xfrm>
+            <a:off x="8369300" y="26720800"/>
+            <a:ext cx="6368251" cy="4978400"/>
+          </a:xfrm>
+          <a:prstGeom prst="rect">
+            <a:avLst/>
+          </a:prstGeom>
+          <a:ln w="12700">
+            <a:miter lim="400000"/>
+          </a:ln>
+        </p:spPr>
+      </p:pic>
+      <p:pic>
+        <p:nvPicPr>
+          <p:cNvPr id="77" name="diagr.png" descr="diagr.png"/>
+          <p:cNvPicPr>
+            <a:picLocks noChangeAspect="1"/>
+          </p:cNvPicPr>
+          <p:nvPr/>
+        </p:nvPicPr>
+        <p:blipFill>
+          <a:blip r:embed="rId9">
+            <a:extLst/>
+          </a:blip>
+          <a:stretch>
+            <a:fillRect/>
+          </a:stretch>
+        </p:blipFill>
+        <p:spPr>
+          <a:xfrm>
+            <a:off x="24862792" y="5432578"/>
+            <a:ext cx="6489701" cy="5073344"/>
+          </a:xfrm>
+          <a:prstGeom prst="rect">
+            <a:avLst/>
+          </a:prstGeom>
+          <a:ln w="12700">
+            <a:miter lim="400000"/>
+          </a:ln>
+        </p:spPr>
+      </p:pic>
+      <p:pic>
+        <p:nvPicPr>
+          <p:cNvPr id="78" name="diagr.png" descr="diagr.png"/>
+          <p:cNvPicPr>
+            <a:picLocks noChangeAspect="1"/>
+          </p:cNvPicPr>
+          <p:nvPr/>
+        </p:nvPicPr>
+        <p:blipFill>
+          <a:blip r:embed="rId10">
+            <a:extLst/>
+          </a:blip>
+          <a:stretch>
+            <a:fillRect/>
+          </a:stretch>
+        </p:blipFill>
+        <p:spPr>
+          <a:xfrm>
+            <a:off x="17843500" y="6337344"/>
+            <a:ext cx="6908800" cy="3086012"/>
+          </a:xfrm>
+          <a:prstGeom prst="rect">
+            <a:avLst/>
+          </a:prstGeom>
+          <a:ln w="12700">
+            <a:miter lim="400000"/>
+          </a:ln>
+        </p:spPr>
+      </p:pic>
+      <p:pic>
+        <p:nvPicPr>
+          <p:cNvPr id="79" name="gen.png" descr="gen.png"/>
+          <p:cNvPicPr>
+            <a:picLocks noChangeAspect="1"/>
+          </p:cNvPicPr>
+          <p:nvPr/>
+        </p:nvPicPr>
+        <p:blipFill>
+          <a:blip r:embed="rId11">
+            <a:extLst/>
+          </a:blip>
+          <a:stretch>
+            <a:fillRect/>
+          </a:stretch>
+        </p:blipFill>
+        <p:spPr>
+          <a:xfrm>
+            <a:off x="17907000" y="20059871"/>
+            <a:ext cx="7023100" cy="3339657"/>
+          </a:xfrm>
+          <a:prstGeom prst="rect">
+            <a:avLst/>
+          </a:prstGeom>
+          <a:ln w="12700">
+            <a:miter lim="400000"/>
+          </a:ln>
+        </p:spPr>
+      </p:pic>
+      <p:pic>
+        <p:nvPicPr>
+          <p:cNvPr id="80" name="gen.png" descr="gen.png"/>
+          <p:cNvPicPr>
+            <a:picLocks noChangeAspect="1"/>
+          </p:cNvPicPr>
+          <p:nvPr/>
+        </p:nvPicPr>
+        <p:blipFill>
+          <a:blip r:embed="rId12">
+            <a:extLst/>
+          </a:blip>
+          <a:stretch>
+            <a:fillRect/>
+          </a:stretch>
+        </p:blipFill>
+        <p:spPr>
+          <a:xfrm>
+            <a:off x="25161214" y="19441836"/>
+            <a:ext cx="6468108" cy="5056464"/>
+          </a:xfrm>
+          <a:prstGeom prst="rect">
+            <a:avLst/>
+          </a:prstGeom>
+          <a:ln w="12700">
+            <a:miter lim="400000"/>
+          </a:ln>
+        </p:spPr>
+      </p:pic>
     </p:spTree>
   </p:cSld>
   <p:clrMapOvr>

--- a/poster/poster_hql 2.pptx
+++ b/poster/poster_hql 2.pptx
@@ -1791,7 +1791,7 @@
         </p:nvSpPr>
         <p:spPr>
           <a:xfrm>
-            <a:off x="723900" y="37122100"/>
+            <a:off x="723900" y="37503100"/>
             <a:ext cx="15163800" cy="4508500"/>
           </a:xfrm>
           <a:prstGeom prst="roundRect">
@@ -2061,7 +2061,7 @@
         <p:spPr>
           <a:xfrm>
             <a:off x="723900" y="5489197"/>
-            <a:ext cx="15300341" cy="15481301"/>
+            <a:ext cx="15300341" cy="16459201"/>
           </a:xfrm>
           <a:prstGeom prst="roundRect">
             <a:avLst>
@@ -2706,7 +2706,7 @@
         </p:nvSpPr>
         <p:spPr>
           <a:xfrm>
-            <a:off x="723900" y="22809200"/>
+            <a:off x="723900" y="23317200"/>
             <a:ext cx="15163800" cy="12649200"/>
           </a:xfrm>
           <a:prstGeom prst="roundRect">
@@ -2756,7 +2756,7 @@
         </p:nvSpPr>
         <p:spPr>
           <a:xfrm>
-            <a:off x="723900" y="21904675"/>
+            <a:off x="723900" y="22412675"/>
             <a:ext cx="15176500" cy="1199541"/>
           </a:xfrm>
           <a:prstGeom prst="roundRect">
@@ -2799,7 +2799,7 @@
         </p:nvSpPr>
         <p:spPr>
           <a:xfrm>
-            <a:off x="987165" y="22153546"/>
+            <a:off x="987165" y="22661546"/>
             <a:ext cx="13817962" cy="637541"/>
           </a:xfrm>
           <a:prstGeom prst="rect">
@@ -2847,7 +2847,7 @@
         </p:nvSpPr>
         <p:spPr>
           <a:xfrm>
-            <a:off x="990600" y="23710900"/>
+            <a:off x="990600" y="24218900"/>
             <a:ext cx="13931900" cy="2212219"/>
           </a:xfrm>
           <a:prstGeom prst="rect">
@@ -3039,7 +3039,7 @@
         </p:nvSpPr>
         <p:spPr>
           <a:xfrm>
-            <a:off x="711200" y="36195000"/>
+            <a:off x="711200" y="36576000"/>
             <a:ext cx="15176500" cy="1199541"/>
           </a:xfrm>
           <a:prstGeom prst="roundRect">
@@ -3082,7 +3082,7 @@
         </p:nvSpPr>
         <p:spPr>
           <a:xfrm>
-            <a:off x="1104900" y="36449000"/>
+            <a:off x="1104900" y="36830000"/>
             <a:ext cx="13817962" cy="636979"/>
           </a:xfrm>
           <a:prstGeom prst="rect">
@@ -3130,7 +3130,7 @@
         </p:nvSpPr>
         <p:spPr>
           <a:xfrm>
-            <a:off x="990600" y="37922200"/>
+            <a:off x="990600" y="38303200"/>
             <a:ext cx="14211300" cy="3092725"/>
           </a:xfrm>
           <a:prstGeom prst="rect">
@@ -3309,7 +3309,7 @@
         </p:nvSpPr>
         <p:spPr>
           <a:xfrm>
-            <a:off x="1333500" y="26492200"/>
+            <a:off x="1333500" y="27000200"/>
             <a:ext cx="14071600" cy="5410200"/>
           </a:xfrm>
           <a:prstGeom prst="roundRect">
@@ -3359,7 +3359,7 @@
         </p:nvSpPr>
         <p:spPr>
           <a:xfrm>
-            <a:off x="990600" y="32270700"/>
+            <a:off x="990600" y="32778700"/>
             <a:ext cx="13931900" cy="2804872"/>
           </a:xfrm>
           <a:prstGeom prst="rect">
@@ -3825,14 +3825,14 @@
       </p:pic>
       <p:sp>
         <p:nvSpPr>
-          <p:cNvPr id="72" name="The HHL algorithm can be employed solve large linear systems and hence investigate physical systems more efficiently once satisfactory quantum hardware is available. We aim to use this and other such algorithms for studying quantum many body systems, whi"/>
+          <p:cNvPr id="72" name="The HHL algorithm employs Quantum Phase Estimation and the Quantum Fourier Transform to estimate the eigenphases of a hermitian matrix A. These are then employed to invert the matrix and solve the titular problem Ax=b.…"/>
           <p:cNvSpPr txBox="1"/>
           <p:nvPr/>
         </p:nvSpPr>
         <p:spPr>
           <a:xfrm>
-            <a:off x="990600" y="14998700"/>
-            <a:ext cx="14198600" cy="5522591"/>
+            <a:off x="990600" y="14617700"/>
+            <a:ext cx="14198600" cy="6919550"/>
           </a:xfrm>
           <a:prstGeom prst="rect">
             <a:avLst/>
@@ -3869,7 +3869,42 @@
               </a:defRPr>
             </a:pPr>
             <a:r>
-              <a:t>The HHL algorithm can be employed solve large linear systems and hence investigate physical systems more efficiently once satisfactory quantum hardware is available. We aim to use this and other such algorithms for studying quantum many body systems, which are often challenging to study via classical means.</a:t>
+              <a:t>The HHL algorithm employs Quantum Phase Estimation and the Quantum Fourier Transform to estimate the eigenphases of a hermitian matrix </a:t>
+            </a:r>
+            <a:r>
+              <a:rPr i="1"/>
+              <a:t>A</a:t>
+            </a:r>
+            <a:r>
+              <a:t>. These are then employed to invert the matrix and solve the titular problem </a:t>
+            </a:r>
+            <a:r>
+              <a:rPr i="1"/>
+              <a:t>A</a:t>
+            </a:r>
+            <a:r>
+              <a:t>x=b.</a:t>
+            </a:r>
+          </a:p>
+          <a:p>
+            <a:pPr marL="240631" indent="-240631">
+              <a:lnSpc>
+                <a:spcPct val="120000"/>
+              </a:lnSpc>
+              <a:spcBef>
+                <a:spcPts val="600"/>
+              </a:spcBef>
+              <a:buSzPct val="100000"/>
+              <a:buChar char="•"/>
+              <a:defRPr>
+                <a:latin typeface="Helvetica Neue"/>
+                <a:ea typeface="Helvetica Neue"/>
+                <a:cs typeface="Helvetica Neue"/>
+                <a:sym typeface="Helvetica Neue"/>
+              </a:defRPr>
+            </a:pPr>
+            <a:r>
+              <a:t>The algorithm can be employed solve large linear systems and hence investigate physical systems more efficiently once satisfactory quantum hardware is available. We aim to use this and other such algorithms for studying quantum many body systems, which are often challenging to study via classical means.</a:t>
             </a:r>
           </a:p>
           <a:p>
@@ -4046,7 +4081,7 @@
         </p:blipFill>
         <p:spPr>
           <a:xfrm>
-            <a:off x="1532037" y="27514844"/>
+            <a:off x="1532037" y="28022844"/>
             <a:ext cx="6651427" cy="3238501"/>
           </a:xfrm>
           <a:prstGeom prst="rect">
@@ -4075,7 +4110,7 @@
         </p:blipFill>
         <p:spPr>
           <a:xfrm>
-            <a:off x="8369300" y="26720800"/>
+            <a:off x="8369300" y="27228800"/>
             <a:ext cx="6368251" cy="4978400"/>
           </a:xfrm>
           <a:prstGeom prst="rect">

--- a/poster/poster_hql 2.pptx
+++ b/poster/poster_hql 2.pptx
@@ -3825,7 +3825,7 @@
       </p:pic>
       <p:sp>
         <p:nvSpPr>
-          <p:cNvPr id="72" name="The HHL algorithm employs Quantum Phase Estimation and the Quantum Fourier Transform to estimate the eigenphases of a hermitian matrix A. These are then employed to invert the matrix and solve the titular problem Ax=b.…"/>
+          <p:cNvPr id="72" name="This algorithm employs Quantum Phase Estimation and the Quantum Fourier Transform (FT in the illustration) to estimate the eigenphases of a hermitian matrix A. These phases are then employed to invert the matrix and solve the titular problem Ax=b via the"/>
           <p:cNvSpPr txBox="1"/>
           <p:nvPr/>
         </p:nvSpPr>
@@ -3869,21 +3869,36 @@
               </a:defRPr>
             </a:pPr>
             <a:r>
-              <a:t>The HHL algorithm employs Quantum Phase Estimation and the Quantum Fourier Transform to estimate the eigenphases of a hermitian matrix </a:t>
+              <a:t>This algorithm employs Quantum Phase Estimation and the Quantum Fourier Transform (FT in the illustration) to estimate the eigenphases of a hermitian matrix </a:t>
             </a:r>
             <a:r>
               <a:rPr i="1"/>
               <a:t>A</a:t>
             </a:r>
             <a:r>
-              <a:t>. These are then employed to invert the matrix and solve the titular problem </a:t>
+              <a:t>. These phases are then employed to invert the matrix and solve the titular problem </a:t>
             </a:r>
             <a:r>
               <a:rPr i="1"/>
               <a:t>A</a:t>
             </a:r>
             <a:r>
-              <a:t>x=b.</a:t>
+              <a:t>x=b via the </a:t>
+            </a:r>
+            <a:r>
+              <a:rPr i="1"/>
+              <a:t>R(λ</a:t>
+            </a:r>
+            <a:r>
+              <a:rPr baseline="31999" i="1"/>
+              <a:t>-1</a:t>
+            </a:r>
+            <a:r>
+              <a:rPr i="1"/>
+              <a:t>) </a:t>
+            </a:r>
+            <a:r>
+              <a:t>rotations.</a:t>
             </a:r>
           </a:p>
           <a:p>
